--- a/Project_1_NBA/NBA.pptx
+++ b/Project_1_NBA/NBA.pptx
@@ -5,7 +5,7 @@
     <p:sldMasterId id="2147483648" r:id="rId1"/>
   </p:sldMasterIdLst>
   <p:notesMasterIdLst>
-    <p:notesMasterId r:id="rId46"/>
+    <p:notesMasterId r:id="rId37"/>
   </p:notesMasterIdLst>
   <p:sldIdLst>
     <p:sldId id="256" r:id="rId2"/>
@@ -21,37 +21,28 @@
     <p:sldId id="297" r:id="rId12"/>
     <p:sldId id="299" r:id="rId13"/>
     <p:sldId id="295" r:id="rId14"/>
-    <p:sldId id="272" r:id="rId15"/>
-    <p:sldId id="283" r:id="rId16"/>
-    <p:sldId id="298" r:id="rId17"/>
-    <p:sldId id="300" r:id="rId18"/>
-    <p:sldId id="301" r:id="rId19"/>
-    <p:sldId id="302" r:id="rId20"/>
-    <p:sldId id="303" r:id="rId21"/>
-    <p:sldId id="304" r:id="rId22"/>
-    <p:sldId id="305" r:id="rId23"/>
-    <p:sldId id="290" r:id="rId24"/>
-    <p:sldId id="291" r:id="rId25"/>
-    <p:sldId id="292" r:id="rId26"/>
-    <p:sldId id="294" r:id="rId27"/>
-    <p:sldId id="306" r:id="rId28"/>
+    <p:sldId id="277" r:id="rId15"/>
+    <p:sldId id="272" r:id="rId16"/>
+    <p:sldId id="283" r:id="rId17"/>
+    <p:sldId id="298" r:id="rId18"/>
+    <p:sldId id="300" r:id="rId19"/>
+    <p:sldId id="261" r:id="rId20"/>
+    <p:sldId id="301" r:id="rId21"/>
+    <p:sldId id="302" r:id="rId22"/>
+    <p:sldId id="303" r:id="rId23"/>
+    <p:sldId id="304" r:id="rId24"/>
+    <p:sldId id="290" r:id="rId25"/>
+    <p:sldId id="291" r:id="rId26"/>
+    <p:sldId id="292" r:id="rId27"/>
+    <p:sldId id="294" r:id="rId28"/>
     <p:sldId id="282" r:id="rId29"/>
-    <p:sldId id="307" r:id="rId30"/>
-    <p:sldId id="308" r:id="rId31"/>
-    <p:sldId id="309" r:id="rId32"/>
-    <p:sldId id="310" r:id="rId33"/>
-    <p:sldId id="311" r:id="rId34"/>
-    <p:sldId id="312" r:id="rId35"/>
-    <p:sldId id="313" r:id="rId36"/>
-    <p:sldId id="314" r:id="rId37"/>
-    <p:sldId id="315" r:id="rId38"/>
-    <p:sldId id="273" r:id="rId39"/>
-    <p:sldId id="285" r:id="rId40"/>
-    <p:sldId id="284" r:id="rId41"/>
-    <p:sldId id="318" r:id="rId42"/>
-    <p:sldId id="317" r:id="rId43"/>
-    <p:sldId id="316" r:id="rId44"/>
-    <p:sldId id="296" r:id="rId45"/>
+    <p:sldId id="273" r:id="rId30"/>
+    <p:sldId id="285" r:id="rId31"/>
+    <p:sldId id="284" r:id="rId32"/>
+    <p:sldId id="286" r:id="rId33"/>
+    <p:sldId id="287" r:id="rId34"/>
+    <p:sldId id="288" r:id="rId35"/>
+    <p:sldId id="296" r:id="rId36"/>
   </p:sldIdLst>
   <p:sldSz cx="12192000" cy="6858000"/>
   <p:notesSz cx="6858000" cy="9144000"/>
@@ -168,40 +159,45 @@
             <p14:sldId id="297"/>
             <p14:sldId id="299"/>
             <p14:sldId id="295"/>
+            <p14:sldId id="277"/>
             <p14:sldId id="272"/>
             <p14:sldId id="283"/>
             <p14:sldId id="298"/>
             <p14:sldId id="300"/>
+            <p14:sldId id="261"/>
             <p14:sldId id="301"/>
             <p14:sldId id="302"/>
             <p14:sldId id="303"/>
             <p14:sldId id="304"/>
-            <p14:sldId id="305"/>
             <p14:sldId id="290"/>
             <p14:sldId id="291"/>
             <p14:sldId id="292"/>
             <p14:sldId id="294"/>
-            <p14:sldId id="306"/>
             <p14:sldId id="282"/>
-            <p14:sldId id="307"/>
-            <p14:sldId id="308"/>
-            <p14:sldId id="309"/>
-            <p14:sldId id="310"/>
-            <p14:sldId id="311"/>
-            <p14:sldId id="312"/>
-            <p14:sldId id="313"/>
-            <p14:sldId id="314"/>
-            <p14:sldId id="315"/>
             <p14:sldId id="273"/>
             <p14:sldId id="285"/>
             <p14:sldId id="284"/>
-            <p14:sldId id="318"/>
-            <p14:sldId id="317"/>
-            <p14:sldId id="316"/>
+            <p14:sldId id="286"/>
+            <p14:sldId id="287"/>
+            <p14:sldId id="288"/>
             <p14:sldId id="296"/>
           </p14:sldIdLst>
         </p14:section>
       </p14:sectionLst>
+    </p:ext>
+    <p:ext uri="{EFAFB233-063F-42B5-8137-9DF3F51BA10A}">
+      <p15:sldGuideLst xmlns:p15="http://schemas.microsoft.com/office/powerpoint/2012/main">
+        <p15:guide id="1" orient="horz" pos="2160">
+          <p15:clr>
+            <a:srgbClr val="A4A3A4"/>
+          </p15:clr>
+        </p15:guide>
+        <p15:guide id="2" pos="3840">
+          <p15:clr>
+            <a:srgbClr val="A4A3A4"/>
+          </p15:clr>
+        </p15:guide>
+      </p15:sldGuideLst>
     </p:ext>
   </p:extLst>
 </p:presentation>
@@ -289,7 +285,7 @@
           <a:p>
             <a:fld id="{2BDC494C-2600-49DE-8E12-4ADCEEE338A0}" type="datetimeFigureOut">
               <a:rPr lang="en-US" smtClean="0"/>
-              <a:t>5/4/2023</a:t>
+              <a:t>5/4/23</a:t>
             </a:fld>
             <a:endParaRPr lang="en-US"/>
           </a:p>
@@ -353,38 +349,37 @@
           <a:p>
             <a:pPr lvl="0"/>
             <a:r>
-              <a:rPr lang="en-US" smtClean="0"/>
+              <a:rPr lang="en-US"/>
               <a:t>Click to edit Master text styles</a:t>
             </a:r>
           </a:p>
           <a:p>
             <a:pPr lvl="1"/>
             <a:r>
-              <a:rPr lang="en-US" smtClean="0"/>
+              <a:rPr lang="en-US"/>
               <a:t>Second level</a:t>
             </a:r>
           </a:p>
           <a:p>
             <a:pPr lvl="2"/>
             <a:r>
-              <a:rPr lang="en-US" smtClean="0"/>
+              <a:rPr lang="en-US"/>
               <a:t>Third level</a:t>
             </a:r>
           </a:p>
           <a:p>
             <a:pPr lvl="3"/>
             <a:r>
-              <a:rPr lang="en-US" smtClean="0"/>
+              <a:rPr lang="en-US"/>
               <a:t>Fourth level</a:t>
             </a:r>
           </a:p>
           <a:p>
             <a:pPr lvl="4"/>
             <a:r>
-              <a:rPr lang="en-US" smtClean="0"/>
+              <a:rPr lang="en-US"/>
               <a:t>Fifth level</a:t>
             </a:r>
-            <a:endParaRPr lang="en-US"/>
           </a:p>
         </p:txBody>
       </p:sp>
@@ -602,10 +597,9 @@
           <a:lstStyle/>
           <a:p>
             <a:r>
-              <a:rPr lang="en-US" dirty="0" smtClean="0"/>
+              <a:rPr lang="en-US" dirty="0"/>
               <a:t>Business Title Page</a:t>
             </a:r>
-            <a:endParaRPr lang="en-US" dirty="0"/>
           </a:p>
         </p:txBody>
       </p:sp>
@@ -636,6 +630,602 @@
     <p:extLst>
       <p:ext uri="{BB962C8B-B14F-4D97-AF65-F5344CB8AC3E}">
         <p14:creationId xmlns:p14="http://schemas.microsoft.com/office/powerpoint/2010/main" val="1937341488"/>
+      </p:ext>
+    </p:extLst>
+  </p:cSld>
+  <p:clrMapOvr>
+    <a:masterClrMapping/>
+  </p:clrMapOvr>
+</p:notes>
+</file>
+
+<file path=ppt/notesSlides/notesSlide2.xml><?xml version="1.0" encoding="utf-8"?>
+<p:notes xmlns:a="http://schemas.openxmlformats.org/drawingml/2006/main" xmlns:r="http://schemas.openxmlformats.org/officeDocument/2006/relationships" xmlns:p="http://schemas.openxmlformats.org/presentationml/2006/main">
+  <p:cSld>
+    <p:spTree>
+      <p:nvGrpSpPr>
+        <p:cNvPr id="1" name=""/>
+        <p:cNvGrpSpPr/>
+        <p:nvPr/>
+      </p:nvGrpSpPr>
+      <p:grpSpPr>
+        <a:xfrm>
+          <a:off x="0" y="0"/>
+          <a:ext cx="0" cy="0"/>
+          <a:chOff x="0" y="0"/>
+          <a:chExt cx="0" cy="0"/>
+        </a:xfrm>
+      </p:grpSpPr>
+      <p:sp>
+        <p:nvSpPr>
+          <p:cNvPr id="2" name="Slide Image Placeholder 1"/>
+          <p:cNvSpPr>
+            <a:spLocks noGrp="1" noRot="1" noChangeAspect="1"/>
+          </p:cNvSpPr>
+          <p:nvPr>
+            <p:ph type="sldImg"/>
+          </p:nvPr>
+        </p:nvSpPr>
+        <p:spPr/>
+      </p:sp>
+      <p:sp>
+        <p:nvSpPr>
+          <p:cNvPr id="3" name="Notes Placeholder 2"/>
+          <p:cNvSpPr>
+            <a:spLocks noGrp="1"/>
+          </p:cNvSpPr>
+          <p:nvPr>
+            <p:ph type="body" idx="1"/>
+          </p:nvPr>
+        </p:nvSpPr>
+        <p:spPr/>
+        <p:txBody>
+          <a:bodyPr/>
+          <a:lstStyle/>
+          <a:p>
+            <a:pPr marL="171450" indent="-171450">
+              <a:buFontTx/>
+              <a:buChar char="-"/>
+            </a:pPr>
+            <a:r>
+              <a:rPr lang="en-US" dirty="0"/>
+              <a:t>The Magic, as a team, are WELL below average in terms of scoring points per game. </a:t>
+            </a:r>
+          </a:p>
+          <a:p>
+            <a:pPr marL="171450" indent="-171450">
+              <a:buFontTx/>
+              <a:buChar char="-"/>
+            </a:pPr>
+            <a:r>
+              <a:rPr lang="en-US" dirty="0"/>
+              <a:t>There is a high variance amongst points scored which gives us a standard deviation on the higher side, 2.7. This variance is apparent when we look at the league points bar chart. </a:t>
+            </a:r>
+          </a:p>
+          <a:p>
+            <a:pPr marL="171450" indent="-171450">
+              <a:buFontTx/>
+              <a:buChar char="-"/>
+            </a:pPr>
+            <a:r>
+              <a:rPr lang="en-US" dirty="0"/>
+              <a:t>One interesting point, while the Magic didn’t score as many points as the Milwaukee Bucks who are ranked first in the league, the Bucks themselves didn’t score the most points in the league. </a:t>
+            </a:r>
+          </a:p>
+          <a:p>
+            <a:pPr marL="171450" indent="-171450">
+              <a:buFontTx/>
+              <a:buChar char="-"/>
+            </a:pPr>
+            <a:r>
+              <a:rPr lang="en-US" dirty="0"/>
+              <a:t>The Sacramento Kings scored by far the most points per game on average. This shows that scoring the most points per game is not the ONLY factor in winning games and being ranked higher. </a:t>
+            </a:r>
+          </a:p>
+          <a:p>
+            <a:pPr marL="171450" indent="-171450">
+              <a:buFontTx/>
+              <a:buChar char="-"/>
+            </a:pPr>
+            <a:endParaRPr lang="en-US" dirty="0"/>
+          </a:p>
+        </p:txBody>
+      </p:sp>
+      <p:sp>
+        <p:nvSpPr>
+          <p:cNvPr id="4" name="Slide Number Placeholder 3"/>
+          <p:cNvSpPr>
+            <a:spLocks noGrp="1"/>
+          </p:cNvSpPr>
+          <p:nvPr>
+            <p:ph type="sldNum" sz="quarter" idx="5"/>
+          </p:nvPr>
+        </p:nvSpPr>
+        <p:spPr/>
+        <p:txBody>
+          <a:bodyPr/>
+          <a:lstStyle/>
+          <a:p>
+            <a:fld id="{7CE02DDE-5292-304A-AA17-8105D6E6D60D}" type="slidenum">
+              <a:rPr lang="en-US" smtClean="0"/>
+              <a:t>19</a:t>
+            </a:fld>
+            <a:endParaRPr lang="en-US"/>
+          </a:p>
+        </p:txBody>
+      </p:sp>
+    </p:spTree>
+    <p:extLst>
+      <p:ext uri="{BB962C8B-B14F-4D97-AF65-F5344CB8AC3E}">
+        <p14:creationId xmlns:p14="http://schemas.microsoft.com/office/powerpoint/2010/main" val="2082105111"/>
+      </p:ext>
+    </p:extLst>
+  </p:cSld>
+  <p:clrMapOvr>
+    <a:masterClrMapping/>
+  </p:clrMapOvr>
+</p:notes>
+</file>
+
+<file path=ppt/notesSlides/notesSlide3.xml><?xml version="1.0" encoding="utf-8"?>
+<p:notes xmlns:a="http://schemas.openxmlformats.org/drawingml/2006/main" xmlns:r="http://schemas.openxmlformats.org/officeDocument/2006/relationships" xmlns:p="http://schemas.openxmlformats.org/presentationml/2006/main">
+  <p:cSld>
+    <p:spTree>
+      <p:nvGrpSpPr>
+        <p:cNvPr id="1" name=""/>
+        <p:cNvGrpSpPr/>
+        <p:nvPr/>
+      </p:nvGrpSpPr>
+      <p:grpSpPr>
+        <a:xfrm>
+          <a:off x="0" y="0"/>
+          <a:ext cx="0" cy="0"/>
+          <a:chOff x="0" y="0"/>
+          <a:chExt cx="0" cy="0"/>
+        </a:xfrm>
+      </p:grpSpPr>
+      <p:sp>
+        <p:nvSpPr>
+          <p:cNvPr id="2" name="Slide Image Placeholder 1"/>
+          <p:cNvSpPr>
+            <a:spLocks noGrp="1" noRot="1" noChangeAspect="1"/>
+          </p:cNvSpPr>
+          <p:nvPr>
+            <p:ph type="sldImg"/>
+          </p:nvPr>
+        </p:nvSpPr>
+        <p:spPr/>
+      </p:sp>
+      <p:sp>
+        <p:nvSpPr>
+          <p:cNvPr id="3" name="Notes Placeholder 2"/>
+          <p:cNvSpPr>
+            <a:spLocks noGrp="1"/>
+          </p:cNvSpPr>
+          <p:nvPr>
+            <p:ph type="body" idx="1"/>
+          </p:nvPr>
+        </p:nvSpPr>
+        <p:spPr/>
+        <p:txBody>
+          <a:bodyPr/>
+          <a:lstStyle/>
+          <a:p>
+            <a:pPr marL="171450" indent="-171450">
+              <a:buFontTx/>
+              <a:buChar char="-"/>
+            </a:pPr>
+            <a:r>
+              <a:rPr lang="en-US" dirty="0"/>
+              <a:t>The Magic as a team are still below the lower quartile when it comes to making 3-point shots, but this statistic has a smaller variance between average shots made. The standard deviation is still on the high side but comes in at a more acceptable 1.6. </a:t>
+            </a:r>
+          </a:p>
+          <a:p>
+            <a:pPr marL="171450" indent="-171450">
+              <a:buFontTx/>
+              <a:buChar char="-"/>
+            </a:pPr>
+            <a:r>
+              <a:rPr lang="en-US" dirty="0"/>
+              <a:t>Orlando’s 3-point percentage is 34.6%. Calculating their 3-point attempts, they only attempt, on average, 31.21 3-point shots per game. This is lower than the average of 34.206. So not only are they not making as many 3-point shots, but they’re also not making as many attempts. </a:t>
+            </a:r>
+          </a:p>
+          <a:p>
+            <a:pPr marL="171450" indent="-171450">
+              <a:buFontTx/>
+              <a:buChar char="-"/>
+            </a:pPr>
+            <a:r>
+              <a:rPr lang="en-US" dirty="0"/>
+              <a:t>The outliers in this case, The Golden State Warriors and the Boston Celtics, should be investigated further for a better analysis as to what a successful 3-point team looks like. </a:t>
+            </a:r>
+          </a:p>
+        </p:txBody>
+      </p:sp>
+      <p:sp>
+        <p:nvSpPr>
+          <p:cNvPr id="4" name="Slide Number Placeholder 3"/>
+          <p:cNvSpPr>
+            <a:spLocks noGrp="1"/>
+          </p:cNvSpPr>
+          <p:nvPr>
+            <p:ph type="sldNum" sz="quarter" idx="5"/>
+          </p:nvPr>
+        </p:nvSpPr>
+        <p:spPr/>
+        <p:txBody>
+          <a:bodyPr/>
+          <a:lstStyle/>
+          <a:p>
+            <a:fld id="{7CE02DDE-5292-304A-AA17-8105D6E6D60D}" type="slidenum">
+              <a:rPr lang="en-US" smtClean="0"/>
+              <a:t>20</a:t>
+            </a:fld>
+            <a:endParaRPr lang="en-US"/>
+          </a:p>
+        </p:txBody>
+      </p:sp>
+    </p:spTree>
+    <p:extLst>
+      <p:ext uri="{BB962C8B-B14F-4D97-AF65-F5344CB8AC3E}">
+        <p14:creationId xmlns:p14="http://schemas.microsoft.com/office/powerpoint/2010/main" val="2564310098"/>
+      </p:ext>
+    </p:extLst>
+  </p:cSld>
+  <p:clrMapOvr>
+    <a:masterClrMapping/>
+  </p:clrMapOvr>
+</p:notes>
+</file>
+
+<file path=ppt/notesSlides/notesSlide4.xml><?xml version="1.0" encoding="utf-8"?>
+<p:notes xmlns:a="http://schemas.openxmlformats.org/drawingml/2006/main" xmlns:r="http://schemas.openxmlformats.org/officeDocument/2006/relationships" xmlns:p="http://schemas.openxmlformats.org/presentationml/2006/main">
+  <p:cSld>
+    <p:spTree>
+      <p:nvGrpSpPr>
+        <p:cNvPr id="1" name=""/>
+        <p:cNvGrpSpPr/>
+        <p:nvPr/>
+      </p:nvGrpSpPr>
+      <p:grpSpPr>
+        <a:xfrm>
+          <a:off x="0" y="0"/>
+          <a:ext cx="0" cy="0"/>
+          <a:chOff x="0" y="0"/>
+          <a:chExt cx="0" cy="0"/>
+        </a:xfrm>
+      </p:grpSpPr>
+      <p:sp>
+        <p:nvSpPr>
+          <p:cNvPr id="2" name="Slide Image Placeholder 1"/>
+          <p:cNvSpPr>
+            <a:spLocks noGrp="1" noRot="1" noChangeAspect="1"/>
+          </p:cNvSpPr>
+          <p:nvPr>
+            <p:ph type="sldImg"/>
+          </p:nvPr>
+        </p:nvSpPr>
+        <p:spPr/>
+      </p:sp>
+      <p:sp>
+        <p:nvSpPr>
+          <p:cNvPr id="3" name="Notes Placeholder 2"/>
+          <p:cNvSpPr>
+            <a:spLocks noGrp="1"/>
+          </p:cNvSpPr>
+          <p:nvPr>
+            <p:ph type="body" idx="1"/>
+          </p:nvPr>
+        </p:nvSpPr>
+        <p:spPr/>
+        <p:txBody>
+          <a:bodyPr/>
+          <a:lstStyle/>
+          <a:p>
+            <a:r>
+              <a:rPr lang="en-US" dirty="0"/>
+              <a:t>- This statistic is more evenly distributed as we see the Standard Deviation coming down to 1.2. However, our Z-Score remains around the -1 mark and the Magic are once again below the lower quartile.</a:t>
+            </a:r>
+          </a:p>
+          <a:p>
+            <a:pPr marL="171450" indent="-171450">
+              <a:buFontTx/>
+              <a:buChar char="-"/>
+            </a:pPr>
+            <a:r>
+              <a:rPr lang="en-US" dirty="0"/>
+              <a:t>Both the Bucks and the Magic have lower amount of field goals made than the 15</a:t>
+            </a:r>
+            <a:r>
+              <a:rPr lang="en-US" baseline="30000" dirty="0"/>
+              <a:t>th</a:t>
+            </a:r>
+            <a:r>
+              <a:rPr lang="en-US" dirty="0"/>
+              <a:t> team, the Minnesota Timberwolves. </a:t>
+            </a:r>
+          </a:p>
+          <a:p>
+            <a:pPr marL="171450" indent="-171450">
+              <a:buFontTx/>
+              <a:buChar char="-"/>
+            </a:pPr>
+            <a:r>
+              <a:rPr lang="en-US" dirty="0"/>
+              <a:t>I also find it interesting that the Detroit Pistons have not come in last regarding points, 3-pointers, or field goals. So, if they don’t score the least points in the league, what are they struggling with that leaves them in last place? And what can we learn from them to avoid doing?</a:t>
+            </a:r>
+          </a:p>
+        </p:txBody>
+      </p:sp>
+      <p:sp>
+        <p:nvSpPr>
+          <p:cNvPr id="4" name="Slide Number Placeholder 3"/>
+          <p:cNvSpPr>
+            <a:spLocks noGrp="1"/>
+          </p:cNvSpPr>
+          <p:nvPr>
+            <p:ph type="sldNum" sz="quarter" idx="5"/>
+          </p:nvPr>
+        </p:nvSpPr>
+        <p:spPr/>
+        <p:txBody>
+          <a:bodyPr/>
+          <a:lstStyle/>
+          <a:p>
+            <a:fld id="{7CE02DDE-5292-304A-AA17-8105D6E6D60D}" type="slidenum">
+              <a:rPr lang="en-US" smtClean="0"/>
+              <a:t>21</a:t>
+            </a:fld>
+            <a:endParaRPr lang="en-US"/>
+          </a:p>
+        </p:txBody>
+      </p:sp>
+    </p:spTree>
+    <p:extLst>
+      <p:ext uri="{BB962C8B-B14F-4D97-AF65-F5344CB8AC3E}">
+        <p14:creationId xmlns:p14="http://schemas.microsoft.com/office/powerpoint/2010/main" val="1768369979"/>
+      </p:ext>
+    </p:extLst>
+  </p:cSld>
+  <p:clrMapOvr>
+    <a:masterClrMapping/>
+  </p:clrMapOvr>
+</p:notes>
+</file>
+
+<file path=ppt/notesSlides/notesSlide5.xml><?xml version="1.0" encoding="utf-8"?>
+<p:notes xmlns:a="http://schemas.openxmlformats.org/drawingml/2006/main" xmlns:r="http://schemas.openxmlformats.org/officeDocument/2006/relationships" xmlns:p="http://schemas.openxmlformats.org/presentationml/2006/main">
+  <p:cSld>
+    <p:spTree>
+      <p:nvGrpSpPr>
+        <p:cNvPr id="1" name=""/>
+        <p:cNvGrpSpPr/>
+        <p:nvPr/>
+      </p:nvGrpSpPr>
+      <p:grpSpPr>
+        <a:xfrm>
+          <a:off x="0" y="0"/>
+          <a:ext cx="0" cy="0"/>
+          <a:chOff x="0" y="0"/>
+          <a:chExt cx="0" cy="0"/>
+        </a:xfrm>
+      </p:grpSpPr>
+      <p:sp>
+        <p:nvSpPr>
+          <p:cNvPr id="2" name="Slide Image Placeholder 1"/>
+          <p:cNvSpPr>
+            <a:spLocks noGrp="1" noRot="1" noChangeAspect="1"/>
+          </p:cNvSpPr>
+          <p:nvPr>
+            <p:ph type="sldImg"/>
+          </p:nvPr>
+        </p:nvSpPr>
+        <p:spPr/>
+      </p:sp>
+      <p:sp>
+        <p:nvSpPr>
+          <p:cNvPr id="3" name="Notes Placeholder 2"/>
+          <p:cNvSpPr>
+            <a:spLocks noGrp="1"/>
+          </p:cNvSpPr>
+          <p:nvPr>
+            <p:ph type="body" idx="1"/>
+          </p:nvPr>
+        </p:nvSpPr>
+        <p:spPr/>
+        <p:txBody>
+          <a:bodyPr/>
+          <a:lstStyle/>
+          <a:p>
+            <a:pPr marL="285750" indent="-285750">
+              <a:buFont typeface="Arial" panose="020B0604020202020204" pitchFamily="34" charset="0"/>
+              <a:buChar char="•"/>
+            </a:pPr>
+            <a:r>
+              <a:rPr lang="en-US" dirty="0"/>
+              <a:t>This is the first KPI that has landed inside of the IQR. The Orlando Magic is comfortably in the middle of the pack when it comes to rebounds.</a:t>
+            </a:r>
+          </a:p>
+          <a:p>
+            <a:pPr marL="285750" indent="-285750">
+              <a:buFont typeface="Arial" panose="020B0604020202020204" pitchFamily="34" charset="0"/>
+              <a:buChar char="•"/>
+            </a:pPr>
+            <a:r>
+              <a:rPr lang="en-US" dirty="0"/>
+              <a:t>There is a higher variance with this KPI with a Standard Deviation of 2.2. You can see from the bar chart that there is a significant drop from the highest rebounding team to the lowest. </a:t>
+            </a:r>
+          </a:p>
+          <a:p>
+            <a:pPr marL="285750" indent="-285750">
+              <a:buFont typeface="Arial" panose="020B0604020202020204" pitchFamily="34" charset="0"/>
+              <a:buChar char="•"/>
+            </a:pPr>
+            <a:r>
+              <a:rPr lang="en-US" dirty="0"/>
+              <a:t>The Milwaukee Bucks are the high outlier of the league with an average 48.6 rebounds per game. I’m wondering if their dominance in this regard has any correlation to the height of the players on their team. </a:t>
+            </a:r>
+          </a:p>
+          <a:p>
+            <a:pPr marL="285750" indent="-285750">
+              <a:buFont typeface="Arial" panose="020B0604020202020204" pitchFamily="34" charset="0"/>
+              <a:buChar char="•"/>
+            </a:pPr>
+            <a:endParaRPr lang="en-US" dirty="0"/>
+          </a:p>
+          <a:p>
+            <a:endParaRPr lang="en-US" dirty="0"/>
+          </a:p>
+        </p:txBody>
+      </p:sp>
+      <p:sp>
+        <p:nvSpPr>
+          <p:cNvPr id="4" name="Slide Number Placeholder 3"/>
+          <p:cNvSpPr>
+            <a:spLocks noGrp="1"/>
+          </p:cNvSpPr>
+          <p:nvPr>
+            <p:ph type="sldNum" sz="quarter" idx="5"/>
+          </p:nvPr>
+        </p:nvSpPr>
+        <p:spPr/>
+        <p:txBody>
+          <a:bodyPr/>
+          <a:lstStyle/>
+          <a:p>
+            <a:fld id="{7CE02DDE-5292-304A-AA17-8105D6E6D60D}" type="slidenum">
+              <a:rPr lang="en-US" smtClean="0"/>
+              <a:t>22</a:t>
+            </a:fld>
+            <a:endParaRPr lang="en-US"/>
+          </a:p>
+        </p:txBody>
+      </p:sp>
+    </p:spTree>
+    <p:extLst>
+      <p:ext uri="{BB962C8B-B14F-4D97-AF65-F5344CB8AC3E}">
+        <p14:creationId xmlns:p14="http://schemas.microsoft.com/office/powerpoint/2010/main" val="73254478"/>
+      </p:ext>
+    </p:extLst>
+  </p:cSld>
+  <p:clrMapOvr>
+    <a:masterClrMapping/>
+  </p:clrMapOvr>
+</p:notes>
+</file>
+
+<file path=ppt/notesSlides/notesSlide6.xml><?xml version="1.0" encoding="utf-8"?>
+<p:notes xmlns:a="http://schemas.openxmlformats.org/drawingml/2006/main" xmlns:r="http://schemas.openxmlformats.org/officeDocument/2006/relationships" xmlns:p="http://schemas.openxmlformats.org/presentationml/2006/main">
+  <p:cSld>
+    <p:spTree>
+      <p:nvGrpSpPr>
+        <p:cNvPr id="1" name=""/>
+        <p:cNvGrpSpPr/>
+        <p:nvPr/>
+      </p:nvGrpSpPr>
+      <p:grpSpPr>
+        <a:xfrm>
+          <a:off x="0" y="0"/>
+          <a:ext cx="0" cy="0"/>
+          <a:chOff x="0" y="0"/>
+          <a:chExt cx="0" cy="0"/>
+        </a:xfrm>
+      </p:grpSpPr>
+      <p:sp>
+        <p:nvSpPr>
+          <p:cNvPr id="2" name="Slide Image Placeholder 1"/>
+          <p:cNvSpPr>
+            <a:spLocks noGrp="1" noRot="1" noChangeAspect="1"/>
+          </p:cNvSpPr>
+          <p:nvPr>
+            <p:ph type="sldImg"/>
+          </p:nvPr>
+        </p:nvSpPr>
+        <p:spPr/>
+      </p:sp>
+      <p:sp>
+        <p:nvSpPr>
+          <p:cNvPr id="3" name="Notes Placeholder 2"/>
+          <p:cNvSpPr>
+            <a:spLocks noGrp="1"/>
+          </p:cNvSpPr>
+          <p:nvPr>
+            <p:ph type="body" idx="1"/>
+          </p:nvPr>
+        </p:nvSpPr>
+        <p:spPr/>
+        <p:txBody>
+          <a:bodyPr/>
+          <a:lstStyle/>
+          <a:p>
+            <a:pPr marL="171450" indent="-171450">
+              <a:buFontTx/>
+              <a:buChar char="-"/>
+            </a:pPr>
+            <a:r>
+              <a:rPr lang="en-US" dirty="0"/>
+              <a:t>This Is the first KPI that I have measured where the Magic have come in above the average. The only caveat is that this is not a metric that is good to have a high average in. </a:t>
+            </a:r>
+          </a:p>
+          <a:p>
+            <a:pPr marL="171450" indent="-171450">
+              <a:buFontTx/>
+              <a:buChar char="-"/>
+            </a:pPr>
+            <a:r>
+              <a:rPr lang="en-US" dirty="0"/>
+              <a:t>The team’s struggle to hold onto the ball may have an impact on their ability to keep the other team from scoring points. </a:t>
+            </a:r>
+          </a:p>
+          <a:p>
+            <a:pPr marL="171450" indent="-171450">
+              <a:buFontTx/>
+              <a:buChar char="-"/>
+            </a:pPr>
+            <a:r>
+              <a:rPr lang="en-US" dirty="0"/>
+              <a:t>One thing about the bar graph that I find interesting is that the Golden State Warriors, a team who ranks highly in all of our scoring charts, also comes in the highest team in terms of turnovers per game. </a:t>
+            </a:r>
+          </a:p>
+          <a:p>
+            <a:pPr marL="171450" indent="-171450">
+              <a:buFontTx/>
+              <a:buChar char="-"/>
+            </a:pPr>
+            <a:r>
+              <a:rPr lang="en-US" dirty="0"/>
+              <a:t>One metric that I feel is missing from the data is ‘How Many Points the Other Team Scored Per Game’. We can look at how many points the team scored and how many ball fumbles they had, but the most important metric appears to be, simply, how many points they gave up to the other team. From here I would look into Blocks and Personal Fouls.</a:t>
+            </a:r>
+          </a:p>
+        </p:txBody>
+      </p:sp>
+      <p:sp>
+        <p:nvSpPr>
+          <p:cNvPr id="4" name="Slide Number Placeholder 3"/>
+          <p:cNvSpPr>
+            <a:spLocks noGrp="1"/>
+          </p:cNvSpPr>
+          <p:nvPr>
+            <p:ph type="sldNum" sz="quarter" idx="5"/>
+          </p:nvPr>
+        </p:nvSpPr>
+        <p:spPr/>
+        <p:txBody>
+          <a:bodyPr/>
+          <a:lstStyle/>
+          <a:p>
+            <a:fld id="{7CE02DDE-5292-304A-AA17-8105D6E6D60D}" type="slidenum">
+              <a:rPr lang="en-US" smtClean="0"/>
+              <a:t>23</a:t>
+            </a:fld>
+            <a:endParaRPr lang="en-US"/>
+          </a:p>
+        </p:txBody>
+      </p:sp>
+    </p:spTree>
+    <p:extLst>
+      <p:ext uri="{BB962C8B-B14F-4D97-AF65-F5344CB8AC3E}">
+        <p14:creationId xmlns:p14="http://schemas.microsoft.com/office/powerpoint/2010/main" val="4079103895"/>
       </p:ext>
     </p:extLst>
   </p:cSld>
@@ -667,7 +1257,7 @@
           <p:cNvPr id="2" name="Title 1">
             <a:extLst>
               <a:ext uri="{FF2B5EF4-FFF2-40B4-BE49-F238E27FC236}">
-                <a16:creationId xmlns="" xmlns:a16="http://schemas.microsoft.com/office/drawing/2014/main" id="{C26A6E78-EADA-0877-E4E4-7A54410847BF}"/>
+                <a16:creationId xmlns:a16="http://schemas.microsoft.com/office/drawing/2014/main" id="{C26A6E78-EADA-0877-E4E4-7A54410847BF}"/>
               </a:ext>
             </a:extLst>
           </p:cNvPr>
@@ -704,7 +1294,7 @@
           <p:cNvPr id="3" name="Subtitle 2">
             <a:extLst>
               <a:ext uri="{FF2B5EF4-FFF2-40B4-BE49-F238E27FC236}">
-                <a16:creationId xmlns="" xmlns:a16="http://schemas.microsoft.com/office/drawing/2014/main" id="{B98E5113-1D46-24A5-AAA2-B1068DD9B362}"/>
+                <a16:creationId xmlns:a16="http://schemas.microsoft.com/office/drawing/2014/main" id="{B98E5113-1D46-24A5-AAA2-B1068DD9B362}"/>
               </a:ext>
             </a:extLst>
           </p:cNvPr>
@@ -774,7 +1364,7 @@
           <p:cNvPr id="4" name="Date Placeholder 3">
             <a:extLst>
               <a:ext uri="{FF2B5EF4-FFF2-40B4-BE49-F238E27FC236}">
-                <a16:creationId xmlns="" xmlns:a16="http://schemas.microsoft.com/office/drawing/2014/main" id="{9E5F5324-DEED-857D-5E57-C08FFE8F762E}"/>
+                <a16:creationId xmlns:a16="http://schemas.microsoft.com/office/drawing/2014/main" id="{9E5F5324-DEED-857D-5E57-C08FFE8F762E}"/>
               </a:ext>
             </a:extLst>
           </p:cNvPr>
@@ -792,7 +1382,7 @@
           <a:p>
             <a:fld id="{D0854996-1FBB-4E33-95BB-317CB7872D99}" type="datetimeFigureOut">
               <a:rPr lang="en-US" smtClean="0"/>
-              <a:t>5/4/2023</a:t>
+              <a:t>5/4/23</a:t>
             </a:fld>
             <a:endParaRPr lang="en-US"/>
           </a:p>
@@ -803,7 +1393,7 @@
           <p:cNvPr id="5" name="Footer Placeholder 4">
             <a:extLst>
               <a:ext uri="{FF2B5EF4-FFF2-40B4-BE49-F238E27FC236}">
-                <a16:creationId xmlns="" xmlns:a16="http://schemas.microsoft.com/office/drawing/2014/main" id="{DD603586-51D6-A836-1376-6B23AA0F47B1}"/>
+                <a16:creationId xmlns:a16="http://schemas.microsoft.com/office/drawing/2014/main" id="{DD603586-51D6-A836-1376-6B23AA0F47B1}"/>
               </a:ext>
             </a:extLst>
           </p:cNvPr>
@@ -828,7 +1418,7 @@
           <p:cNvPr id="6" name="Slide Number Placeholder 5">
             <a:extLst>
               <a:ext uri="{FF2B5EF4-FFF2-40B4-BE49-F238E27FC236}">
-                <a16:creationId xmlns="" xmlns:a16="http://schemas.microsoft.com/office/drawing/2014/main" id="{32BC0964-58EB-59D0-9F0A-00F87C261FD6}"/>
+                <a16:creationId xmlns:a16="http://schemas.microsoft.com/office/drawing/2014/main" id="{32BC0964-58EB-59D0-9F0A-00F87C261FD6}"/>
               </a:ext>
             </a:extLst>
           </p:cNvPr>
@@ -887,7 +1477,7 @@
           <p:cNvPr id="2" name="Title 1">
             <a:extLst>
               <a:ext uri="{FF2B5EF4-FFF2-40B4-BE49-F238E27FC236}">
-                <a16:creationId xmlns="" xmlns:a16="http://schemas.microsoft.com/office/drawing/2014/main" id="{B491F420-F134-26B6-2CD5-0F4CDF9910D9}"/>
+                <a16:creationId xmlns:a16="http://schemas.microsoft.com/office/drawing/2014/main" id="{B491F420-F134-26B6-2CD5-0F4CDF9910D9}"/>
               </a:ext>
             </a:extLst>
           </p:cNvPr>
@@ -915,7 +1505,7 @@
           <p:cNvPr id="3" name="Vertical Text Placeholder 2">
             <a:extLst>
               <a:ext uri="{FF2B5EF4-FFF2-40B4-BE49-F238E27FC236}">
-                <a16:creationId xmlns="" xmlns:a16="http://schemas.microsoft.com/office/drawing/2014/main" id="{6FD508D2-D202-FD9B-1EE9-D097B163C3E9}"/>
+                <a16:creationId xmlns:a16="http://schemas.microsoft.com/office/drawing/2014/main" id="{6FD508D2-D202-FD9B-1EE9-D097B163C3E9}"/>
               </a:ext>
             </a:extLst>
           </p:cNvPr>
@@ -972,7 +1562,7 @@
           <p:cNvPr id="4" name="Date Placeholder 3">
             <a:extLst>
               <a:ext uri="{FF2B5EF4-FFF2-40B4-BE49-F238E27FC236}">
-                <a16:creationId xmlns="" xmlns:a16="http://schemas.microsoft.com/office/drawing/2014/main" id="{6ACBC9A3-04FC-4E95-AA8F-E07E8EAA7F74}"/>
+                <a16:creationId xmlns:a16="http://schemas.microsoft.com/office/drawing/2014/main" id="{6ACBC9A3-04FC-4E95-AA8F-E07E8EAA7F74}"/>
               </a:ext>
             </a:extLst>
           </p:cNvPr>
@@ -990,7 +1580,7 @@
           <a:p>
             <a:fld id="{D0854996-1FBB-4E33-95BB-317CB7872D99}" type="datetimeFigureOut">
               <a:rPr lang="en-US" smtClean="0"/>
-              <a:t>5/4/2023</a:t>
+              <a:t>5/4/23</a:t>
             </a:fld>
             <a:endParaRPr lang="en-US"/>
           </a:p>
@@ -1001,7 +1591,7 @@
           <p:cNvPr id="5" name="Footer Placeholder 4">
             <a:extLst>
               <a:ext uri="{FF2B5EF4-FFF2-40B4-BE49-F238E27FC236}">
-                <a16:creationId xmlns="" xmlns:a16="http://schemas.microsoft.com/office/drawing/2014/main" id="{B280F340-C07D-C230-78A2-7894FBC4C7E5}"/>
+                <a16:creationId xmlns:a16="http://schemas.microsoft.com/office/drawing/2014/main" id="{B280F340-C07D-C230-78A2-7894FBC4C7E5}"/>
               </a:ext>
             </a:extLst>
           </p:cNvPr>
@@ -1026,7 +1616,7 @@
           <p:cNvPr id="6" name="Slide Number Placeholder 5">
             <a:extLst>
               <a:ext uri="{FF2B5EF4-FFF2-40B4-BE49-F238E27FC236}">
-                <a16:creationId xmlns="" xmlns:a16="http://schemas.microsoft.com/office/drawing/2014/main" id="{BEC89597-8A87-DF40-A148-C271BAF68DF7}"/>
+                <a16:creationId xmlns:a16="http://schemas.microsoft.com/office/drawing/2014/main" id="{BEC89597-8A87-DF40-A148-C271BAF68DF7}"/>
               </a:ext>
             </a:extLst>
           </p:cNvPr>
@@ -1085,7 +1675,7 @@
           <p:cNvPr id="2" name="Vertical Title 1">
             <a:extLst>
               <a:ext uri="{FF2B5EF4-FFF2-40B4-BE49-F238E27FC236}">
-                <a16:creationId xmlns="" xmlns:a16="http://schemas.microsoft.com/office/drawing/2014/main" id="{17D3CADE-FCBF-AD39-2A3A-A0759116FE96}"/>
+                <a16:creationId xmlns:a16="http://schemas.microsoft.com/office/drawing/2014/main" id="{17D3CADE-FCBF-AD39-2A3A-A0759116FE96}"/>
               </a:ext>
             </a:extLst>
           </p:cNvPr>
@@ -1118,7 +1708,7 @@
           <p:cNvPr id="3" name="Vertical Text Placeholder 2">
             <a:extLst>
               <a:ext uri="{FF2B5EF4-FFF2-40B4-BE49-F238E27FC236}">
-                <a16:creationId xmlns="" xmlns:a16="http://schemas.microsoft.com/office/drawing/2014/main" id="{8A6A0359-7757-03C6-41F0-42CDB1BC2D44}"/>
+                <a16:creationId xmlns:a16="http://schemas.microsoft.com/office/drawing/2014/main" id="{8A6A0359-7757-03C6-41F0-42CDB1BC2D44}"/>
               </a:ext>
             </a:extLst>
           </p:cNvPr>
@@ -1180,7 +1770,7 @@
           <p:cNvPr id="4" name="Date Placeholder 3">
             <a:extLst>
               <a:ext uri="{FF2B5EF4-FFF2-40B4-BE49-F238E27FC236}">
-                <a16:creationId xmlns="" xmlns:a16="http://schemas.microsoft.com/office/drawing/2014/main" id="{DA506DEA-BF6D-340D-84F9-C396AAED664C}"/>
+                <a16:creationId xmlns:a16="http://schemas.microsoft.com/office/drawing/2014/main" id="{DA506DEA-BF6D-340D-84F9-C396AAED664C}"/>
               </a:ext>
             </a:extLst>
           </p:cNvPr>
@@ -1198,7 +1788,7 @@
           <a:p>
             <a:fld id="{D0854996-1FBB-4E33-95BB-317CB7872D99}" type="datetimeFigureOut">
               <a:rPr lang="en-US" smtClean="0"/>
-              <a:t>5/4/2023</a:t>
+              <a:t>5/4/23</a:t>
             </a:fld>
             <a:endParaRPr lang="en-US"/>
           </a:p>
@@ -1209,7 +1799,7 @@
           <p:cNvPr id="5" name="Footer Placeholder 4">
             <a:extLst>
               <a:ext uri="{FF2B5EF4-FFF2-40B4-BE49-F238E27FC236}">
-                <a16:creationId xmlns="" xmlns:a16="http://schemas.microsoft.com/office/drawing/2014/main" id="{723D2974-1B4C-82C2-030D-AEAF59955D18}"/>
+                <a16:creationId xmlns:a16="http://schemas.microsoft.com/office/drawing/2014/main" id="{723D2974-1B4C-82C2-030D-AEAF59955D18}"/>
               </a:ext>
             </a:extLst>
           </p:cNvPr>
@@ -1234,7 +1824,7 @@
           <p:cNvPr id="6" name="Slide Number Placeholder 5">
             <a:extLst>
               <a:ext uri="{FF2B5EF4-FFF2-40B4-BE49-F238E27FC236}">
-                <a16:creationId xmlns="" xmlns:a16="http://schemas.microsoft.com/office/drawing/2014/main" id="{34A38BA7-7CA7-B7DF-27D7-109C9FB6DE37}"/>
+                <a16:creationId xmlns:a16="http://schemas.microsoft.com/office/drawing/2014/main" id="{34A38BA7-7CA7-B7DF-27D7-109C9FB6DE37}"/>
               </a:ext>
             </a:extLst>
           </p:cNvPr>
@@ -1293,7 +1883,7 @@
           <p:cNvPr id="2" name="Title 1">
             <a:extLst>
               <a:ext uri="{FF2B5EF4-FFF2-40B4-BE49-F238E27FC236}">
-                <a16:creationId xmlns="" xmlns:a16="http://schemas.microsoft.com/office/drawing/2014/main" id="{EA208DBE-C1CC-B7FB-EBE1-7990BA17E0AB}"/>
+                <a16:creationId xmlns:a16="http://schemas.microsoft.com/office/drawing/2014/main" id="{EA208DBE-C1CC-B7FB-EBE1-7990BA17E0AB}"/>
               </a:ext>
             </a:extLst>
           </p:cNvPr>
@@ -1321,7 +1911,7 @@
           <p:cNvPr id="3" name="Content Placeholder 2">
             <a:extLst>
               <a:ext uri="{FF2B5EF4-FFF2-40B4-BE49-F238E27FC236}">
-                <a16:creationId xmlns="" xmlns:a16="http://schemas.microsoft.com/office/drawing/2014/main" id="{80A22C23-BFC2-58C0-0D68-88937172D459}"/>
+                <a16:creationId xmlns:a16="http://schemas.microsoft.com/office/drawing/2014/main" id="{80A22C23-BFC2-58C0-0D68-88937172D459}"/>
               </a:ext>
             </a:extLst>
           </p:cNvPr>
@@ -1378,7 +1968,7 @@
           <p:cNvPr id="4" name="Date Placeholder 3">
             <a:extLst>
               <a:ext uri="{FF2B5EF4-FFF2-40B4-BE49-F238E27FC236}">
-                <a16:creationId xmlns="" xmlns:a16="http://schemas.microsoft.com/office/drawing/2014/main" id="{C7BF0553-7E38-2D36-F267-115A83C0CABE}"/>
+                <a16:creationId xmlns:a16="http://schemas.microsoft.com/office/drawing/2014/main" id="{C7BF0553-7E38-2D36-F267-115A83C0CABE}"/>
               </a:ext>
             </a:extLst>
           </p:cNvPr>
@@ -1396,7 +1986,7 @@
           <a:p>
             <a:fld id="{D0854996-1FBB-4E33-95BB-317CB7872D99}" type="datetimeFigureOut">
               <a:rPr lang="en-US" smtClean="0"/>
-              <a:t>5/4/2023</a:t>
+              <a:t>5/4/23</a:t>
             </a:fld>
             <a:endParaRPr lang="en-US"/>
           </a:p>
@@ -1407,7 +1997,7 @@
           <p:cNvPr id="5" name="Footer Placeholder 4">
             <a:extLst>
               <a:ext uri="{FF2B5EF4-FFF2-40B4-BE49-F238E27FC236}">
-                <a16:creationId xmlns="" xmlns:a16="http://schemas.microsoft.com/office/drawing/2014/main" id="{D07898A0-9C5E-B5D6-DDB1-52BC9C29EF04}"/>
+                <a16:creationId xmlns:a16="http://schemas.microsoft.com/office/drawing/2014/main" id="{D07898A0-9C5E-B5D6-DDB1-52BC9C29EF04}"/>
               </a:ext>
             </a:extLst>
           </p:cNvPr>
@@ -1432,7 +2022,7 @@
           <p:cNvPr id="6" name="Slide Number Placeholder 5">
             <a:extLst>
               <a:ext uri="{FF2B5EF4-FFF2-40B4-BE49-F238E27FC236}">
-                <a16:creationId xmlns="" xmlns:a16="http://schemas.microsoft.com/office/drawing/2014/main" id="{F6DD8C3F-C498-77DE-6EBA-8EB9D6BC8D93}"/>
+                <a16:creationId xmlns:a16="http://schemas.microsoft.com/office/drawing/2014/main" id="{F6DD8C3F-C498-77DE-6EBA-8EB9D6BC8D93}"/>
               </a:ext>
             </a:extLst>
           </p:cNvPr>
@@ -1491,7 +2081,7 @@
           <p:cNvPr id="2" name="Title 1">
             <a:extLst>
               <a:ext uri="{FF2B5EF4-FFF2-40B4-BE49-F238E27FC236}">
-                <a16:creationId xmlns="" xmlns:a16="http://schemas.microsoft.com/office/drawing/2014/main" id="{B6EE2795-D97C-7C26-9805-681F13B7BDF5}"/>
+                <a16:creationId xmlns:a16="http://schemas.microsoft.com/office/drawing/2014/main" id="{B6EE2795-D97C-7C26-9805-681F13B7BDF5}"/>
               </a:ext>
             </a:extLst>
           </p:cNvPr>
@@ -1528,7 +2118,7 @@
           <p:cNvPr id="3" name="Text Placeholder 2">
             <a:extLst>
               <a:ext uri="{FF2B5EF4-FFF2-40B4-BE49-F238E27FC236}">
-                <a16:creationId xmlns="" xmlns:a16="http://schemas.microsoft.com/office/drawing/2014/main" id="{79F5E2BB-21D5-3908-69DA-5FE2D3FAC4D6}"/>
+                <a16:creationId xmlns:a16="http://schemas.microsoft.com/office/drawing/2014/main" id="{79F5E2BB-21D5-3908-69DA-5FE2D3FAC4D6}"/>
               </a:ext>
             </a:extLst>
           </p:cNvPr>
@@ -1653,7 +2243,7 @@
           <p:cNvPr id="4" name="Date Placeholder 3">
             <a:extLst>
               <a:ext uri="{FF2B5EF4-FFF2-40B4-BE49-F238E27FC236}">
-                <a16:creationId xmlns="" xmlns:a16="http://schemas.microsoft.com/office/drawing/2014/main" id="{EB062665-D5D0-D7E8-A720-1C7EE892C45B}"/>
+                <a16:creationId xmlns:a16="http://schemas.microsoft.com/office/drawing/2014/main" id="{EB062665-D5D0-D7E8-A720-1C7EE892C45B}"/>
               </a:ext>
             </a:extLst>
           </p:cNvPr>
@@ -1671,7 +2261,7 @@
           <a:p>
             <a:fld id="{D0854996-1FBB-4E33-95BB-317CB7872D99}" type="datetimeFigureOut">
               <a:rPr lang="en-US" smtClean="0"/>
-              <a:t>5/4/2023</a:t>
+              <a:t>5/4/23</a:t>
             </a:fld>
             <a:endParaRPr lang="en-US"/>
           </a:p>
@@ -1682,7 +2272,7 @@
           <p:cNvPr id="5" name="Footer Placeholder 4">
             <a:extLst>
               <a:ext uri="{FF2B5EF4-FFF2-40B4-BE49-F238E27FC236}">
-                <a16:creationId xmlns="" xmlns:a16="http://schemas.microsoft.com/office/drawing/2014/main" id="{03B29897-DB1A-5E0B-8C6C-93D82E772703}"/>
+                <a16:creationId xmlns:a16="http://schemas.microsoft.com/office/drawing/2014/main" id="{03B29897-DB1A-5E0B-8C6C-93D82E772703}"/>
               </a:ext>
             </a:extLst>
           </p:cNvPr>
@@ -1707,7 +2297,7 @@
           <p:cNvPr id="6" name="Slide Number Placeholder 5">
             <a:extLst>
               <a:ext uri="{FF2B5EF4-FFF2-40B4-BE49-F238E27FC236}">
-                <a16:creationId xmlns="" xmlns:a16="http://schemas.microsoft.com/office/drawing/2014/main" id="{6D9AE3A4-3794-4A8F-E94B-5E3D41E7D58B}"/>
+                <a16:creationId xmlns:a16="http://schemas.microsoft.com/office/drawing/2014/main" id="{6D9AE3A4-3794-4A8F-E94B-5E3D41E7D58B}"/>
               </a:ext>
             </a:extLst>
           </p:cNvPr>
@@ -1766,7 +2356,7 @@
           <p:cNvPr id="2" name="Title 1">
             <a:extLst>
               <a:ext uri="{FF2B5EF4-FFF2-40B4-BE49-F238E27FC236}">
-                <a16:creationId xmlns="" xmlns:a16="http://schemas.microsoft.com/office/drawing/2014/main" id="{437FADD9-0D37-31D3-3762-2A4555C01562}"/>
+                <a16:creationId xmlns:a16="http://schemas.microsoft.com/office/drawing/2014/main" id="{437FADD9-0D37-31D3-3762-2A4555C01562}"/>
               </a:ext>
             </a:extLst>
           </p:cNvPr>
@@ -1794,7 +2384,7 @@
           <p:cNvPr id="3" name="Content Placeholder 2">
             <a:extLst>
               <a:ext uri="{FF2B5EF4-FFF2-40B4-BE49-F238E27FC236}">
-                <a16:creationId xmlns="" xmlns:a16="http://schemas.microsoft.com/office/drawing/2014/main" id="{4FE2A18B-5FDD-78ED-B903-7C6EFB474D15}"/>
+                <a16:creationId xmlns:a16="http://schemas.microsoft.com/office/drawing/2014/main" id="{4FE2A18B-5FDD-78ED-B903-7C6EFB474D15}"/>
               </a:ext>
             </a:extLst>
           </p:cNvPr>
@@ -1856,7 +2446,7 @@
           <p:cNvPr id="4" name="Content Placeholder 3">
             <a:extLst>
               <a:ext uri="{FF2B5EF4-FFF2-40B4-BE49-F238E27FC236}">
-                <a16:creationId xmlns="" xmlns:a16="http://schemas.microsoft.com/office/drawing/2014/main" id="{2322C815-ED44-0DD4-A7D1-05F6FDD919A4}"/>
+                <a16:creationId xmlns:a16="http://schemas.microsoft.com/office/drawing/2014/main" id="{2322C815-ED44-0DD4-A7D1-05F6FDD919A4}"/>
               </a:ext>
             </a:extLst>
           </p:cNvPr>
@@ -1918,7 +2508,7 @@
           <p:cNvPr id="5" name="Date Placeholder 4">
             <a:extLst>
               <a:ext uri="{FF2B5EF4-FFF2-40B4-BE49-F238E27FC236}">
-                <a16:creationId xmlns="" xmlns:a16="http://schemas.microsoft.com/office/drawing/2014/main" id="{B6862A28-53DE-3FFA-10DC-557A16CB9FA1}"/>
+                <a16:creationId xmlns:a16="http://schemas.microsoft.com/office/drawing/2014/main" id="{B6862A28-53DE-3FFA-10DC-557A16CB9FA1}"/>
               </a:ext>
             </a:extLst>
           </p:cNvPr>
@@ -1936,7 +2526,7 @@
           <a:p>
             <a:fld id="{D0854996-1FBB-4E33-95BB-317CB7872D99}" type="datetimeFigureOut">
               <a:rPr lang="en-US" smtClean="0"/>
-              <a:t>5/4/2023</a:t>
+              <a:t>5/4/23</a:t>
             </a:fld>
             <a:endParaRPr lang="en-US"/>
           </a:p>
@@ -1947,7 +2537,7 @@
           <p:cNvPr id="6" name="Footer Placeholder 5">
             <a:extLst>
               <a:ext uri="{FF2B5EF4-FFF2-40B4-BE49-F238E27FC236}">
-                <a16:creationId xmlns="" xmlns:a16="http://schemas.microsoft.com/office/drawing/2014/main" id="{D9117D43-02A1-4AB2-C5EE-082AF7DCC9B9}"/>
+                <a16:creationId xmlns:a16="http://schemas.microsoft.com/office/drawing/2014/main" id="{D9117D43-02A1-4AB2-C5EE-082AF7DCC9B9}"/>
               </a:ext>
             </a:extLst>
           </p:cNvPr>
@@ -1972,7 +2562,7 @@
           <p:cNvPr id="7" name="Slide Number Placeholder 6">
             <a:extLst>
               <a:ext uri="{FF2B5EF4-FFF2-40B4-BE49-F238E27FC236}">
-                <a16:creationId xmlns="" xmlns:a16="http://schemas.microsoft.com/office/drawing/2014/main" id="{6843E39E-286D-B8E2-0801-760CB25C878F}"/>
+                <a16:creationId xmlns:a16="http://schemas.microsoft.com/office/drawing/2014/main" id="{6843E39E-286D-B8E2-0801-760CB25C878F}"/>
               </a:ext>
             </a:extLst>
           </p:cNvPr>
@@ -2031,7 +2621,7 @@
           <p:cNvPr id="2" name="Title 1">
             <a:extLst>
               <a:ext uri="{FF2B5EF4-FFF2-40B4-BE49-F238E27FC236}">
-                <a16:creationId xmlns="" xmlns:a16="http://schemas.microsoft.com/office/drawing/2014/main" id="{8E18856C-5621-1D14-2E16-B6A5ADF4A6A1}"/>
+                <a16:creationId xmlns:a16="http://schemas.microsoft.com/office/drawing/2014/main" id="{8E18856C-5621-1D14-2E16-B6A5ADF4A6A1}"/>
               </a:ext>
             </a:extLst>
           </p:cNvPr>
@@ -2064,7 +2654,7 @@
           <p:cNvPr id="3" name="Text Placeholder 2">
             <a:extLst>
               <a:ext uri="{FF2B5EF4-FFF2-40B4-BE49-F238E27FC236}">
-                <a16:creationId xmlns="" xmlns:a16="http://schemas.microsoft.com/office/drawing/2014/main" id="{10939CFD-1387-ED03-A9C3-4F1C2E5DDB86}"/>
+                <a16:creationId xmlns:a16="http://schemas.microsoft.com/office/drawing/2014/main" id="{10939CFD-1387-ED03-A9C3-4F1C2E5DDB86}"/>
               </a:ext>
             </a:extLst>
           </p:cNvPr>
@@ -2135,7 +2725,7 @@
           <p:cNvPr id="4" name="Content Placeholder 3">
             <a:extLst>
               <a:ext uri="{FF2B5EF4-FFF2-40B4-BE49-F238E27FC236}">
-                <a16:creationId xmlns="" xmlns:a16="http://schemas.microsoft.com/office/drawing/2014/main" id="{CDD0D842-7521-DABF-523C-530EB07786AB}"/>
+                <a16:creationId xmlns:a16="http://schemas.microsoft.com/office/drawing/2014/main" id="{CDD0D842-7521-DABF-523C-530EB07786AB}"/>
               </a:ext>
             </a:extLst>
           </p:cNvPr>
@@ -2197,7 +2787,7 @@
           <p:cNvPr id="5" name="Text Placeholder 4">
             <a:extLst>
               <a:ext uri="{FF2B5EF4-FFF2-40B4-BE49-F238E27FC236}">
-                <a16:creationId xmlns="" xmlns:a16="http://schemas.microsoft.com/office/drawing/2014/main" id="{D2946555-4F1C-262A-D3EE-C38D8F57C1AB}"/>
+                <a16:creationId xmlns:a16="http://schemas.microsoft.com/office/drawing/2014/main" id="{D2946555-4F1C-262A-D3EE-C38D8F57C1AB}"/>
               </a:ext>
             </a:extLst>
           </p:cNvPr>
@@ -2268,7 +2858,7 @@
           <p:cNvPr id="6" name="Content Placeholder 5">
             <a:extLst>
               <a:ext uri="{FF2B5EF4-FFF2-40B4-BE49-F238E27FC236}">
-                <a16:creationId xmlns="" xmlns:a16="http://schemas.microsoft.com/office/drawing/2014/main" id="{CAF1A528-2FBD-1F79-A495-C46F13769C59}"/>
+                <a16:creationId xmlns:a16="http://schemas.microsoft.com/office/drawing/2014/main" id="{CAF1A528-2FBD-1F79-A495-C46F13769C59}"/>
               </a:ext>
             </a:extLst>
           </p:cNvPr>
@@ -2330,7 +2920,7 @@
           <p:cNvPr id="7" name="Date Placeholder 6">
             <a:extLst>
               <a:ext uri="{FF2B5EF4-FFF2-40B4-BE49-F238E27FC236}">
-                <a16:creationId xmlns="" xmlns:a16="http://schemas.microsoft.com/office/drawing/2014/main" id="{2778BE5C-04EF-E6BD-0717-37F872FF16C3}"/>
+                <a16:creationId xmlns:a16="http://schemas.microsoft.com/office/drawing/2014/main" id="{2778BE5C-04EF-E6BD-0717-37F872FF16C3}"/>
               </a:ext>
             </a:extLst>
           </p:cNvPr>
@@ -2348,7 +2938,7 @@
           <a:p>
             <a:fld id="{D0854996-1FBB-4E33-95BB-317CB7872D99}" type="datetimeFigureOut">
               <a:rPr lang="en-US" smtClean="0"/>
-              <a:t>5/4/2023</a:t>
+              <a:t>5/4/23</a:t>
             </a:fld>
             <a:endParaRPr lang="en-US"/>
           </a:p>
@@ -2359,7 +2949,7 @@
           <p:cNvPr id="8" name="Footer Placeholder 7">
             <a:extLst>
               <a:ext uri="{FF2B5EF4-FFF2-40B4-BE49-F238E27FC236}">
-                <a16:creationId xmlns="" xmlns:a16="http://schemas.microsoft.com/office/drawing/2014/main" id="{38A96267-3810-CB64-D205-372FA67F7A09}"/>
+                <a16:creationId xmlns:a16="http://schemas.microsoft.com/office/drawing/2014/main" id="{38A96267-3810-CB64-D205-372FA67F7A09}"/>
               </a:ext>
             </a:extLst>
           </p:cNvPr>
@@ -2384,7 +2974,7 @@
           <p:cNvPr id="9" name="Slide Number Placeholder 8">
             <a:extLst>
               <a:ext uri="{FF2B5EF4-FFF2-40B4-BE49-F238E27FC236}">
-                <a16:creationId xmlns="" xmlns:a16="http://schemas.microsoft.com/office/drawing/2014/main" id="{0D3B3BA1-2C34-F5D6-87F6-7B3B41E87C3F}"/>
+                <a16:creationId xmlns:a16="http://schemas.microsoft.com/office/drawing/2014/main" id="{0D3B3BA1-2C34-F5D6-87F6-7B3B41E87C3F}"/>
               </a:ext>
             </a:extLst>
           </p:cNvPr>
@@ -2443,7 +3033,7 @@
           <p:cNvPr id="2" name="Title 1">
             <a:extLst>
               <a:ext uri="{FF2B5EF4-FFF2-40B4-BE49-F238E27FC236}">
-                <a16:creationId xmlns="" xmlns:a16="http://schemas.microsoft.com/office/drawing/2014/main" id="{2BD0AAD7-06E9-6B86-C224-A84B16BC092F}"/>
+                <a16:creationId xmlns:a16="http://schemas.microsoft.com/office/drawing/2014/main" id="{2BD0AAD7-06E9-6B86-C224-A84B16BC092F}"/>
               </a:ext>
             </a:extLst>
           </p:cNvPr>
@@ -2471,7 +3061,7 @@
           <p:cNvPr id="3" name="Date Placeholder 2">
             <a:extLst>
               <a:ext uri="{FF2B5EF4-FFF2-40B4-BE49-F238E27FC236}">
-                <a16:creationId xmlns="" xmlns:a16="http://schemas.microsoft.com/office/drawing/2014/main" id="{85A9E503-8771-838F-5AAC-893EC50231D1}"/>
+                <a16:creationId xmlns:a16="http://schemas.microsoft.com/office/drawing/2014/main" id="{85A9E503-8771-838F-5AAC-893EC50231D1}"/>
               </a:ext>
             </a:extLst>
           </p:cNvPr>
@@ -2489,7 +3079,7 @@
           <a:p>
             <a:fld id="{D0854996-1FBB-4E33-95BB-317CB7872D99}" type="datetimeFigureOut">
               <a:rPr lang="en-US" smtClean="0"/>
-              <a:t>5/4/2023</a:t>
+              <a:t>5/4/23</a:t>
             </a:fld>
             <a:endParaRPr lang="en-US"/>
           </a:p>
@@ -2500,7 +3090,7 @@
           <p:cNvPr id="4" name="Footer Placeholder 3">
             <a:extLst>
               <a:ext uri="{FF2B5EF4-FFF2-40B4-BE49-F238E27FC236}">
-                <a16:creationId xmlns="" xmlns:a16="http://schemas.microsoft.com/office/drawing/2014/main" id="{E473AE5A-85B9-E0C6-35EE-05D7579BFEBE}"/>
+                <a16:creationId xmlns:a16="http://schemas.microsoft.com/office/drawing/2014/main" id="{E473AE5A-85B9-E0C6-35EE-05D7579BFEBE}"/>
               </a:ext>
             </a:extLst>
           </p:cNvPr>
@@ -2525,7 +3115,7 @@
           <p:cNvPr id="5" name="Slide Number Placeholder 4">
             <a:extLst>
               <a:ext uri="{FF2B5EF4-FFF2-40B4-BE49-F238E27FC236}">
-                <a16:creationId xmlns="" xmlns:a16="http://schemas.microsoft.com/office/drawing/2014/main" id="{02088C77-B791-6EC6-3382-1FDFD09DA7B1}"/>
+                <a16:creationId xmlns:a16="http://schemas.microsoft.com/office/drawing/2014/main" id="{02088C77-B791-6EC6-3382-1FDFD09DA7B1}"/>
               </a:ext>
             </a:extLst>
           </p:cNvPr>
@@ -2584,7 +3174,7 @@
           <p:cNvPr id="2" name="Date Placeholder 1">
             <a:extLst>
               <a:ext uri="{FF2B5EF4-FFF2-40B4-BE49-F238E27FC236}">
-                <a16:creationId xmlns="" xmlns:a16="http://schemas.microsoft.com/office/drawing/2014/main" id="{53F38818-2B01-FB61-F1D0-B3CFD45CE39C}"/>
+                <a16:creationId xmlns:a16="http://schemas.microsoft.com/office/drawing/2014/main" id="{53F38818-2B01-FB61-F1D0-B3CFD45CE39C}"/>
               </a:ext>
             </a:extLst>
           </p:cNvPr>
@@ -2602,7 +3192,7 @@
           <a:p>
             <a:fld id="{D0854996-1FBB-4E33-95BB-317CB7872D99}" type="datetimeFigureOut">
               <a:rPr lang="en-US" smtClean="0"/>
-              <a:t>5/4/2023</a:t>
+              <a:t>5/4/23</a:t>
             </a:fld>
             <a:endParaRPr lang="en-US"/>
           </a:p>
@@ -2613,7 +3203,7 @@
           <p:cNvPr id="3" name="Footer Placeholder 2">
             <a:extLst>
               <a:ext uri="{FF2B5EF4-FFF2-40B4-BE49-F238E27FC236}">
-                <a16:creationId xmlns="" xmlns:a16="http://schemas.microsoft.com/office/drawing/2014/main" id="{2455AFB9-0F6F-1646-E3F9-164927FE5C3E}"/>
+                <a16:creationId xmlns:a16="http://schemas.microsoft.com/office/drawing/2014/main" id="{2455AFB9-0F6F-1646-E3F9-164927FE5C3E}"/>
               </a:ext>
             </a:extLst>
           </p:cNvPr>
@@ -2638,7 +3228,7 @@
           <p:cNvPr id="4" name="Slide Number Placeholder 3">
             <a:extLst>
               <a:ext uri="{FF2B5EF4-FFF2-40B4-BE49-F238E27FC236}">
-                <a16:creationId xmlns="" xmlns:a16="http://schemas.microsoft.com/office/drawing/2014/main" id="{9668AD29-83CB-DCB3-07F7-E8FBC7A6037F}"/>
+                <a16:creationId xmlns:a16="http://schemas.microsoft.com/office/drawing/2014/main" id="{9668AD29-83CB-DCB3-07F7-E8FBC7A6037F}"/>
               </a:ext>
             </a:extLst>
           </p:cNvPr>
@@ -2697,7 +3287,7 @@
           <p:cNvPr id="2" name="Title 1">
             <a:extLst>
               <a:ext uri="{FF2B5EF4-FFF2-40B4-BE49-F238E27FC236}">
-                <a16:creationId xmlns="" xmlns:a16="http://schemas.microsoft.com/office/drawing/2014/main" id="{D7DC9D5E-27B8-AD9A-2659-5932A57F3DB5}"/>
+                <a16:creationId xmlns:a16="http://schemas.microsoft.com/office/drawing/2014/main" id="{D7DC9D5E-27B8-AD9A-2659-5932A57F3DB5}"/>
               </a:ext>
             </a:extLst>
           </p:cNvPr>
@@ -2734,7 +3324,7 @@
           <p:cNvPr id="3" name="Content Placeholder 2">
             <a:extLst>
               <a:ext uri="{FF2B5EF4-FFF2-40B4-BE49-F238E27FC236}">
-                <a16:creationId xmlns="" xmlns:a16="http://schemas.microsoft.com/office/drawing/2014/main" id="{30923FB5-E2BF-A4B2-A2D0-A00A3D1898BC}"/>
+                <a16:creationId xmlns:a16="http://schemas.microsoft.com/office/drawing/2014/main" id="{30923FB5-E2BF-A4B2-A2D0-A00A3D1898BC}"/>
               </a:ext>
             </a:extLst>
           </p:cNvPr>
@@ -2824,7 +3414,7 @@
           <p:cNvPr id="4" name="Text Placeholder 3">
             <a:extLst>
               <a:ext uri="{FF2B5EF4-FFF2-40B4-BE49-F238E27FC236}">
-                <a16:creationId xmlns="" xmlns:a16="http://schemas.microsoft.com/office/drawing/2014/main" id="{C893FAE0-A790-3272-ED87-714BF6202D63}"/>
+                <a16:creationId xmlns:a16="http://schemas.microsoft.com/office/drawing/2014/main" id="{C893FAE0-A790-3272-ED87-714BF6202D63}"/>
               </a:ext>
             </a:extLst>
           </p:cNvPr>
@@ -2895,7 +3485,7 @@
           <p:cNvPr id="5" name="Date Placeholder 4">
             <a:extLst>
               <a:ext uri="{FF2B5EF4-FFF2-40B4-BE49-F238E27FC236}">
-                <a16:creationId xmlns="" xmlns:a16="http://schemas.microsoft.com/office/drawing/2014/main" id="{B81C0A93-0475-6608-27DF-CFCC73458A8F}"/>
+                <a16:creationId xmlns:a16="http://schemas.microsoft.com/office/drawing/2014/main" id="{B81C0A93-0475-6608-27DF-CFCC73458A8F}"/>
               </a:ext>
             </a:extLst>
           </p:cNvPr>
@@ -2913,7 +3503,7 @@
           <a:p>
             <a:fld id="{D0854996-1FBB-4E33-95BB-317CB7872D99}" type="datetimeFigureOut">
               <a:rPr lang="en-US" smtClean="0"/>
-              <a:t>5/4/2023</a:t>
+              <a:t>5/4/23</a:t>
             </a:fld>
             <a:endParaRPr lang="en-US"/>
           </a:p>
@@ -2924,7 +3514,7 @@
           <p:cNvPr id="6" name="Footer Placeholder 5">
             <a:extLst>
               <a:ext uri="{FF2B5EF4-FFF2-40B4-BE49-F238E27FC236}">
-                <a16:creationId xmlns="" xmlns:a16="http://schemas.microsoft.com/office/drawing/2014/main" id="{B04A9B06-1F86-EEF8-8473-D61924456931}"/>
+                <a16:creationId xmlns:a16="http://schemas.microsoft.com/office/drawing/2014/main" id="{B04A9B06-1F86-EEF8-8473-D61924456931}"/>
               </a:ext>
             </a:extLst>
           </p:cNvPr>
@@ -2949,7 +3539,7 @@
           <p:cNvPr id="7" name="Slide Number Placeholder 6">
             <a:extLst>
               <a:ext uri="{FF2B5EF4-FFF2-40B4-BE49-F238E27FC236}">
-                <a16:creationId xmlns="" xmlns:a16="http://schemas.microsoft.com/office/drawing/2014/main" id="{6173C552-D150-C781-6D84-17DA2BBF1656}"/>
+                <a16:creationId xmlns:a16="http://schemas.microsoft.com/office/drawing/2014/main" id="{6173C552-D150-C781-6D84-17DA2BBF1656}"/>
               </a:ext>
             </a:extLst>
           </p:cNvPr>
@@ -3008,7 +3598,7 @@
           <p:cNvPr id="2" name="Title 1">
             <a:extLst>
               <a:ext uri="{FF2B5EF4-FFF2-40B4-BE49-F238E27FC236}">
-                <a16:creationId xmlns="" xmlns:a16="http://schemas.microsoft.com/office/drawing/2014/main" id="{86A723BF-75CB-BA9C-52EC-1BAAA2273C37}"/>
+                <a16:creationId xmlns:a16="http://schemas.microsoft.com/office/drawing/2014/main" id="{86A723BF-75CB-BA9C-52EC-1BAAA2273C37}"/>
               </a:ext>
             </a:extLst>
           </p:cNvPr>
@@ -3045,7 +3635,7 @@
           <p:cNvPr id="3" name="Picture Placeholder 2">
             <a:extLst>
               <a:ext uri="{FF2B5EF4-FFF2-40B4-BE49-F238E27FC236}">
-                <a16:creationId xmlns="" xmlns:a16="http://schemas.microsoft.com/office/drawing/2014/main" id="{D7342387-DCA6-0EBE-87AD-F51858ADD85C}"/>
+                <a16:creationId xmlns:a16="http://schemas.microsoft.com/office/drawing/2014/main" id="{D7342387-DCA6-0EBE-87AD-F51858ADD85C}"/>
               </a:ext>
             </a:extLst>
           </p:cNvPr>
@@ -3112,7 +3702,7 @@
           <p:cNvPr id="4" name="Text Placeholder 3">
             <a:extLst>
               <a:ext uri="{FF2B5EF4-FFF2-40B4-BE49-F238E27FC236}">
-                <a16:creationId xmlns="" xmlns:a16="http://schemas.microsoft.com/office/drawing/2014/main" id="{4914F6DB-85BF-D03D-EE41-A7B0601C1B49}"/>
+                <a16:creationId xmlns:a16="http://schemas.microsoft.com/office/drawing/2014/main" id="{4914F6DB-85BF-D03D-EE41-A7B0601C1B49}"/>
               </a:ext>
             </a:extLst>
           </p:cNvPr>
@@ -3183,7 +3773,7 @@
           <p:cNvPr id="5" name="Date Placeholder 4">
             <a:extLst>
               <a:ext uri="{FF2B5EF4-FFF2-40B4-BE49-F238E27FC236}">
-                <a16:creationId xmlns="" xmlns:a16="http://schemas.microsoft.com/office/drawing/2014/main" id="{EFF8CA06-1788-C8CE-9527-09F3A79C0B43}"/>
+                <a16:creationId xmlns:a16="http://schemas.microsoft.com/office/drawing/2014/main" id="{EFF8CA06-1788-C8CE-9527-09F3A79C0B43}"/>
               </a:ext>
             </a:extLst>
           </p:cNvPr>
@@ -3201,7 +3791,7 @@
           <a:p>
             <a:fld id="{D0854996-1FBB-4E33-95BB-317CB7872D99}" type="datetimeFigureOut">
               <a:rPr lang="en-US" smtClean="0"/>
-              <a:t>5/4/2023</a:t>
+              <a:t>5/4/23</a:t>
             </a:fld>
             <a:endParaRPr lang="en-US"/>
           </a:p>
@@ -3212,7 +3802,7 @@
           <p:cNvPr id="6" name="Footer Placeholder 5">
             <a:extLst>
               <a:ext uri="{FF2B5EF4-FFF2-40B4-BE49-F238E27FC236}">
-                <a16:creationId xmlns="" xmlns:a16="http://schemas.microsoft.com/office/drawing/2014/main" id="{637E81F4-FE36-EC6A-644C-8B7717C70BB1}"/>
+                <a16:creationId xmlns:a16="http://schemas.microsoft.com/office/drawing/2014/main" id="{637E81F4-FE36-EC6A-644C-8B7717C70BB1}"/>
               </a:ext>
             </a:extLst>
           </p:cNvPr>
@@ -3237,7 +3827,7 @@
           <p:cNvPr id="7" name="Slide Number Placeholder 6">
             <a:extLst>
               <a:ext uri="{FF2B5EF4-FFF2-40B4-BE49-F238E27FC236}">
-                <a16:creationId xmlns="" xmlns:a16="http://schemas.microsoft.com/office/drawing/2014/main" id="{CD942980-D98D-3100-036C-E95E52FEB56D}"/>
+                <a16:creationId xmlns:a16="http://schemas.microsoft.com/office/drawing/2014/main" id="{CD942980-D98D-3100-036C-E95E52FEB56D}"/>
               </a:ext>
             </a:extLst>
           </p:cNvPr>
@@ -3301,7 +3891,7 @@
           <p:cNvPr id="2" name="Title Placeholder 1">
             <a:extLst>
               <a:ext uri="{FF2B5EF4-FFF2-40B4-BE49-F238E27FC236}">
-                <a16:creationId xmlns="" xmlns:a16="http://schemas.microsoft.com/office/drawing/2014/main" id="{D2A0DF5A-3A69-A5EC-E167-4D8338DCD260}"/>
+                <a16:creationId xmlns:a16="http://schemas.microsoft.com/office/drawing/2014/main" id="{D2A0DF5A-3A69-A5EC-E167-4D8338DCD260}"/>
               </a:ext>
             </a:extLst>
           </p:cNvPr>
@@ -3339,7 +3929,7 @@
           <p:cNvPr id="3" name="Text Placeholder 2">
             <a:extLst>
               <a:ext uri="{FF2B5EF4-FFF2-40B4-BE49-F238E27FC236}">
-                <a16:creationId xmlns="" xmlns:a16="http://schemas.microsoft.com/office/drawing/2014/main" id="{D6C72EDA-195E-D008-9012-693195B751A6}"/>
+                <a16:creationId xmlns:a16="http://schemas.microsoft.com/office/drawing/2014/main" id="{D6C72EDA-195E-D008-9012-693195B751A6}"/>
               </a:ext>
             </a:extLst>
           </p:cNvPr>
@@ -3406,7 +3996,7 @@
           <p:cNvPr id="4" name="Date Placeholder 3">
             <a:extLst>
               <a:ext uri="{FF2B5EF4-FFF2-40B4-BE49-F238E27FC236}">
-                <a16:creationId xmlns="" xmlns:a16="http://schemas.microsoft.com/office/drawing/2014/main" id="{B4F781D0-7BBD-6ACD-E311-BBECA04468ED}"/>
+                <a16:creationId xmlns:a16="http://schemas.microsoft.com/office/drawing/2014/main" id="{B4F781D0-7BBD-6ACD-E311-BBECA04468ED}"/>
               </a:ext>
             </a:extLst>
           </p:cNvPr>
@@ -3442,7 +4032,7 @@
           <a:p>
             <a:fld id="{D0854996-1FBB-4E33-95BB-317CB7872D99}" type="datetimeFigureOut">
               <a:rPr lang="en-US" smtClean="0"/>
-              <a:t>5/4/2023</a:t>
+              <a:t>5/4/23</a:t>
             </a:fld>
             <a:endParaRPr lang="en-US"/>
           </a:p>
@@ -3453,7 +4043,7 @@
           <p:cNvPr id="5" name="Footer Placeholder 4">
             <a:extLst>
               <a:ext uri="{FF2B5EF4-FFF2-40B4-BE49-F238E27FC236}">
-                <a16:creationId xmlns="" xmlns:a16="http://schemas.microsoft.com/office/drawing/2014/main" id="{02469B86-7943-5512-14B4-A5099AFAEED6}"/>
+                <a16:creationId xmlns:a16="http://schemas.microsoft.com/office/drawing/2014/main" id="{02469B86-7943-5512-14B4-A5099AFAEED6}"/>
               </a:ext>
             </a:extLst>
           </p:cNvPr>
@@ -3496,7 +4086,7 @@
           <p:cNvPr id="6" name="Slide Number Placeholder 5">
             <a:extLst>
               <a:ext uri="{FF2B5EF4-FFF2-40B4-BE49-F238E27FC236}">
-                <a16:creationId xmlns="" xmlns:a16="http://schemas.microsoft.com/office/drawing/2014/main" id="{DC623C1E-0FC3-571B-9CE7-2037AA9F7240}"/>
+                <a16:creationId xmlns:a16="http://schemas.microsoft.com/office/drawing/2014/main" id="{DC623C1E-0FC3-571B-9CE7-2037AA9F7240}"/>
               </a:ext>
             </a:extLst>
           </p:cNvPr>
@@ -3864,7 +4454,7 @@
           <p:cNvPr id="2" name="Title 1">
             <a:extLst>
               <a:ext uri="{FF2B5EF4-FFF2-40B4-BE49-F238E27FC236}">
-                <a16:creationId xmlns="" xmlns:a16="http://schemas.microsoft.com/office/drawing/2014/main" id="{E40C16C4-4789-4048-D9A5-1506B502EF1C}"/>
+                <a16:creationId xmlns:a16="http://schemas.microsoft.com/office/drawing/2014/main" id="{E40C16C4-4789-4048-D9A5-1506B502EF1C}"/>
               </a:ext>
             </a:extLst>
           </p:cNvPr>
@@ -3898,10 +4488,6 @@
             <a:r>
               <a:rPr lang="en-US" dirty="0"/>
               <a:t>of the </a:t>
-            </a:r>
-            <a:r>
-              <a:rPr lang="en-US" sz="5400" dirty="0"/>
-              <a:t/>
             </a:r>
             <a:br>
               <a:rPr lang="en-US" sz="5400" dirty="0"/>
@@ -3927,13 +4513,6 @@
   <p:clrMapOvr>
     <a:masterClrMapping/>
   </p:clrMapOvr>
-  <p:timing>
-    <p:tnLst>
-      <p:par>
-        <p:cTn id="1" dur="indefinite" restart="never" nodeType="tmRoot"/>
-      </p:par>
-    </p:tnLst>
-  </p:timing>
 </p:sld>
 </file>
 
@@ -4000,39 +4579,38 @@
           <a:lstStyle/>
           <a:p>
             <a:r>
-              <a:rPr lang="en-US" dirty="0" smtClean="0"/>
+              <a:rPr lang="en-US" dirty="0"/>
               <a:t>Data was collected through the python module </a:t>
             </a:r>
             <a:r>
-              <a:rPr lang="en-US" dirty="0" err="1" smtClean="0"/>
+              <a:rPr lang="en-US" dirty="0" err="1"/>
               <a:t>nba_api</a:t>
             </a:r>
-            <a:endParaRPr lang="en-US" dirty="0" smtClean="0"/>
-          </a:p>
-          <a:p>
-            <a:r>
-              <a:rPr lang="en-US" dirty="0" smtClean="0"/>
+            <a:endParaRPr lang="en-US" dirty="0"/>
+          </a:p>
+          <a:p>
+            <a:r>
+              <a:rPr lang="en-US" dirty="0"/>
               <a:t>The data was filtered to include only seasons where the Magic made the playoffs</a:t>
             </a:r>
           </a:p>
           <a:p>
             <a:r>
-              <a:rPr lang="en-US" dirty="0" smtClean="0"/>
+              <a:rPr lang="en-US" dirty="0"/>
               <a:t>A two-plot line chart was created to show the different winning percentages</a:t>
             </a:r>
           </a:p>
           <a:p>
             <a:r>
-              <a:rPr lang="en-US" dirty="0" smtClean="0"/>
+              <a:rPr lang="en-US" dirty="0"/>
               <a:t>A bar chart was created to show the number of games played in each playoff season</a:t>
             </a:r>
           </a:p>
           <a:p>
             <a:r>
-              <a:rPr lang="en-US" dirty="0" smtClean="0"/>
+              <a:rPr lang="en-US" dirty="0"/>
               <a:t>A T test was applied to determine whether or not there was a correlation between regular season wins and playoff wins</a:t>
             </a:r>
-            <a:endParaRPr lang="en-US" dirty="0"/>
           </a:p>
         </p:txBody>
       </p:sp>
@@ -4046,13 +4624,6 @@
   <p:clrMapOvr>
     <a:masterClrMapping/>
   </p:clrMapOvr>
-  <p:timing>
-    <p:tnLst>
-      <p:par>
-        <p:cTn id="1" dur="indefinite" restart="never" nodeType="tmRoot"/>
-      </p:par>
-    </p:tnLst>
-  </p:timing>
 </p:sld>
 </file>
 
@@ -4202,31 +4773,7 @@
                   <a:prstClr val="black"/>
                 </a:solidFill>
               </a:rPr>
-              <a:t>Question </a:t>
-            </a:r>
-            <a:r>
-              <a:rPr lang="en-US" sz="3200" b="1" dirty="0" smtClean="0">
-                <a:solidFill>
-                  <a:prstClr val="black"/>
-                </a:solidFill>
-              </a:rPr>
-              <a:t>3 </a:t>
-            </a:r>
-            <a:r>
-              <a:rPr lang="en-US" sz="3200" b="1" dirty="0">
-                <a:solidFill>
-                  <a:prstClr val="black"/>
-                </a:solidFill>
-              </a:rPr>
-              <a:t>– </a:t>
-            </a:r>
-            <a:r>
-              <a:rPr lang="en-US" sz="3200" b="1" dirty="0" smtClean="0">
-                <a:solidFill>
-                  <a:prstClr val="black"/>
-                </a:solidFill>
-              </a:rPr>
-              <a:t>How Does the Magic Compare to the League</a:t>
+              <a:t>Question 3 – How Does the Magic Compare to the League</a:t>
             </a:r>
             <a:endParaRPr lang="en-US" sz="3200" dirty="0"/>
           </a:p>
@@ -4248,12 +4795,8 @@
           <a:lstStyle/>
           <a:p>
             <a:r>
-              <a:rPr lang="en-US" dirty="0" smtClean="0"/>
-              <a:t>The following 5 major factors were analyzed in </a:t>
-            </a:r>
-            <a:r>
-              <a:rPr lang="en-US" dirty="0"/>
-              <a:t>game performance. </a:t>
+              <a:rPr lang="en-US" dirty="0"/>
+              <a:t>The following 5 major factors were analyzed in game performance. </a:t>
             </a:r>
           </a:p>
           <a:p>
@@ -4288,39 +4831,15 @@
           <a:p>
             <a:pPr lvl="1"/>
             <a:r>
-              <a:rPr lang="en-US" sz="2000" dirty="0" smtClean="0"/>
-              <a:t>The comparison of the Magic </a:t>
-            </a:r>
-            <a:r>
               <a:rPr lang="en-US" sz="2000" dirty="0"/>
-              <a:t>to 3 other </a:t>
-            </a:r>
-            <a:r>
-              <a:rPr lang="en-US" sz="2000" dirty="0" smtClean="0"/>
-              <a:t>teams consisted of 3 </a:t>
-            </a:r>
+              <a:t>The comparison of the Magic to 3 other teams consisted of 3 Point Percentage and Field Goal Percentage to get a wider view of the points being made.</a:t>
+            </a:r>
+          </a:p>
+          <a:p>
+            <a:pPr lvl="1"/>
             <a:r>
               <a:rPr lang="en-US" sz="2000" dirty="0"/>
-              <a:t>Point Percentage and Field Goal Percentage to get a wider view of the points being made.</a:t>
-            </a:r>
-          </a:p>
-          <a:p>
-            <a:pPr lvl="1"/>
-            <a:r>
-              <a:rPr lang="en-US" sz="2000" dirty="0" smtClean="0"/>
-              <a:t>The comparison of  </a:t>
-            </a:r>
-            <a:r>
-              <a:rPr lang="en-US" sz="2000" dirty="0"/>
-              <a:t>the Magic to the entire </a:t>
-            </a:r>
-            <a:r>
-              <a:rPr lang="en-US" sz="2000" dirty="0" smtClean="0"/>
-              <a:t>league consisted of 3 </a:t>
-            </a:r>
-            <a:r>
-              <a:rPr lang="en-US" sz="2000" dirty="0"/>
-              <a:t>Points Made and Field Goals Made to get a more specific look at where the points are coming from.</a:t>
+              <a:t>The comparison of  the Magic to the entire league consisted of 3 Points Made and Field Goals Made to get a more specific look at where the points are coming from.</a:t>
             </a:r>
           </a:p>
         </p:txBody>
@@ -4360,7 +4879,7 @@
           <p:cNvPr id="2" name="Title 1">
             <a:extLst>
               <a:ext uri="{FF2B5EF4-FFF2-40B4-BE49-F238E27FC236}">
-                <a16:creationId xmlns="" xmlns:a16="http://schemas.microsoft.com/office/drawing/2014/main" id="{F231DA39-FB02-DB33-0970-E23096131913}"/>
+                <a16:creationId xmlns:a16="http://schemas.microsoft.com/office/drawing/2014/main" id="{F231DA39-FB02-DB33-0970-E23096131913}"/>
               </a:ext>
             </a:extLst>
           </p:cNvPr>
@@ -4387,30 +4906,10 @@
                   <a:srgbClr val="000000"/>
                 </a:solidFill>
               </a:rPr>
-              <a:t>KPIs most closely </a:t>
-            </a:r>
-            <a:r>
-              <a:rPr lang="en-US" b="1" dirty="0" smtClean="0">
-                <a:solidFill>
-                  <a:srgbClr val="000000"/>
-                </a:solidFill>
-              </a:rPr>
-              <a:t>related </a:t>
-            </a:r>
-            <a:r>
-              <a:rPr lang="en-US" b="1" dirty="0">
-                <a:solidFill>
-                  <a:srgbClr val="000000"/>
-                </a:solidFill>
-              </a:rPr>
-              <a:t>to wins </a:t>
-            </a:r>
-            <a:r>
-              <a:rPr lang="en-US" b="1" dirty="0" smtClean="0"/>
-              <a:t/>
+              <a:t>KPIs most closely related to wins </a:t>
             </a:r>
             <a:br>
-              <a:rPr lang="en-US" b="1" dirty="0" smtClean="0"/>
+              <a:rPr lang="en-US" b="1" dirty="0"/>
             </a:br>
             <a:r>
               <a:rPr lang="en-US" dirty="0"/>
@@ -4424,7 +4923,7 @@
           <p:cNvPr id="3" name="Content Placeholder 2">
             <a:extLst>
               <a:ext uri="{FF2B5EF4-FFF2-40B4-BE49-F238E27FC236}">
-                <a16:creationId xmlns="" xmlns:a16="http://schemas.microsoft.com/office/drawing/2014/main" id="{6CBB8C9F-8AF7-7AF3-C4F4-7DEDCFB073B7}"/>
+                <a16:creationId xmlns:a16="http://schemas.microsoft.com/office/drawing/2014/main" id="{6CBB8C9F-8AF7-7AF3-C4F4-7DEDCFB073B7}"/>
               </a:ext>
             </a:extLst>
           </p:cNvPr>
@@ -4529,107 +5028,47 @@
             <p:ph type="title"/>
           </p:nvPr>
         </p:nvSpPr>
-        <p:spPr>
-          <a:xfrm>
-            <a:off x="831850" y="239561"/>
-            <a:ext cx="10515600" cy="1427874"/>
-          </a:xfrm>
-        </p:spPr>
-        <p:txBody>
-          <a:bodyPr>
-            <a:normAutofit/>
-          </a:bodyPr>
-          <a:lstStyle/>
-          <a:p>
-            <a:pPr algn="ctr"/>
-            <a:r>
-              <a:rPr lang="en-US" dirty="0">
-                <a:solidFill>
-                  <a:prstClr val="black"/>
-                </a:solidFill>
-              </a:rPr>
-              <a:t>SECTION </a:t>
-            </a:r>
-            <a:r>
-              <a:rPr lang="en-US" dirty="0" smtClean="0">
-                <a:solidFill>
-                  <a:prstClr val="black"/>
-                </a:solidFill>
-              </a:rPr>
-              <a:t>4</a:t>
-            </a:r>
-            <a:endParaRPr lang="en-US" sz="2400" dirty="0"/>
-          </a:p>
-        </p:txBody>
-      </p:sp>
-      <p:sp>
-        <p:nvSpPr>
-          <p:cNvPr id="3" name="Text Placeholder 2"/>
-          <p:cNvSpPr>
-            <a:spLocks noGrp="1"/>
-          </p:cNvSpPr>
-          <p:nvPr>
-            <p:ph type="body" idx="1"/>
-          </p:nvPr>
-        </p:nvSpPr>
-        <p:spPr>
-          <a:xfrm>
-            <a:off x="831850" y="1721225"/>
-            <a:ext cx="10515600" cy="818775"/>
-          </a:xfrm>
-        </p:spPr>
-        <p:txBody>
-          <a:bodyPr>
-            <a:noAutofit/>
-          </a:bodyPr>
-          <a:lstStyle/>
-          <a:p>
-            <a:pPr algn="ctr"/>
-            <a:r>
-              <a:rPr lang="en-US" sz="2800" dirty="0" smtClean="0">
-                <a:solidFill>
-                  <a:prstClr val="black"/>
-                </a:solidFill>
-              </a:rPr>
-              <a:t>Results and conclusions </a:t>
-            </a:r>
-            <a:r>
-              <a:rPr lang="en-US" sz="2800" dirty="0">
-                <a:solidFill>
-                  <a:prstClr val="black"/>
-                </a:solidFill>
-              </a:rPr>
-              <a:t>of the </a:t>
-            </a:r>
-            <a:r>
-              <a:rPr lang="en-US" sz="2800" dirty="0" smtClean="0">
-                <a:solidFill>
-                  <a:prstClr val="black"/>
-                </a:solidFill>
-              </a:rPr>
-              <a:t>analysis</a:t>
-            </a:r>
-            <a:endParaRPr lang="en-US" sz="2800" dirty="0"/>
+        <p:spPr/>
+        <p:txBody>
+          <a:bodyPr/>
+          <a:lstStyle/>
+          <a:p>
+            <a:r>
+              <a:rPr lang="en-US" dirty="0"/>
+              <a:t>Dario</a:t>
+            </a:r>
+          </a:p>
+        </p:txBody>
+      </p:sp>
+      <p:sp>
+        <p:nvSpPr>
+          <p:cNvPr id="3" name="Content Placeholder 2"/>
+          <p:cNvSpPr>
+            <a:spLocks noGrp="1"/>
+          </p:cNvSpPr>
+          <p:nvPr>
+            <p:ph idx="1"/>
+          </p:nvPr>
+        </p:nvSpPr>
+        <p:spPr/>
+        <p:txBody>
+          <a:bodyPr/>
+          <a:lstStyle/>
+          <a:p>
+            <a:endParaRPr lang="en-US" dirty="0"/>
           </a:p>
         </p:txBody>
       </p:sp>
     </p:spTree>
     <p:extLst>
       <p:ext uri="{BB962C8B-B14F-4D97-AF65-F5344CB8AC3E}">
-        <p14:creationId xmlns:p14="http://schemas.microsoft.com/office/powerpoint/2010/main" val="3578810854"/>
+        <p14:creationId xmlns:p14="http://schemas.microsoft.com/office/powerpoint/2010/main" val="3429720316"/>
       </p:ext>
     </p:extLst>
   </p:cSld>
   <p:clrMapOvr>
     <a:masterClrMapping/>
   </p:clrMapOvr>
-  <p:timing>
-    <p:tnLst>
-      <p:par>
-        <p:cTn id="1" dur="indefinite" restart="never" nodeType="tmRoot"/>
-      </p:par>
-    </p:tnLst>
-  </p:timing>
 </p:sld>
 </file>
 
@@ -4660,141 +5099,76 @@
             <p:ph type="title"/>
           </p:nvPr>
         </p:nvSpPr>
-        <p:spPr/>
-        <p:txBody>
-          <a:bodyPr/>
-          <a:lstStyle/>
-          <a:p>
-            <a:pPr algn="ctr"/>
-            <a:r>
-              <a:rPr lang="en-US" sz="3600" b="1" dirty="0"/>
-              <a:t>Question 1 – Regular Season vs Playoff Percentage</a:t>
-            </a:r>
-            <a:endParaRPr lang="en-US" sz="3600" dirty="0"/>
-          </a:p>
-        </p:txBody>
-      </p:sp>
-      <p:pic>
-        <p:nvPicPr>
-          <p:cNvPr id="4" name="Content Placeholder 3"/>
-          <p:cNvPicPr>
-            <a:picLocks noGrp="1" noChangeAspect="1"/>
-          </p:cNvPicPr>
-          <p:nvPr>
-            <p:ph sz="half" idx="1"/>
-          </p:nvPr>
-        </p:nvPicPr>
-        <p:blipFill>
-          <a:blip r:embed="rId2">
-            <a:extLst>
-              <a:ext uri="{28A0092B-C50C-407E-A947-70E740481C1C}">
-                <a14:useLocalDpi xmlns:a14="http://schemas.microsoft.com/office/drawing/2010/main" val="0"/>
-              </a:ext>
-            </a:extLst>
-          </a:blip>
-          <a:stretch>
-            <a:fillRect/>
-          </a:stretch>
-        </p:blipFill>
         <p:spPr>
           <a:xfrm>
-            <a:off x="6583680" y="4092734"/>
-            <a:ext cx="4983480" cy="2590800"/>
+            <a:off x="831850" y="239561"/>
+            <a:ext cx="10515600" cy="1427874"/>
           </a:xfrm>
         </p:spPr>
-      </p:pic>
-      <p:sp>
-        <p:nvSpPr>
-          <p:cNvPr id="6" name="Content Placeholder 5"/>
-          <p:cNvSpPr>
-            <a:spLocks noGrp="1"/>
-          </p:cNvSpPr>
-          <p:nvPr>
-            <p:ph sz="half" idx="2"/>
+        <p:txBody>
+          <a:bodyPr>
+            <a:normAutofit/>
+          </a:bodyPr>
+          <a:lstStyle/>
+          <a:p>
+            <a:pPr algn="ctr"/>
+            <a:r>
+              <a:rPr lang="en-US" dirty="0">
+                <a:solidFill>
+                  <a:prstClr val="black"/>
+                </a:solidFill>
+              </a:rPr>
+              <a:t>SECTION 4</a:t>
+            </a:r>
+            <a:endParaRPr lang="en-US" sz="2400" dirty="0"/>
+          </a:p>
+        </p:txBody>
+      </p:sp>
+      <p:sp>
+        <p:nvSpPr>
+          <p:cNvPr id="3" name="Text Placeholder 2"/>
+          <p:cNvSpPr>
+            <a:spLocks noGrp="1"/>
+          </p:cNvSpPr>
+          <p:nvPr>
+            <p:ph type="body" idx="1"/>
           </p:nvPr>
         </p:nvSpPr>
         <p:spPr>
           <a:xfrm>
-            <a:off x="655320" y="1825625"/>
-            <a:ext cx="4541520" cy="4351338"/>
+            <a:off x="831850" y="1721225"/>
+            <a:ext cx="10515600" cy="818775"/>
           </a:xfrm>
         </p:spPr>
         <p:txBody>
-          <a:bodyPr/>
-          <a:lstStyle/>
-          <a:p>
-            <a:r>
-              <a:rPr lang="en-US" dirty="0"/>
-              <a:t>The two-line plot data </a:t>
-            </a:r>
-            <a:r>
-              <a:rPr lang="en-US" dirty="0" smtClean="0"/>
-              <a:t>of regular season vs playoff games was </a:t>
-            </a:r>
-            <a:r>
-              <a:rPr lang="en-US" dirty="0"/>
-              <a:t>used </a:t>
-            </a:r>
-            <a:r>
-              <a:rPr lang="en-US" dirty="0" smtClean="0"/>
-              <a:t>to determine the p value</a:t>
-            </a:r>
-          </a:p>
-          <a:p>
-            <a:r>
-              <a:rPr lang="en-US" dirty="0" smtClean="0"/>
-              <a:t>The p value was calculated as 6.11315173e-05, which shows a strong correlation. </a:t>
-            </a:r>
-          </a:p>
-        </p:txBody>
-      </p:sp>
-      <p:pic>
-        <p:nvPicPr>
-          <p:cNvPr id="5" name="Picture 4"/>
-          <p:cNvPicPr>
-            <a:picLocks noChangeAspect="1"/>
-          </p:cNvPicPr>
-          <p:nvPr/>
-        </p:nvPicPr>
-        <p:blipFill>
-          <a:blip r:embed="rId3">
-            <a:extLst>
-              <a:ext uri="{28A0092B-C50C-407E-A947-70E740481C1C}">
-                <a14:useLocalDpi xmlns:a14="http://schemas.microsoft.com/office/drawing/2010/main" val="0"/>
-              </a:ext>
-            </a:extLst>
-          </a:blip>
-          <a:stretch>
-            <a:fillRect/>
-          </a:stretch>
-        </p:blipFill>
-        <p:spPr>
-          <a:xfrm>
-            <a:off x="6598920" y="1600200"/>
-            <a:ext cx="5003940" cy="2407920"/>
-          </a:xfrm>
-          <a:prstGeom prst="rect">
-            <a:avLst/>
-          </a:prstGeom>
-        </p:spPr>
-      </p:pic>
+          <a:bodyPr>
+            <a:noAutofit/>
+          </a:bodyPr>
+          <a:lstStyle/>
+          <a:p>
+            <a:pPr algn="ctr"/>
+            <a:r>
+              <a:rPr lang="en-US" sz="2800" dirty="0">
+                <a:solidFill>
+                  <a:prstClr val="black"/>
+                </a:solidFill>
+              </a:rPr>
+              <a:t>Results and conclusions of the analysis</a:t>
+            </a:r>
+            <a:endParaRPr lang="en-US" sz="2800" dirty="0"/>
+          </a:p>
+        </p:txBody>
+      </p:sp>
     </p:spTree>
     <p:extLst>
       <p:ext uri="{BB962C8B-B14F-4D97-AF65-F5344CB8AC3E}">
-        <p14:creationId xmlns:p14="http://schemas.microsoft.com/office/powerpoint/2010/main" val="2896972427"/>
+        <p14:creationId xmlns:p14="http://schemas.microsoft.com/office/powerpoint/2010/main" val="3578810854"/>
       </p:ext>
     </p:extLst>
   </p:cSld>
   <p:clrMapOvr>
     <a:masterClrMapping/>
   </p:clrMapOvr>
-  <p:timing>
-    <p:tnLst>
-      <p:par>
-        <p:cTn id="1" dur="indefinite" restart="never" nodeType="tmRoot"/>
-      </p:par>
-    </p:tnLst>
-  </p:timing>
 </p:sld>
 </file>
 
@@ -4827,33 +5201,26 @@
         </p:nvSpPr>
         <p:spPr/>
         <p:txBody>
-          <a:bodyPr>
-            <a:normAutofit/>
-          </a:bodyPr>
+          <a:bodyPr/>
           <a:lstStyle/>
           <a:p>
             <a:pPr algn="ctr"/>
             <a:r>
               <a:rPr lang="en-US" sz="3600" b="1" dirty="0"/>
-              <a:t>Question 2 – Last Season vs Best/Worst Seasons</a:t>
-            </a:r>
+              <a:t>Question 1 – Regular Season vs Playoff Percentage</a:t>
+            </a:r>
+            <a:endParaRPr lang="en-US" sz="3600" dirty="0"/>
           </a:p>
         </p:txBody>
       </p:sp>
       <p:pic>
         <p:nvPicPr>
-          <p:cNvPr id="3" name="Content Placeholder 2" descr="Chart, bar chart, histogram&#10;&#10;Description automatically generated">
-            <a:extLst>
-              <a:ext uri="{FF2B5EF4-FFF2-40B4-BE49-F238E27FC236}">
-                <a16:creationId xmlns:a16="http://schemas.microsoft.com/office/drawing/2014/main" xmlns="" id="{18A37965-FA94-2800-5618-C59BF5FEDD9D}"/>
-              </a:ext>
-            </a:extLst>
-          </p:cNvPr>
+          <p:cNvPr id="4" name="Content Placeholder 3"/>
           <p:cNvPicPr>
             <a:picLocks noGrp="1" noChangeAspect="1"/>
           </p:cNvPicPr>
           <p:nvPr>
-            <p:ph idx="1"/>
+            <p:ph sz="half" idx="1"/>
           </p:nvPr>
         </p:nvPicPr>
         <p:blipFill>
@@ -4864,34 +5231,53 @@
               </a:ext>
             </a:extLst>
           </a:blip>
-          <a:srcRect/>
           <a:stretch>
             <a:fillRect/>
           </a:stretch>
         </p:blipFill>
-        <p:spPr bwMode="auto">
+        <p:spPr>
           <a:xfrm>
-            <a:off x="431643" y="1619802"/>
-            <a:ext cx="2854483" cy="2721345"/>
+            <a:off x="6583680" y="4092734"/>
+            <a:ext cx="4983480" cy="2590800"/>
           </a:xfrm>
-          <a:prstGeom prst="rect">
-            <a:avLst/>
-          </a:prstGeom>
-          <a:noFill/>
-          <a:ln>
-            <a:noFill/>
-          </a:ln>
         </p:spPr>
       </p:pic>
+      <p:sp>
+        <p:nvSpPr>
+          <p:cNvPr id="6" name="Content Placeholder 5"/>
+          <p:cNvSpPr>
+            <a:spLocks noGrp="1"/>
+          </p:cNvSpPr>
+          <p:nvPr>
+            <p:ph sz="half" idx="2"/>
+          </p:nvPr>
+        </p:nvSpPr>
+        <p:spPr>
+          <a:xfrm>
+            <a:off x="655320" y="1825625"/>
+            <a:ext cx="4541520" cy="4351338"/>
+          </a:xfrm>
+        </p:spPr>
+        <p:txBody>
+          <a:bodyPr/>
+          <a:lstStyle/>
+          <a:p>
+            <a:r>
+              <a:rPr lang="en-US" dirty="0"/>
+              <a:t>The two-line plot data of regular season vs playoff games was used to determine the p value</a:t>
+            </a:r>
+          </a:p>
+          <a:p>
+            <a:r>
+              <a:rPr lang="en-US" dirty="0"/>
+              <a:t>The p value was calculated as 6.11315173e-05, which shows a strong correlation. </a:t>
+            </a:r>
+          </a:p>
+        </p:txBody>
+      </p:sp>
       <p:pic>
         <p:nvPicPr>
-          <p:cNvPr id="5" name="Picture 4" descr="Chart, scatter chart&#10;&#10;Description automatically generated">
-            <a:extLst>
-              <a:ext uri="{FF2B5EF4-FFF2-40B4-BE49-F238E27FC236}">
-                <a16:creationId xmlns:a16="http://schemas.microsoft.com/office/drawing/2014/main" xmlns="" id="{3222F769-2358-55C2-F04C-E7E80DFFF16D}"/>
-              </a:ext>
-            </a:extLst>
-          </p:cNvPr>
+          <p:cNvPr id="5" name="Picture 4"/>
           <p:cNvPicPr>
             <a:picLocks noChangeAspect="1"/>
           </p:cNvPicPr>
@@ -4905,164 +5291,24 @@
               </a:ext>
             </a:extLst>
           </a:blip>
-          <a:srcRect/>
           <a:stretch>
             <a:fillRect/>
           </a:stretch>
         </p:blipFill>
-        <p:spPr bwMode="auto">
+        <p:spPr>
           <a:xfrm>
-            <a:off x="3772713" y="2301537"/>
-            <a:ext cx="3838038" cy="3271838"/>
+            <a:off x="6598920" y="1600200"/>
+            <a:ext cx="5003940" cy="2407920"/>
           </a:xfrm>
           <a:prstGeom prst="rect">
             <a:avLst/>
           </a:prstGeom>
-          <a:noFill/>
-          <a:ln>
-            <a:noFill/>
-          </a:ln>
         </p:spPr>
       </p:pic>
-      <p:pic>
-        <p:nvPicPr>
-          <p:cNvPr id="6" name="Picture 5" descr="Chart, box and whisker chart&#10;&#10;Description automatically generated">
-            <a:extLst>
-              <a:ext uri="{FF2B5EF4-FFF2-40B4-BE49-F238E27FC236}">
-                <a16:creationId xmlns:a16="http://schemas.microsoft.com/office/drawing/2014/main" xmlns="" id="{22A32539-8CE3-25E1-BBA3-B665DEDA5BBF}"/>
-              </a:ext>
-            </a:extLst>
-          </p:cNvPr>
-          <p:cNvPicPr>
-            <a:picLocks noChangeAspect="1"/>
-          </p:cNvPicPr>
-          <p:nvPr/>
-        </p:nvPicPr>
-        <p:blipFill>
-          <a:blip r:embed="rId4">
-            <a:extLst>
-              <a:ext uri="{28A0092B-C50C-407E-A947-70E740481C1C}">
-                <a14:useLocalDpi xmlns:a14="http://schemas.microsoft.com/office/drawing/2010/main" val="0"/>
-              </a:ext>
-            </a:extLst>
-          </a:blip>
-          <a:srcRect/>
-          <a:stretch>
-            <a:fillRect/>
-          </a:stretch>
-        </p:blipFill>
-        <p:spPr bwMode="auto">
-          <a:xfrm>
-            <a:off x="8082237" y="3614942"/>
-            <a:ext cx="3271563" cy="2863113"/>
-          </a:xfrm>
-          <a:prstGeom prst="rect">
-            <a:avLst/>
-          </a:prstGeom>
-          <a:noFill/>
-          <a:ln>
-            <a:noFill/>
-          </a:ln>
-        </p:spPr>
-      </p:pic>
-      <p:sp>
-        <p:nvSpPr>
-          <p:cNvPr id="7" name="TextBox 6">
-            <a:extLst>
-              <a:ext uri="{FF2B5EF4-FFF2-40B4-BE49-F238E27FC236}">
-                <a16:creationId xmlns:a16="http://schemas.microsoft.com/office/drawing/2014/main" xmlns="" id="{7BD06AD1-0A1A-6ABB-FE68-1DE69ED54200}"/>
-              </a:ext>
-            </a:extLst>
-          </p:cNvPr>
-          <p:cNvSpPr txBox="1"/>
-          <p:nvPr/>
-        </p:nvSpPr>
-        <p:spPr>
-          <a:xfrm>
-            <a:off x="265171" y="4557713"/>
-            <a:ext cx="3492441" cy="2031325"/>
-          </a:xfrm>
-          <a:prstGeom prst="rect">
-            <a:avLst/>
-          </a:prstGeom>
-          <a:noFill/>
-        </p:spPr>
-        <p:txBody>
-          <a:bodyPr wrap="square" rtlCol="0">
-            <a:spAutoFit/>
-          </a:bodyPr>
-          <a:lstStyle/>
-          <a:p>
-            <a:pPr marL="285750" indent="-285750">
-              <a:buFont typeface="Arial" panose="020B0604020202020204" pitchFamily="34" charset="0"/>
-              <a:buChar char="•"/>
-            </a:pPr>
-            <a:r>
-              <a:rPr lang="en-US" sz="1800" kern="100" dirty="0">
-                <a:effectLst/>
-                <a:latin typeface="Calibri" panose="020F0502020204030204" pitchFamily="34" charset="0"/>
-                <a:ea typeface="Calibri" panose="020F0502020204030204" pitchFamily="34" charset="0"/>
-                <a:cs typeface="Times New Roman" panose="02020603050405020304" pitchFamily="18" charset="0"/>
-              </a:rPr>
-              <a:t>In the 2022-2023 season, the Orlando Magic performed slightly below average (0.415 W/L%) compared to their 32 previous seasons dating back to 1989 (0.468 W/L%).</a:t>
-            </a:r>
-          </a:p>
-          <a:p>
-            <a:endParaRPr lang="en-US" dirty="0"/>
-          </a:p>
-        </p:txBody>
-      </p:sp>
-      <p:sp>
-        <p:nvSpPr>
-          <p:cNvPr id="8" name="TextBox 7">
-            <a:extLst>
-              <a:ext uri="{FF2B5EF4-FFF2-40B4-BE49-F238E27FC236}">
-                <a16:creationId xmlns:a16="http://schemas.microsoft.com/office/drawing/2014/main" xmlns="" id="{FF7D4CEC-2BD3-1EC7-711A-DC6ADEDD204B}"/>
-              </a:ext>
-            </a:extLst>
-          </p:cNvPr>
-          <p:cNvSpPr txBox="1"/>
-          <p:nvPr/>
-        </p:nvSpPr>
-        <p:spPr>
-          <a:xfrm>
-            <a:off x="7971797" y="1710290"/>
-            <a:ext cx="3492441" cy="1754326"/>
-          </a:xfrm>
-          <a:prstGeom prst="rect">
-            <a:avLst/>
-          </a:prstGeom>
-          <a:noFill/>
-        </p:spPr>
-        <p:txBody>
-          <a:bodyPr wrap="square" rtlCol="0">
-            <a:spAutoFit/>
-          </a:bodyPr>
-          <a:lstStyle/>
-          <a:p>
-            <a:pPr marL="285750" indent="-285750">
-              <a:buFont typeface="Arial" panose="020B0604020202020204" pitchFamily="34" charset="0"/>
-              <a:buChar char="•"/>
-            </a:pPr>
-            <a:r>
-              <a:rPr lang="en-US" sz="1800" kern="100" dirty="0">
-                <a:effectLst/>
-                <a:latin typeface="Calibri" panose="020F0502020204030204" pitchFamily="34" charset="0"/>
-                <a:ea typeface="Calibri" panose="020F0502020204030204" pitchFamily="34" charset="0"/>
-                <a:cs typeface="Times New Roman" panose="02020603050405020304" pitchFamily="18" charset="0"/>
-              </a:rPr>
-              <a:t>Compared to their 5 best seasons, players’ average years of experience prior to the start of the season was 2.5 years lower in 2022-2023.</a:t>
-            </a:r>
-          </a:p>
-          <a:p>
-            <a:endParaRPr lang="en-US" dirty="0"/>
-          </a:p>
-        </p:txBody>
-      </p:sp>
     </p:spTree>
     <p:extLst>
       <p:ext uri="{BB962C8B-B14F-4D97-AF65-F5344CB8AC3E}">
-        <p14:creationId xmlns:p14="http://schemas.microsoft.com/office/powerpoint/2010/main" val="14831185"/>
+        <p14:creationId xmlns:p14="http://schemas.microsoft.com/office/powerpoint/2010/main" val="2896972427"/>
       </p:ext>
     </p:extLst>
   </p:cSld>
@@ -5101,121 +5347,242 @@
         </p:nvSpPr>
         <p:spPr/>
         <p:txBody>
-          <a:bodyPr/>
-          <a:lstStyle/>
-          <a:p>
-            <a:r>
-              <a:rPr lang="en-US" sz="3200" b="1" dirty="0">
-                <a:solidFill>
-                  <a:prstClr val="black"/>
-                </a:solidFill>
+          <a:bodyPr>
+            <a:normAutofit/>
+          </a:bodyPr>
+          <a:lstStyle/>
+          <a:p>
+            <a:pPr algn="ctr"/>
+            <a:r>
+              <a:rPr lang="en-US" sz="3600" b="1" dirty="0"/>
+              <a:t>Question 2 – Last Season vs Best/Worst Seasons</a:t>
+            </a:r>
+          </a:p>
+        </p:txBody>
+      </p:sp>
+      <p:pic>
+        <p:nvPicPr>
+          <p:cNvPr id="3" name="Content Placeholder 2" descr="Chart, bar chart, histogram&#10;&#10;Description automatically generated">
+            <a:extLst>
+              <a:ext uri="{FF2B5EF4-FFF2-40B4-BE49-F238E27FC236}">
+                <a16:creationId xmlns:a16="http://schemas.microsoft.com/office/drawing/2014/main" id="{18A37965-FA94-2800-5618-C59BF5FEDD9D}"/>
+              </a:ext>
+            </a:extLst>
+          </p:cNvPr>
+          <p:cNvPicPr>
+            <a:picLocks noGrp="1" noChangeAspect="1"/>
+          </p:cNvPicPr>
+          <p:nvPr>
+            <p:ph idx="1"/>
+          </p:nvPr>
+        </p:nvPicPr>
+        <p:blipFill>
+          <a:blip r:embed="rId2">
+            <a:extLst>
+              <a:ext uri="{28A0092B-C50C-407E-A947-70E740481C1C}">
+                <a14:useLocalDpi xmlns:a14="http://schemas.microsoft.com/office/drawing/2010/main" val="0"/>
+              </a:ext>
+            </a:extLst>
+          </a:blip>
+          <a:srcRect/>
+          <a:stretch>
+            <a:fillRect/>
+          </a:stretch>
+        </p:blipFill>
+        <p:spPr bwMode="auto">
+          <a:xfrm>
+            <a:off x="431643" y="1619802"/>
+            <a:ext cx="2854483" cy="2721345"/>
+          </a:xfrm>
+          <a:prstGeom prst="rect">
+            <a:avLst/>
+          </a:prstGeom>
+          <a:noFill/>
+          <a:ln>
+            <a:noFill/>
+          </a:ln>
+        </p:spPr>
+      </p:pic>
+      <p:pic>
+        <p:nvPicPr>
+          <p:cNvPr id="5" name="Picture 4" descr="Chart, scatter chart&#10;&#10;Description automatically generated">
+            <a:extLst>
+              <a:ext uri="{FF2B5EF4-FFF2-40B4-BE49-F238E27FC236}">
+                <a16:creationId xmlns:a16="http://schemas.microsoft.com/office/drawing/2014/main" id="{3222F769-2358-55C2-F04C-E7E80DFFF16D}"/>
+              </a:ext>
+            </a:extLst>
+          </p:cNvPr>
+          <p:cNvPicPr>
+            <a:picLocks noChangeAspect="1"/>
+          </p:cNvPicPr>
+          <p:nvPr/>
+        </p:nvPicPr>
+        <p:blipFill>
+          <a:blip r:embed="rId3">
+            <a:extLst>
+              <a:ext uri="{28A0092B-C50C-407E-A947-70E740481C1C}">
+                <a14:useLocalDpi xmlns:a14="http://schemas.microsoft.com/office/drawing/2010/main" val="0"/>
+              </a:ext>
+            </a:extLst>
+          </a:blip>
+          <a:srcRect/>
+          <a:stretch>
+            <a:fillRect/>
+          </a:stretch>
+        </p:blipFill>
+        <p:spPr bwMode="auto">
+          <a:xfrm>
+            <a:off x="3772713" y="2301537"/>
+            <a:ext cx="3838038" cy="3271838"/>
+          </a:xfrm>
+          <a:prstGeom prst="rect">
+            <a:avLst/>
+          </a:prstGeom>
+          <a:noFill/>
+          <a:ln>
+            <a:noFill/>
+          </a:ln>
+        </p:spPr>
+      </p:pic>
+      <p:pic>
+        <p:nvPicPr>
+          <p:cNvPr id="6" name="Picture 5" descr="Chart, box and whisker chart&#10;&#10;Description automatically generated">
+            <a:extLst>
+              <a:ext uri="{FF2B5EF4-FFF2-40B4-BE49-F238E27FC236}">
+                <a16:creationId xmlns:a16="http://schemas.microsoft.com/office/drawing/2014/main" id="{22A32539-8CE3-25E1-BBA3-B665DEDA5BBF}"/>
+              </a:ext>
+            </a:extLst>
+          </p:cNvPr>
+          <p:cNvPicPr>
+            <a:picLocks noChangeAspect="1"/>
+          </p:cNvPicPr>
+          <p:nvPr/>
+        </p:nvPicPr>
+        <p:blipFill>
+          <a:blip r:embed="rId4">
+            <a:extLst>
+              <a:ext uri="{28A0092B-C50C-407E-A947-70E740481C1C}">
+                <a14:useLocalDpi xmlns:a14="http://schemas.microsoft.com/office/drawing/2010/main" val="0"/>
+              </a:ext>
+            </a:extLst>
+          </a:blip>
+          <a:srcRect/>
+          <a:stretch>
+            <a:fillRect/>
+          </a:stretch>
+        </p:blipFill>
+        <p:spPr bwMode="auto">
+          <a:xfrm>
+            <a:off x="8082237" y="3614942"/>
+            <a:ext cx="3271563" cy="2863113"/>
+          </a:xfrm>
+          <a:prstGeom prst="rect">
+            <a:avLst/>
+          </a:prstGeom>
+          <a:noFill/>
+          <a:ln>
+            <a:noFill/>
+          </a:ln>
+        </p:spPr>
+      </p:pic>
+      <p:sp>
+        <p:nvSpPr>
+          <p:cNvPr id="7" name="TextBox 6">
+            <a:extLst>
+              <a:ext uri="{FF2B5EF4-FFF2-40B4-BE49-F238E27FC236}">
+                <a16:creationId xmlns:a16="http://schemas.microsoft.com/office/drawing/2014/main" id="{7BD06AD1-0A1A-6ABB-FE68-1DE69ED54200}"/>
+              </a:ext>
+            </a:extLst>
+          </p:cNvPr>
+          <p:cNvSpPr txBox="1"/>
+          <p:nvPr/>
+        </p:nvSpPr>
+        <p:spPr>
+          <a:xfrm>
+            <a:off x="265171" y="4557713"/>
+            <a:ext cx="3492441" cy="2031325"/>
+          </a:xfrm>
+          <a:prstGeom prst="rect">
+            <a:avLst/>
+          </a:prstGeom>
+          <a:noFill/>
+        </p:spPr>
+        <p:txBody>
+          <a:bodyPr wrap="square" rtlCol="0">
+            <a:spAutoFit/>
+          </a:bodyPr>
+          <a:lstStyle/>
+          <a:p>
+            <a:pPr marL="285750" indent="-285750">
+              <a:buFont typeface="Arial" panose="020B0604020202020204" pitchFamily="34" charset="0"/>
+              <a:buChar char="•"/>
+            </a:pPr>
+            <a:r>
+              <a:rPr lang="en-US" sz="1800" kern="100" dirty="0">
+                <a:effectLst/>
+                <a:latin typeface="Calibri" panose="020F0502020204030204" pitchFamily="34" charset="0"/>
+                <a:ea typeface="Calibri" panose="020F0502020204030204" pitchFamily="34" charset="0"/>
+                <a:cs typeface="Times New Roman" panose="02020603050405020304" pitchFamily="18" charset="0"/>
               </a:rPr>
-              <a:t>Question 3 – How Does the Magic Compare to the League</a:t>
-            </a:r>
+              <a:t>In the 2022-2023 season, the Orlando Magic performed slightly below average (0.415 W/L%) compared to their 32 previous seasons dating back to 1989 (0.468 W/L%).</a:t>
+            </a:r>
+          </a:p>
+          <a:p>
             <a:endParaRPr lang="en-US" dirty="0"/>
           </a:p>
         </p:txBody>
       </p:sp>
       <p:sp>
         <p:nvSpPr>
-          <p:cNvPr id="4" name="Content Placeholder 3"/>
-          <p:cNvSpPr>
-            <a:spLocks noGrp="1"/>
-          </p:cNvSpPr>
-          <p:nvPr>
-            <p:ph idx="1"/>
-          </p:nvPr>
-        </p:nvSpPr>
-        <p:spPr/>
-        <p:txBody>
-          <a:bodyPr/>
-          <a:lstStyle/>
-          <a:p>
-            <a:r>
-              <a:rPr lang="en-US" dirty="0"/>
-              <a:t>Orlando Magic vs 1</a:t>
-            </a:r>
-            <a:r>
-              <a:rPr lang="en-US" baseline="30000" dirty="0"/>
-              <a:t>st</a:t>
-            </a:r>
-            <a:r>
-              <a:rPr lang="en-US" dirty="0"/>
-              <a:t>, 15</a:t>
-            </a:r>
-            <a:r>
-              <a:rPr lang="en-US" baseline="30000" dirty="0"/>
-              <a:t>th</a:t>
-            </a:r>
-            <a:r>
-              <a:rPr lang="en-US" dirty="0"/>
-              <a:t>, and 30</a:t>
-            </a:r>
-            <a:r>
-              <a:rPr lang="en-US" baseline="30000" dirty="0"/>
-              <a:t>th</a:t>
-            </a:r>
-            <a:r>
-              <a:rPr lang="en-US" dirty="0"/>
-              <a:t> ranked teams</a:t>
-            </a:r>
-          </a:p>
-          <a:p>
-            <a:r>
-              <a:rPr lang="en-US" dirty="0"/>
-              <a:t>Orlando Magic vs League</a:t>
+          <p:cNvPr id="8" name="TextBox 7">
+            <a:extLst>
+              <a:ext uri="{FF2B5EF4-FFF2-40B4-BE49-F238E27FC236}">
+                <a16:creationId xmlns:a16="http://schemas.microsoft.com/office/drawing/2014/main" id="{FF7D4CEC-2BD3-1EC7-711A-DC6ADEDD204B}"/>
+              </a:ext>
+            </a:extLst>
+          </p:cNvPr>
+          <p:cNvSpPr txBox="1"/>
+          <p:nvPr/>
+        </p:nvSpPr>
+        <p:spPr>
+          <a:xfrm>
+            <a:off x="7971797" y="1710290"/>
+            <a:ext cx="3492441" cy="1754326"/>
+          </a:xfrm>
+          <a:prstGeom prst="rect">
+            <a:avLst/>
+          </a:prstGeom>
+          <a:noFill/>
+        </p:spPr>
+        <p:txBody>
+          <a:bodyPr wrap="square" rtlCol="0">
+            <a:spAutoFit/>
+          </a:bodyPr>
+          <a:lstStyle/>
+          <a:p>
+            <a:pPr marL="285750" indent="-285750">
+              <a:buFont typeface="Arial" panose="020B0604020202020204" pitchFamily="34" charset="0"/>
+              <a:buChar char="•"/>
+            </a:pPr>
+            <a:r>
+              <a:rPr lang="en-US" sz="1800" kern="100" dirty="0">
+                <a:effectLst/>
+                <a:latin typeface="Calibri" panose="020F0502020204030204" pitchFamily="34" charset="0"/>
+                <a:ea typeface="Calibri" panose="020F0502020204030204" pitchFamily="34" charset="0"/>
+                <a:cs typeface="Times New Roman" panose="02020603050405020304" pitchFamily="18" charset="0"/>
+              </a:rPr>
+              <a:t>Compared to their 5 best seasons, players’ average years of experience prior to the start of the season was 2.5 years lower in 2022-2023.</a:t>
             </a:r>
           </a:p>
           <a:p>
             <a:endParaRPr lang="en-US" dirty="0"/>
-          </a:p>
-          <a:p>
-            <a:r>
-              <a:rPr lang="en-US" dirty="0"/>
-              <a:t>5 chosen KPIs</a:t>
-            </a:r>
-          </a:p>
-          <a:p>
-            <a:pPr lvl="1"/>
-            <a:r>
-              <a:rPr lang="en-US" dirty="0"/>
-              <a:t>Points Scored</a:t>
-            </a:r>
-          </a:p>
-          <a:p>
-            <a:pPr lvl="1"/>
-            <a:r>
-              <a:rPr lang="en-US" dirty="0"/>
-              <a:t>3 Pointers </a:t>
-            </a:r>
-          </a:p>
-          <a:p>
-            <a:pPr lvl="1"/>
-            <a:r>
-              <a:rPr lang="en-US" dirty="0"/>
-              <a:t>Field Goals</a:t>
-            </a:r>
-          </a:p>
-          <a:p>
-            <a:pPr lvl="1"/>
-            <a:r>
-              <a:rPr lang="en-US" dirty="0"/>
-              <a:t>Rebounds</a:t>
-            </a:r>
-          </a:p>
-          <a:p>
-            <a:pPr lvl="1"/>
-            <a:r>
-              <a:rPr lang="en-US" dirty="0"/>
-              <a:t>Turnovers</a:t>
-            </a:r>
           </a:p>
         </p:txBody>
       </p:sp>
     </p:spTree>
     <p:extLst>
       <p:ext uri="{BB962C8B-B14F-4D97-AF65-F5344CB8AC3E}">
-        <p14:creationId xmlns:p14="http://schemas.microsoft.com/office/powerpoint/2010/main" val="1046711718"/>
+        <p14:creationId xmlns:p14="http://schemas.microsoft.com/office/powerpoint/2010/main" val="14831185"/>
       </p:ext>
     </p:extLst>
   </p:cSld>
@@ -5242,173 +5609,125 @@
           <a:chExt cx="0" cy="0"/>
         </a:xfrm>
       </p:grpSpPr>
-      <p:pic>
-        <p:nvPicPr>
-          <p:cNvPr id="9" name="Picture 8" descr="Chart, box and whisker chart&#10;&#10;Description automatically generated">
-            <a:extLst>
-              <a:ext uri="{FF2B5EF4-FFF2-40B4-BE49-F238E27FC236}">
-                <a16:creationId xmlns="" xmlns:a16="http://schemas.microsoft.com/office/drawing/2014/main" id="{E43BBEB8-47FE-9D80-DA86-0E032C2F32A6}"/>
-              </a:ext>
-            </a:extLst>
-          </p:cNvPr>
-          <p:cNvPicPr>
-            <a:picLocks noChangeAspect="1"/>
-          </p:cNvPicPr>
-          <p:nvPr/>
-        </p:nvPicPr>
-        <p:blipFill rotWithShape="1">
-          <a:blip r:embed="rId2"/>
-          <a:srcRect l="21" r="3" b="3"/>
-          <a:stretch/>
-        </p:blipFill>
-        <p:spPr>
-          <a:xfrm>
-            <a:off x="-1" y="1828800"/>
-            <a:ext cx="7208820" cy="5029200"/>
-          </a:xfrm>
-          <a:prstGeom prst="rect">
-            <a:avLst/>
-          </a:prstGeom>
-        </p:spPr>
-      </p:pic>
-      <p:pic>
-        <p:nvPicPr>
-          <p:cNvPr id="19" name="Picture 18" descr="Chart, bar chart, histogram&#10;&#10;Description automatically generated">
-            <a:extLst>
-              <a:ext uri="{FF2B5EF4-FFF2-40B4-BE49-F238E27FC236}">
-                <a16:creationId xmlns="" xmlns:a16="http://schemas.microsoft.com/office/drawing/2014/main" id="{F6D78484-4440-8245-7869-BB45A79451FD}"/>
-              </a:ext>
-            </a:extLst>
-          </p:cNvPr>
-          <p:cNvPicPr>
-            <a:picLocks noChangeAspect="1"/>
-          </p:cNvPicPr>
-          <p:nvPr/>
-        </p:nvPicPr>
-        <p:blipFill>
-          <a:blip r:embed="rId3"/>
-          <a:stretch>
-            <a:fillRect/>
-          </a:stretch>
-        </p:blipFill>
-        <p:spPr>
-          <a:xfrm>
-            <a:off x="6720121" y="-2287"/>
-            <a:ext cx="5489449" cy="4117087"/>
-          </a:xfrm>
-          <a:prstGeom prst="rect">
-            <a:avLst/>
-          </a:prstGeom>
-        </p:spPr>
-      </p:pic>
-      <p:pic>
-        <p:nvPicPr>
-          <p:cNvPr id="22" name="Picture 21" descr="Chart, waterfall chart&#10;&#10;Description automatically generated">
-            <a:extLst>
-              <a:ext uri="{FF2B5EF4-FFF2-40B4-BE49-F238E27FC236}">
-                <a16:creationId xmlns="" xmlns:a16="http://schemas.microsoft.com/office/drawing/2014/main" id="{9BDC5DA7-AEC1-1113-4950-7CD1187E0D45}"/>
-              </a:ext>
-            </a:extLst>
-          </p:cNvPr>
-          <p:cNvPicPr>
-            <a:picLocks noChangeAspect="1"/>
-          </p:cNvPicPr>
-          <p:nvPr/>
-        </p:nvPicPr>
-        <p:blipFill>
-          <a:blip r:embed="rId4"/>
-          <a:stretch>
-            <a:fillRect/>
-          </a:stretch>
-        </p:blipFill>
-        <p:spPr>
-          <a:xfrm>
-            <a:off x="6683596" y="4115944"/>
-            <a:ext cx="5486400" cy="2743200"/>
-          </a:xfrm>
-          <a:prstGeom prst="rect">
-            <a:avLst/>
-          </a:prstGeom>
-        </p:spPr>
-      </p:pic>
-      <p:sp>
-        <p:nvSpPr>
-          <p:cNvPr id="23" name="TextBox 22">
-            <a:extLst>
-              <a:ext uri="{FF2B5EF4-FFF2-40B4-BE49-F238E27FC236}">
-                <a16:creationId xmlns="" xmlns:a16="http://schemas.microsoft.com/office/drawing/2014/main" id="{E492EA35-F853-C549-25DD-8833D4ADF337}"/>
-              </a:ext>
-            </a:extLst>
-          </p:cNvPr>
-          <p:cNvSpPr txBox="1"/>
-          <p:nvPr/>
-        </p:nvSpPr>
-        <p:spPr>
-          <a:xfrm>
-            <a:off x="720667" y="1042309"/>
-            <a:ext cx="5978835" cy="1015663"/>
-          </a:xfrm>
-          <a:prstGeom prst="rect">
-            <a:avLst/>
-          </a:prstGeom>
-          <a:noFill/>
-        </p:spPr>
-        <p:txBody>
-          <a:bodyPr wrap="square" rtlCol="0">
-            <a:spAutoFit/>
-          </a:bodyPr>
-          <a:lstStyle/>
-          <a:p>
-            <a:r>
-              <a:rPr lang="en-US" sz="2000" dirty="0"/>
-              <a:t>Mean : 114.686667</a:t>
-            </a:r>
-          </a:p>
-          <a:p>
-            <a:r>
-              <a:rPr lang="en-US" sz="2000" dirty="0"/>
-              <a:t>STD : 2.778207</a:t>
-            </a:r>
-          </a:p>
-          <a:p>
-            <a:r>
-              <a:rPr lang="en-US" sz="2000" dirty="0"/>
-              <a:t>Z-Score : -1.2032409750947137   </a:t>
-            </a:r>
-          </a:p>
-        </p:txBody>
-      </p:sp>
-      <p:sp>
-        <p:nvSpPr>
-          <p:cNvPr id="24" name="TextBox 23">
-            <a:extLst>
-              <a:ext uri="{FF2B5EF4-FFF2-40B4-BE49-F238E27FC236}">
-                <a16:creationId xmlns="" xmlns:a16="http://schemas.microsoft.com/office/drawing/2014/main" id="{1CDF34BE-5078-FA3F-D836-FE3694EEC6CE}"/>
-              </a:ext>
-            </a:extLst>
-          </p:cNvPr>
-          <p:cNvSpPr txBox="1"/>
-          <p:nvPr/>
-        </p:nvSpPr>
-        <p:spPr>
-          <a:xfrm>
-            <a:off x="717619" y="-111281"/>
-            <a:ext cx="5600700" cy="1446550"/>
-          </a:xfrm>
-          <a:prstGeom prst="rect">
-            <a:avLst/>
-          </a:prstGeom>
-          <a:noFill/>
-        </p:spPr>
-        <p:txBody>
-          <a:bodyPr wrap="square" rtlCol="0">
-            <a:spAutoFit/>
-          </a:bodyPr>
-          <a:lstStyle/>
-          <a:p>
-            <a:r>
-              <a:rPr lang="en-US" sz="8800" dirty="0"/>
-              <a:t>POINTS</a:t>
+      <p:sp>
+        <p:nvSpPr>
+          <p:cNvPr id="2" name="Title 1"/>
+          <p:cNvSpPr>
+            <a:spLocks noGrp="1"/>
+          </p:cNvSpPr>
+          <p:nvPr>
+            <p:ph type="title"/>
+          </p:nvPr>
+        </p:nvSpPr>
+        <p:spPr/>
+        <p:txBody>
+          <a:bodyPr/>
+          <a:lstStyle/>
+          <a:p>
+            <a:r>
+              <a:rPr lang="en-US" sz="3200" b="1" dirty="0">
+                <a:solidFill>
+                  <a:prstClr val="black"/>
+                </a:solidFill>
+              </a:rPr>
+              <a:t>Question 3 – How Does the Magic Compare to the League</a:t>
+            </a:r>
+            <a:endParaRPr lang="en-US" dirty="0"/>
+          </a:p>
+        </p:txBody>
+      </p:sp>
+      <p:sp>
+        <p:nvSpPr>
+          <p:cNvPr id="4" name="Content Placeholder 3"/>
+          <p:cNvSpPr>
+            <a:spLocks noGrp="1"/>
+          </p:cNvSpPr>
+          <p:nvPr>
+            <p:ph idx="1"/>
+          </p:nvPr>
+        </p:nvSpPr>
+        <p:spPr/>
+        <p:txBody>
+          <a:bodyPr/>
+          <a:lstStyle/>
+          <a:p>
+            <a:r>
+              <a:rPr lang="en-US" dirty="0"/>
+              <a:t>Orlando Magic vs 1</a:t>
+            </a:r>
+            <a:r>
+              <a:rPr lang="en-US" baseline="30000" dirty="0"/>
+              <a:t>st</a:t>
+            </a:r>
+            <a:r>
+              <a:rPr lang="en-US" dirty="0"/>
+              <a:t>, 15</a:t>
+            </a:r>
+            <a:r>
+              <a:rPr lang="en-US" baseline="30000" dirty="0"/>
+              <a:t>th</a:t>
+            </a:r>
+            <a:r>
+              <a:rPr lang="en-US" dirty="0"/>
+              <a:t>, and 30</a:t>
+            </a:r>
+            <a:r>
+              <a:rPr lang="en-US" baseline="30000" dirty="0"/>
+              <a:t>th</a:t>
+            </a:r>
+            <a:r>
+              <a:rPr lang="en-US" dirty="0"/>
+              <a:t> ranked teams</a:t>
+            </a:r>
+          </a:p>
+          <a:p>
+            <a:r>
+              <a:rPr lang="en-US" dirty="0"/>
+              <a:t>Orlando Magic vs League</a:t>
+            </a:r>
+          </a:p>
+          <a:p>
+            <a:endParaRPr lang="en-US" dirty="0"/>
+          </a:p>
+          <a:p>
+            <a:r>
+              <a:rPr lang="en-US" dirty="0"/>
+              <a:t>5 chosen KPIs</a:t>
+            </a:r>
+          </a:p>
+          <a:p>
+            <a:pPr lvl="1"/>
+            <a:r>
+              <a:rPr lang="en-US" dirty="0"/>
+              <a:t>Points Scored</a:t>
+            </a:r>
+          </a:p>
+          <a:p>
+            <a:pPr lvl="1"/>
+            <a:r>
+              <a:rPr lang="en-US" dirty="0"/>
+              <a:t>3 Pointers </a:t>
+            </a:r>
+          </a:p>
+          <a:p>
+            <a:pPr lvl="1"/>
+            <a:r>
+              <a:rPr lang="en-US" dirty="0"/>
+              <a:t>Field Goals</a:t>
+            </a:r>
+          </a:p>
+          <a:p>
+            <a:pPr lvl="1"/>
+            <a:r>
+              <a:rPr lang="en-US" dirty="0"/>
+              <a:t>Rebounds</a:t>
+            </a:r>
+          </a:p>
+          <a:p>
+            <a:pPr lvl="1"/>
+            <a:r>
+              <a:rPr lang="en-US" dirty="0"/>
+              <a:t>Turnovers</a:t>
             </a:r>
           </a:p>
         </p:txBody>
@@ -5416,7 +5735,7 @@
     </p:spTree>
     <p:extLst>
       <p:ext uri="{BB962C8B-B14F-4D97-AF65-F5344CB8AC3E}">
-        <p14:creationId xmlns:p14="http://schemas.microsoft.com/office/powerpoint/2010/main" val="1045547712"/>
+        <p14:creationId xmlns:p14="http://schemas.microsoft.com/office/powerpoint/2010/main" val="1046711718"/>
       </p:ext>
     </p:extLst>
   </p:cSld>
@@ -5445,10 +5764,10 @@
       </p:grpSpPr>
       <p:pic>
         <p:nvPicPr>
-          <p:cNvPr id="7" name="Picture 6" descr="Chart, box and whisker chart&#10;&#10;Description automatically generated">
-            <a:extLst>
-              <a:ext uri="{FF2B5EF4-FFF2-40B4-BE49-F238E27FC236}">
-                <a16:creationId xmlns="" xmlns:a16="http://schemas.microsoft.com/office/drawing/2014/main" id="{673DBD13-CEEE-01BD-F80C-5584F02F4D88}"/>
+          <p:cNvPr id="9" name="Picture 8" descr="Chart, box and whisker chart&#10;&#10;Description automatically generated">
+            <a:extLst>
+              <a:ext uri="{FF2B5EF4-FFF2-40B4-BE49-F238E27FC236}">
+                <a16:creationId xmlns:a16="http://schemas.microsoft.com/office/drawing/2014/main" id="{E43BBEB8-47FE-9D80-DA86-0E032C2F32A6}"/>
               </a:ext>
             </a:extLst>
           </p:cNvPr>
@@ -5457,16 +5776,15 @@
           </p:cNvPicPr>
           <p:nvPr/>
         </p:nvPicPr>
-        <p:blipFill>
-          <a:blip r:embed="rId2"/>
-          <a:stretch>
-            <a:fillRect/>
-          </a:stretch>
+        <p:blipFill rotWithShape="1">
+          <a:blip r:embed="rId3"/>
+          <a:srcRect l="21" r="3" b="3"/>
+          <a:stretch/>
         </p:blipFill>
         <p:spPr>
           <a:xfrm>
-            <a:off x="0" y="1714499"/>
-            <a:ext cx="7162800" cy="5143501"/>
+            <a:off x="7217636" y="0"/>
+            <a:ext cx="4974365" cy="3429000"/>
           </a:xfrm>
           <a:prstGeom prst="rect">
             <a:avLst/>
@@ -5475,40 +5793,10 @@
       </p:pic>
       <p:pic>
         <p:nvPicPr>
-          <p:cNvPr id="9" name="Picture 8" descr="Chart, waterfall chart&#10;&#10;Description automatically generated">
-            <a:extLst>
-              <a:ext uri="{FF2B5EF4-FFF2-40B4-BE49-F238E27FC236}">
-                <a16:creationId xmlns="" xmlns:a16="http://schemas.microsoft.com/office/drawing/2014/main" id="{A0AE94CE-0B9C-E713-C61C-18931029D723}"/>
-              </a:ext>
-            </a:extLst>
-          </p:cNvPr>
-          <p:cNvPicPr>
-            <a:picLocks noChangeAspect="1"/>
-          </p:cNvPicPr>
-          <p:nvPr/>
-        </p:nvPicPr>
-        <p:blipFill>
-          <a:blip r:embed="rId3"/>
-          <a:stretch>
-            <a:fillRect/>
-          </a:stretch>
-        </p:blipFill>
-        <p:spPr>
-          <a:xfrm>
-            <a:off x="6934198" y="4229099"/>
-            <a:ext cx="5257802" cy="2628901"/>
-          </a:xfrm>
-          <a:prstGeom prst="rect">
-            <a:avLst/>
-          </a:prstGeom>
-        </p:spPr>
-      </p:pic>
-      <p:pic>
-        <p:nvPicPr>
-          <p:cNvPr id="5" name="Picture 4" descr="Chart, bar chart&#10;&#10;Description automatically generated">
-            <a:extLst>
-              <a:ext uri="{FF2B5EF4-FFF2-40B4-BE49-F238E27FC236}">
-                <a16:creationId xmlns="" xmlns:a16="http://schemas.microsoft.com/office/drawing/2014/main" id="{BC5BDEA8-3968-461A-6A48-B0B1CC67DEBB}"/>
+          <p:cNvPr id="22" name="Picture 21" descr="Chart, waterfall chart&#10;&#10;Description automatically generated">
+            <a:extLst>
+              <a:ext uri="{FF2B5EF4-FFF2-40B4-BE49-F238E27FC236}">
+                <a16:creationId xmlns:a16="http://schemas.microsoft.com/office/drawing/2014/main" id="{9BDC5DA7-AEC1-1113-4950-7CD1187E0D45}"/>
               </a:ext>
             </a:extLst>
           </p:cNvPr>
@@ -5525,20 +5813,50 @@
         </p:blipFill>
         <p:spPr>
           <a:xfrm>
-            <a:off x="6457950" y="0"/>
-            <a:ext cx="5734050" cy="4300538"/>
+            <a:off x="7124700" y="3327400"/>
+            <a:ext cx="5081822" cy="3530600"/>
           </a:xfrm>
           <a:prstGeom prst="rect">
             <a:avLst/>
           </a:prstGeom>
         </p:spPr>
       </p:pic>
-      <p:sp>
-        <p:nvSpPr>
-          <p:cNvPr id="10" name="TextBox 9">
-            <a:extLst>
-              <a:ext uri="{FF2B5EF4-FFF2-40B4-BE49-F238E27FC236}">
-                <a16:creationId xmlns="" xmlns:a16="http://schemas.microsoft.com/office/drawing/2014/main" id="{53E6EA2F-14A3-39A3-F001-D76606BC2284}"/>
+      <p:pic>
+        <p:nvPicPr>
+          <p:cNvPr id="19" name="Picture 18" descr="Chart, bar chart, histogram&#10;&#10;Description automatically generated">
+            <a:extLst>
+              <a:ext uri="{FF2B5EF4-FFF2-40B4-BE49-F238E27FC236}">
+                <a16:creationId xmlns:a16="http://schemas.microsoft.com/office/drawing/2014/main" id="{F6D78484-4440-8245-7869-BB45A79451FD}"/>
+              </a:ext>
+            </a:extLst>
+          </p:cNvPr>
+          <p:cNvPicPr>
+            <a:picLocks noChangeAspect="1"/>
+          </p:cNvPicPr>
+          <p:nvPr/>
+        </p:nvPicPr>
+        <p:blipFill>
+          <a:blip r:embed="rId5"/>
+          <a:stretch>
+            <a:fillRect/>
+          </a:stretch>
+        </p:blipFill>
+        <p:spPr>
+          <a:xfrm>
+            <a:off x="3942" y="2308324"/>
+            <a:ext cx="7213694" cy="4549676"/>
+          </a:xfrm>
+          <a:prstGeom prst="rect">
+            <a:avLst/>
+          </a:prstGeom>
+        </p:spPr>
+      </p:pic>
+      <p:sp>
+        <p:nvSpPr>
+          <p:cNvPr id="29" name="TextBox 28">
+            <a:extLst>
+              <a:ext uri="{FF2B5EF4-FFF2-40B4-BE49-F238E27FC236}">
+                <a16:creationId xmlns:a16="http://schemas.microsoft.com/office/drawing/2014/main" id="{84225DD0-E65F-B710-27C2-F1AE289CC4AE}"/>
               </a:ext>
             </a:extLst>
           </p:cNvPr>
@@ -5547,8 +5865,53 @@
         </p:nvSpPr>
         <p:spPr>
           <a:xfrm>
-            <a:off x="717619" y="1063219"/>
-            <a:ext cx="5585214" cy="923330"/>
+            <a:off x="0" y="0"/>
+            <a:ext cx="2506050" cy="2308324"/>
+          </a:xfrm>
+          <a:prstGeom prst="rect">
+            <a:avLst/>
+          </a:prstGeom>
+        </p:spPr>
+        <p:style>
+          <a:lnRef idx="2">
+            <a:schemeClr val="dk1"/>
+          </a:lnRef>
+          <a:fillRef idx="1">
+            <a:schemeClr val="lt1"/>
+          </a:fillRef>
+          <a:effectRef idx="0">
+            <a:schemeClr val="dk1"/>
+          </a:effectRef>
+          <a:fontRef idx="minor">
+            <a:schemeClr val="dk1"/>
+          </a:fontRef>
+        </p:style>
+        <p:txBody>
+          <a:bodyPr wrap="square" rtlCol="0">
+            <a:spAutoFit/>
+          </a:bodyPr>
+          <a:lstStyle/>
+          <a:p>
+            <a:endParaRPr lang="en-US" dirty="0"/>
+          </a:p>
+        </p:txBody>
+      </p:sp>
+      <p:sp>
+        <p:nvSpPr>
+          <p:cNvPr id="23" name="TextBox 22">
+            <a:extLst>
+              <a:ext uri="{FF2B5EF4-FFF2-40B4-BE49-F238E27FC236}">
+                <a16:creationId xmlns:a16="http://schemas.microsoft.com/office/drawing/2014/main" id="{E492EA35-F853-C549-25DD-8833D4ADF337}"/>
+              </a:ext>
+            </a:extLst>
+          </p:cNvPr>
+          <p:cNvSpPr txBox="1"/>
+          <p:nvPr/>
+        </p:nvSpPr>
+        <p:spPr>
+          <a:xfrm>
+            <a:off x="-1" y="817122"/>
+            <a:ext cx="2461979" cy="1200329"/>
           </a:xfrm>
           <a:prstGeom prst="rect">
             <a:avLst/>
@@ -5563,29 +5926,35 @@
           <a:p>
             <a:r>
               <a:rPr lang="en-US" dirty="0"/>
-              <a:t>Mean : 12.340000</a:t>
-            </a:r>
-          </a:p>
-          <a:p>
-            <a:r>
-              <a:rPr lang="en-US" dirty="0"/>
-              <a:t>STD : 1.636776</a:t>
-            </a:r>
-          </a:p>
-          <a:p>
-            <a:r>
-              <a:rPr lang="en-US" dirty="0"/>
-              <a:t>Z-Score : -0.9569587051933831</a:t>
-            </a:r>
-          </a:p>
-        </p:txBody>
-      </p:sp>
-      <p:sp>
-        <p:nvSpPr>
-          <p:cNvPr id="12" name="TextBox 11">
-            <a:extLst>
-              <a:ext uri="{FF2B5EF4-FFF2-40B4-BE49-F238E27FC236}">
-                <a16:creationId xmlns="" xmlns:a16="http://schemas.microsoft.com/office/drawing/2014/main" id="{79F29013-65AF-D5CC-83DA-9F2F9199E9A5}"/>
+              <a:t>Orlando : 111.4</a:t>
+            </a:r>
+          </a:p>
+          <a:p>
+            <a:r>
+              <a:rPr lang="en-US" dirty="0"/>
+              <a:t>Mean : 114.6867</a:t>
+            </a:r>
+          </a:p>
+          <a:p>
+            <a:r>
+              <a:rPr lang="en-US" dirty="0"/>
+              <a:t>STD : 2.7782</a:t>
+            </a:r>
+          </a:p>
+          <a:p>
+            <a:r>
+              <a:rPr lang="en-US" dirty="0"/>
+              <a:t>Z-Score : -1.20324</a:t>
+            </a:r>
+          </a:p>
+        </p:txBody>
+      </p:sp>
+      <p:sp>
+        <p:nvSpPr>
+          <p:cNvPr id="28" name="TextBox 27">
+            <a:extLst>
+              <a:ext uri="{FF2B5EF4-FFF2-40B4-BE49-F238E27FC236}">
+                <a16:creationId xmlns:a16="http://schemas.microsoft.com/office/drawing/2014/main" id="{5BDBE0E3-0C33-CD1C-C995-4AB40CC0230B}"/>
               </a:ext>
             </a:extLst>
           </p:cNvPr>
@@ -5594,8 +5963,84 @@
         </p:nvSpPr>
         <p:spPr>
           <a:xfrm>
-            <a:off x="717619" y="-111281"/>
-            <a:ext cx="5600700" cy="1446550"/>
+            <a:off x="2476500" y="0"/>
+            <a:ext cx="4559300" cy="2308324"/>
+          </a:xfrm>
+          <a:prstGeom prst="rect">
+            <a:avLst/>
+          </a:prstGeom>
+        </p:spPr>
+        <p:style>
+          <a:lnRef idx="2">
+            <a:schemeClr val="dk1"/>
+          </a:lnRef>
+          <a:fillRef idx="1">
+            <a:schemeClr val="lt1"/>
+          </a:fillRef>
+          <a:effectRef idx="0">
+            <a:schemeClr val="dk1"/>
+          </a:effectRef>
+          <a:fontRef idx="minor">
+            <a:schemeClr val="dk1"/>
+          </a:fontRef>
+        </p:style>
+        <p:txBody>
+          <a:bodyPr wrap="square" rtlCol="0">
+            <a:spAutoFit/>
+          </a:bodyPr>
+          <a:lstStyle/>
+          <a:p>
+            <a:pPr marL="285750" indent="-285750">
+              <a:buFont typeface="Arial" panose="020B0604020202020204" pitchFamily="34" charset="0"/>
+              <a:buChar char="•"/>
+            </a:pPr>
+            <a:r>
+              <a:rPr lang="en-US" dirty="0"/>
+              <a:t> The Orlando Magic score well below average points per game. </a:t>
+            </a:r>
+          </a:p>
+          <a:p>
+            <a:pPr marL="285750" indent="-285750">
+              <a:buFont typeface="Arial" panose="020B0604020202020204" pitchFamily="34" charset="0"/>
+              <a:buChar char="•"/>
+            </a:pPr>
+            <a:endParaRPr lang="en-US" dirty="0"/>
+          </a:p>
+          <a:p>
+            <a:pPr marL="285750" indent="-285750">
+              <a:buFont typeface="Arial" panose="020B0604020202020204" pitchFamily="34" charset="0"/>
+              <a:buChar char="•"/>
+            </a:pPr>
+            <a:r>
+              <a:rPr lang="en-US" dirty="0"/>
+              <a:t>While the Magic scored less points than the league leader, the Milwaukee Bucks, the Bucks themselves did not score the most points per game throughout the season. </a:t>
+            </a:r>
+          </a:p>
+          <a:p>
+            <a:pPr marL="285750" indent="-285750">
+              <a:buFont typeface="Arial" panose="020B0604020202020204" pitchFamily="34" charset="0"/>
+              <a:buChar char="•"/>
+            </a:pPr>
+            <a:endParaRPr lang="en-US" dirty="0"/>
+          </a:p>
+        </p:txBody>
+      </p:sp>
+      <p:sp>
+        <p:nvSpPr>
+          <p:cNvPr id="24" name="TextBox 23">
+            <a:extLst>
+              <a:ext uri="{FF2B5EF4-FFF2-40B4-BE49-F238E27FC236}">
+                <a16:creationId xmlns:a16="http://schemas.microsoft.com/office/drawing/2014/main" id="{1CDF34BE-5078-FA3F-D836-FE3694EEC6CE}"/>
+              </a:ext>
+            </a:extLst>
+          </p:cNvPr>
+          <p:cNvSpPr txBox="1"/>
+          <p:nvPr/>
+        </p:nvSpPr>
+        <p:spPr>
+          <a:xfrm>
+            <a:off x="0" y="124120"/>
+            <a:ext cx="2461979" cy="646331"/>
           </a:xfrm>
           <a:prstGeom prst="rect">
             <a:avLst/>
@@ -5609,16 +6054,17 @@
           <a:lstStyle/>
           <a:p>
             <a:r>
-              <a:rPr lang="en-US" sz="8800" dirty="0"/>
-              <a:t>3 POINTERS</a:t>
-            </a:r>
+              <a:rPr lang="en-US" sz="3600" b="1" dirty="0"/>
+              <a:t>POINTS</a:t>
+            </a:r>
+            <a:endParaRPr lang="en-US" sz="6000" b="1" dirty="0"/>
           </a:p>
         </p:txBody>
       </p:sp>
     </p:spTree>
     <p:extLst>
       <p:ext uri="{BB962C8B-B14F-4D97-AF65-F5344CB8AC3E}">
-        <p14:creationId xmlns:p14="http://schemas.microsoft.com/office/powerpoint/2010/main" val="1953329787"/>
+        <p14:creationId xmlns:p14="http://schemas.microsoft.com/office/powerpoint/2010/main" val="1965986416"/>
       </p:ext>
     </p:extLst>
   </p:cSld>
@@ -5669,11 +6115,11 @@
           <a:p>
             <a:pPr algn="ctr"/>
             <a:r>
-              <a:rPr lang="en-US" dirty="0" smtClean="0"/>
+              <a:rPr lang="en-US" dirty="0"/>
               <a:t>SECTION 1</a:t>
             </a:r>
             <a:br>
-              <a:rPr lang="en-US" dirty="0" smtClean="0"/>
+              <a:rPr lang="en-US" dirty="0"/>
             </a:br>
             <a:endParaRPr lang="en-US" sz="2000" dirty="0"/>
           </a:p>
@@ -5703,20 +6149,12 @@
           <a:p>
             <a:pPr algn="ctr"/>
             <a:r>
-              <a:rPr lang="en-US" sz="2800" dirty="0" smtClean="0">
-                <a:solidFill>
-                  <a:srgbClr val="2B2B2B"/>
-                </a:solidFill>
-              </a:rPr>
-              <a:t>Overview </a:t>
-            </a:r>
-            <a:r>
               <a:rPr lang="en-US" sz="2800" dirty="0">
                 <a:solidFill>
                   <a:srgbClr val="2B2B2B"/>
                 </a:solidFill>
               </a:rPr>
-              <a:t>of the project and project goals</a:t>
+              <a:t>Overview of the project and project goals</a:t>
             </a:r>
             <a:endParaRPr lang="en-US" sz="2800" dirty="0"/>
           </a:p>
@@ -5732,13 +6170,6 @@
   <p:clrMapOvr>
     <a:masterClrMapping/>
   </p:clrMapOvr>
-  <p:timing>
-    <p:tnLst>
-      <p:par>
-        <p:cTn id="1" dur="indefinite" restart="never" nodeType="tmRoot"/>
-      </p:par>
-    </p:tnLst>
-  </p:timing>
 </p:sld>
 </file>
 
@@ -5761,10 +6192,10 @@
       </p:grpSpPr>
       <p:pic>
         <p:nvPicPr>
-          <p:cNvPr id="7" name="Picture 6" descr="Chart, box and whisker chart&#10;&#10;Description automatically generated">
-            <a:extLst>
-              <a:ext uri="{FF2B5EF4-FFF2-40B4-BE49-F238E27FC236}">
-                <a16:creationId xmlns="" xmlns:a16="http://schemas.microsoft.com/office/drawing/2014/main" id="{571B0C43-F5A2-CE4B-F0F0-BBEAB88388C2}"/>
+          <p:cNvPr id="13" name="Picture 12" descr="Chart, box and whisker chart&#10;&#10;Description automatically generated">
+            <a:extLst>
+              <a:ext uri="{FF2B5EF4-FFF2-40B4-BE49-F238E27FC236}">
+                <a16:creationId xmlns:a16="http://schemas.microsoft.com/office/drawing/2014/main" id="{5D5E6A11-F128-BC4C-C8C0-E6E872362B92}"/>
               </a:ext>
             </a:extLst>
           </p:cNvPr>
@@ -5772,38 +6203,6 @@
             <a:picLocks noChangeAspect="1"/>
           </p:cNvPicPr>
           <p:nvPr/>
-        </p:nvPicPr>
-        <p:blipFill>
-          <a:blip r:embed="rId2"/>
-          <a:stretch>
-            <a:fillRect/>
-          </a:stretch>
-        </p:blipFill>
-        <p:spPr>
-          <a:xfrm>
-            <a:off x="0" y="1785490"/>
-            <a:ext cx="7035800" cy="5029200"/>
-          </a:xfrm>
-          <a:prstGeom prst="rect">
-            <a:avLst/>
-          </a:prstGeom>
-        </p:spPr>
-      </p:pic>
-      <p:pic>
-        <p:nvPicPr>
-          <p:cNvPr id="5" name="Content Placeholder 4" descr="Chart, bar chart&#10;&#10;Description automatically generated">
-            <a:extLst>
-              <a:ext uri="{FF2B5EF4-FFF2-40B4-BE49-F238E27FC236}">
-                <a16:creationId xmlns="" xmlns:a16="http://schemas.microsoft.com/office/drawing/2014/main" id="{85864E5B-CDEB-BBC1-7623-E8B82E57EAE7}"/>
-              </a:ext>
-            </a:extLst>
-          </p:cNvPr>
-          <p:cNvPicPr>
-            <a:picLocks noGrp="1" noChangeAspect="1"/>
-          </p:cNvPicPr>
-          <p:nvPr>
-            <p:ph idx="1"/>
-          </p:nvPr>
         </p:nvPicPr>
         <p:blipFill>
           <a:blip r:embed="rId3"/>
@@ -5813,17 +6212,57 @@
         </p:blipFill>
         <p:spPr>
           <a:xfrm>
-            <a:off x="6390216" y="43310"/>
-            <a:ext cx="5801784" cy="4351338"/>
+            <a:off x="5853505" y="2086988"/>
+            <a:ext cx="6338495" cy="4753869"/>
           </a:xfrm>
+          <a:prstGeom prst="rect">
+            <a:avLst/>
+          </a:prstGeom>
         </p:spPr>
       </p:pic>
+      <p:sp>
+        <p:nvSpPr>
+          <p:cNvPr id="27" name="TextBox 26">
+            <a:extLst>
+              <a:ext uri="{FF2B5EF4-FFF2-40B4-BE49-F238E27FC236}">
+                <a16:creationId xmlns:a16="http://schemas.microsoft.com/office/drawing/2014/main" id="{84A26EED-910C-C7B8-0F12-2475C08C7C87}"/>
+              </a:ext>
+            </a:extLst>
+          </p:cNvPr>
+          <p:cNvSpPr txBox="1"/>
+          <p:nvPr/>
+        </p:nvSpPr>
+        <p:spPr>
+          <a:xfrm>
+            <a:off x="2476499" y="0"/>
+            <a:ext cx="9715501" cy="2187233"/>
+          </a:xfrm>
+          <a:prstGeom prst="rect">
+            <a:avLst/>
+          </a:prstGeom>
+          <a:noFill/>
+          <a:ln>
+            <a:solidFill>
+              <a:schemeClr val="dk1"/>
+            </a:solidFill>
+          </a:ln>
+        </p:spPr>
+        <p:txBody>
+          <a:bodyPr wrap="square" rtlCol="0">
+            <a:spAutoFit/>
+          </a:bodyPr>
+          <a:lstStyle/>
+          <a:p>
+            <a:endParaRPr lang="en-US" dirty="0"/>
+          </a:p>
+        </p:txBody>
+      </p:sp>
       <p:pic>
         <p:nvPicPr>
-          <p:cNvPr id="9" name="Picture 8" descr="Chart, waterfall chart&#10;&#10;Description automatically generated">
-            <a:extLst>
-              <a:ext uri="{FF2B5EF4-FFF2-40B4-BE49-F238E27FC236}">
-                <a16:creationId xmlns="" xmlns:a16="http://schemas.microsoft.com/office/drawing/2014/main" id="{8774639A-46B7-CDD1-E2D3-06C72BFB3B7C}"/>
+          <p:cNvPr id="15" name="Picture 14">
+            <a:extLst>
+              <a:ext uri="{FF2B5EF4-FFF2-40B4-BE49-F238E27FC236}">
+                <a16:creationId xmlns:a16="http://schemas.microsoft.com/office/drawing/2014/main" id="{4AA2E58B-BBB7-B574-D261-0A376CEA1FD3}"/>
               </a:ext>
             </a:extLst>
           </p:cNvPr>
@@ -5834,14 +6273,12 @@
         </p:nvPicPr>
         <p:blipFill>
           <a:blip r:embed="rId4"/>
-          <a:stretch>
-            <a:fillRect/>
-          </a:stretch>
+          <a:stretch/>
         </p:blipFill>
         <p:spPr>
           <a:xfrm>
-            <a:off x="6705600" y="4114800"/>
-            <a:ext cx="5486400" cy="2743200"/>
+            <a:off x="0" y="2348864"/>
+            <a:ext cx="5989328" cy="4491994"/>
           </a:xfrm>
           <a:prstGeom prst="rect">
             <a:avLst/>
@@ -5850,10 +6287,10 @@
       </p:pic>
       <p:sp>
         <p:nvSpPr>
-          <p:cNvPr id="10" name="TextBox 9">
-            <a:extLst>
-              <a:ext uri="{FF2B5EF4-FFF2-40B4-BE49-F238E27FC236}">
-                <a16:creationId xmlns="" xmlns:a16="http://schemas.microsoft.com/office/drawing/2014/main" id="{A0675332-BE2F-FD9B-E9BF-B896EB942C0C}"/>
+          <p:cNvPr id="16" name="TextBox 15">
+            <a:extLst>
+              <a:ext uri="{FF2B5EF4-FFF2-40B4-BE49-F238E27FC236}">
+                <a16:creationId xmlns:a16="http://schemas.microsoft.com/office/drawing/2014/main" id="{07319BBA-A49F-8B3E-55AA-3E215B7B3853}"/>
               </a:ext>
             </a:extLst>
           </p:cNvPr>
@@ -5862,8 +6299,267 @@
         </p:nvSpPr>
         <p:spPr>
           <a:xfrm>
-            <a:off x="740569" y="1077496"/>
-            <a:ext cx="5224462" cy="923330"/>
+            <a:off x="2476500" y="0"/>
+            <a:ext cx="9715500" cy="2031325"/>
+          </a:xfrm>
+          <a:prstGeom prst="rect">
+            <a:avLst/>
+          </a:prstGeom>
+          <a:ln>
+            <a:noFill/>
+          </a:ln>
+        </p:spPr>
+        <p:style>
+          <a:lnRef idx="2">
+            <a:schemeClr val="dk1"/>
+          </a:lnRef>
+          <a:fillRef idx="1">
+            <a:schemeClr val="lt1"/>
+          </a:fillRef>
+          <a:effectRef idx="0">
+            <a:schemeClr val="dk1"/>
+          </a:effectRef>
+          <a:fontRef idx="minor">
+            <a:schemeClr val="dk1"/>
+          </a:fontRef>
+        </p:style>
+        <p:txBody>
+          <a:bodyPr wrap="square" rtlCol="0">
+            <a:spAutoFit/>
+          </a:bodyPr>
+          <a:lstStyle/>
+          <a:p>
+            <a:pPr marL="285750" indent="-285750">
+              <a:buFont typeface="Arial" panose="020B0604020202020204" pitchFamily="34" charset="0"/>
+              <a:buChar char="•"/>
+            </a:pPr>
+            <a:endParaRPr lang="en-US" dirty="0"/>
+          </a:p>
+          <a:p>
+            <a:pPr marL="285750" indent="-285750">
+              <a:buFont typeface="Arial" panose="020B0604020202020204" pitchFamily="34" charset="0"/>
+              <a:buChar char="•"/>
+            </a:pPr>
+            <a:r>
+              <a:rPr lang="en-US" dirty="0"/>
+              <a:t>The Magic are once again below the lower quartile in regard to making 3-point shots. </a:t>
+            </a:r>
+          </a:p>
+          <a:p>
+            <a:pPr marL="285750" indent="-285750">
+              <a:buFont typeface="Arial" panose="020B0604020202020204" pitchFamily="34" charset="0"/>
+              <a:buChar char="•"/>
+            </a:pPr>
+            <a:endParaRPr lang="en-US" dirty="0"/>
+          </a:p>
+          <a:p>
+            <a:pPr marL="285750" indent="-285750">
+              <a:buFont typeface="Arial" panose="020B0604020202020204" pitchFamily="34" charset="0"/>
+              <a:buChar char="•"/>
+            </a:pPr>
+            <a:r>
+              <a:rPr lang="en-US" dirty="0"/>
+              <a:t>Orlando’s 3-point percentage is 34.6%.</a:t>
+            </a:r>
+          </a:p>
+          <a:p>
+            <a:pPr marL="285750" indent="-285750">
+              <a:buFont typeface="Arial" panose="020B0604020202020204" pitchFamily="34" charset="0"/>
+              <a:buChar char="•"/>
+            </a:pPr>
+            <a:endParaRPr lang="en-US" dirty="0"/>
+          </a:p>
+          <a:p>
+            <a:pPr marL="285750" indent="-285750">
+              <a:buFont typeface="Arial" panose="020B0604020202020204" pitchFamily="34" charset="0"/>
+              <a:buChar char="•"/>
+            </a:pPr>
+            <a:r>
+              <a:rPr lang="en-US" dirty="0"/>
+              <a:t>The two outliers, The Golden State Warriors and the Boston Celtics, should be looked at more in depth to better analyze a successful 3-point program. </a:t>
+            </a:r>
+          </a:p>
+        </p:txBody>
+      </p:sp>
+      <p:sp>
+        <p:nvSpPr>
+          <p:cNvPr id="18" name="TextBox 17">
+            <a:extLst>
+              <a:ext uri="{FF2B5EF4-FFF2-40B4-BE49-F238E27FC236}">
+                <a16:creationId xmlns:a16="http://schemas.microsoft.com/office/drawing/2014/main" id="{48CC2705-E621-509D-8986-A0F717C4E69F}"/>
+              </a:ext>
+            </a:extLst>
+          </p:cNvPr>
+          <p:cNvSpPr txBox="1"/>
+          <p:nvPr/>
+        </p:nvSpPr>
+        <p:spPr>
+          <a:xfrm>
+            <a:off x="0" y="0"/>
+            <a:ext cx="2476500" cy="2187233"/>
+          </a:xfrm>
+          <a:prstGeom prst="rect">
+            <a:avLst/>
+          </a:prstGeom>
+        </p:spPr>
+        <p:style>
+          <a:lnRef idx="2">
+            <a:schemeClr val="dk1"/>
+          </a:lnRef>
+          <a:fillRef idx="1">
+            <a:schemeClr val="lt1"/>
+          </a:fillRef>
+          <a:effectRef idx="0">
+            <a:schemeClr val="dk1"/>
+          </a:effectRef>
+          <a:fontRef idx="minor">
+            <a:schemeClr val="dk1"/>
+          </a:fontRef>
+        </p:style>
+        <p:txBody>
+          <a:bodyPr wrap="square" rtlCol="0">
+            <a:spAutoFit/>
+          </a:bodyPr>
+          <a:lstStyle/>
+          <a:p>
+            <a:endParaRPr lang="en-US" dirty="0"/>
+          </a:p>
+        </p:txBody>
+      </p:sp>
+      <p:sp>
+        <p:nvSpPr>
+          <p:cNvPr id="14" name="TextBox 13">
+            <a:extLst>
+              <a:ext uri="{FF2B5EF4-FFF2-40B4-BE49-F238E27FC236}">
+                <a16:creationId xmlns:a16="http://schemas.microsoft.com/office/drawing/2014/main" id="{5B7BED2E-3C52-6084-0729-04D51CEC7FB8}"/>
+              </a:ext>
+            </a:extLst>
+          </p:cNvPr>
+          <p:cNvSpPr txBox="1"/>
+          <p:nvPr/>
+        </p:nvSpPr>
+        <p:spPr>
+          <a:xfrm>
+            <a:off x="0" y="769585"/>
+            <a:ext cx="2476499" cy="1208825"/>
+          </a:xfrm>
+          <a:prstGeom prst="rect">
+            <a:avLst/>
+          </a:prstGeom>
+          <a:noFill/>
+          <a:ln>
+            <a:noFill/>
+          </a:ln>
+        </p:spPr>
+        <p:style>
+          <a:lnRef idx="2">
+            <a:schemeClr val="dk1"/>
+          </a:lnRef>
+          <a:fillRef idx="1">
+            <a:schemeClr val="lt1"/>
+          </a:fillRef>
+          <a:effectRef idx="0">
+            <a:schemeClr val="dk1"/>
+          </a:effectRef>
+          <a:fontRef idx="minor">
+            <a:schemeClr val="dk1"/>
+          </a:fontRef>
+        </p:style>
+        <p:txBody>
+          <a:bodyPr vert="horz" lIns="91440" tIns="45720" rIns="91440" bIns="45720" rtlCol="0">
+            <a:normAutofit lnSpcReduction="10000"/>
+          </a:bodyPr>
+          <a:lstStyle/>
+          <a:p>
+            <a:pPr>
+              <a:lnSpc>
+                <a:spcPct val="90000"/>
+              </a:lnSpc>
+              <a:spcAft>
+                <a:spcPts val="600"/>
+              </a:spcAft>
+            </a:pPr>
+            <a:r>
+              <a:rPr lang="en-US" dirty="0">
+                <a:solidFill>
+                  <a:schemeClr val="tx1"/>
+                </a:solidFill>
+              </a:rPr>
+              <a:t>Orlando : 10.8 </a:t>
+            </a:r>
+          </a:p>
+          <a:p>
+            <a:pPr>
+              <a:lnSpc>
+                <a:spcPct val="90000"/>
+              </a:lnSpc>
+              <a:spcAft>
+                <a:spcPts val="600"/>
+              </a:spcAft>
+            </a:pPr>
+            <a:r>
+              <a:rPr lang="en-US" dirty="0">
+                <a:solidFill>
+                  <a:schemeClr val="tx1"/>
+                </a:solidFill>
+              </a:rPr>
+              <a:t>Mean : 12.3400</a:t>
+            </a:r>
+          </a:p>
+          <a:p>
+            <a:pPr>
+              <a:lnSpc>
+                <a:spcPct val="90000"/>
+              </a:lnSpc>
+              <a:spcAft>
+                <a:spcPts val="600"/>
+              </a:spcAft>
+            </a:pPr>
+            <a:r>
+              <a:rPr lang="en-US" dirty="0">
+                <a:solidFill>
+                  <a:schemeClr val="tx1"/>
+                </a:solidFill>
+              </a:rPr>
+              <a:t>STD : 1.6368</a:t>
+            </a:r>
+          </a:p>
+          <a:p>
+            <a:pPr>
+              <a:lnSpc>
+                <a:spcPct val="90000"/>
+              </a:lnSpc>
+              <a:spcAft>
+                <a:spcPts val="600"/>
+              </a:spcAft>
+            </a:pPr>
+            <a:r>
+              <a:rPr lang="en-US" dirty="0">
+                <a:solidFill>
+                  <a:schemeClr val="tx1"/>
+                </a:solidFill>
+              </a:rPr>
+              <a:t>Z-Score : -0.95696</a:t>
+            </a:r>
+          </a:p>
+        </p:txBody>
+      </p:sp>
+      <p:sp>
+        <p:nvSpPr>
+          <p:cNvPr id="22" name="TextBox 21">
+            <a:extLst>
+              <a:ext uri="{FF2B5EF4-FFF2-40B4-BE49-F238E27FC236}">
+                <a16:creationId xmlns:a16="http://schemas.microsoft.com/office/drawing/2014/main" id="{172646F8-48A0-01F1-ED83-0C40FF6F1A47}"/>
+              </a:ext>
+            </a:extLst>
+          </p:cNvPr>
+          <p:cNvSpPr txBox="1"/>
+          <p:nvPr/>
+        </p:nvSpPr>
+        <p:spPr>
+          <a:xfrm>
+            <a:off x="1" y="123254"/>
+            <a:ext cx="2476500" cy="646331"/>
           </a:xfrm>
           <a:prstGeom prst="rect">
             <a:avLst/>
@@ -5877,55 +6573,8 @@
           <a:lstStyle/>
           <a:p>
             <a:r>
-              <a:rPr lang="en-US" dirty="0"/>
-              <a:t>Mean : 41.976667</a:t>
-            </a:r>
-          </a:p>
-          <a:p>
-            <a:r>
-              <a:rPr lang="en-US" dirty="0"/>
-              <a:t>STD : 1.290197</a:t>
-            </a:r>
-          </a:p>
-          <a:p>
-            <a:r>
-              <a:rPr lang="en-US" dirty="0"/>
-              <a:t>Z-Score : -1.164093743854465      </a:t>
-            </a:r>
-          </a:p>
-        </p:txBody>
-      </p:sp>
-      <p:sp>
-        <p:nvSpPr>
-          <p:cNvPr id="11" name="TextBox 10">
-            <a:extLst>
-              <a:ext uri="{FF2B5EF4-FFF2-40B4-BE49-F238E27FC236}">
-                <a16:creationId xmlns="" xmlns:a16="http://schemas.microsoft.com/office/drawing/2014/main" id="{F71C0988-C48A-4F5E-7C33-6FB2DCA7C87B}"/>
-              </a:ext>
-            </a:extLst>
-          </p:cNvPr>
-          <p:cNvSpPr txBox="1"/>
-          <p:nvPr/>
-        </p:nvSpPr>
-        <p:spPr>
-          <a:xfrm>
-            <a:off x="717619" y="-111281"/>
-            <a:ext cx="6111806" cy="1446550"/>
-          </a:xfrm>
-          <a:prstGeom prst="rect">
-            <a:avLst/>
-          </a:prstGeom>
-          <a:noFill/>
-        </p:spPr>
-        <p:txBody>
-          <a:bodyPr wrap="square" rtlCol="0">
-            <a:spAutoFit/>
-          </a:bodyPr>
-          <a:lstStyle/>
-          <a:p>
-            <a:r>
-              <a:rPr lang="en-US" sz="8800" dirty="0"/>
-              <a:t>FIELD GOALS</a:t>
+              <a:rPr lang="en-US" sz="3600" b="1" dirty="0"/>
+              <a:t>3 POINTERS</a:t>
             </a:r>
           </a:p>
         </p:txBody>
@@ -5933,7 +6582,7 @@
     </p:spTree>
     <p:extLst>
       <p:ext uri="{BB962C8B-B14F-4D97-AF65-F5344CB8AC3E}">
-        <p14:creationId xmlns:p14="http://schemas.microsoft.com/office/powerpoint/2010/main" val="2920785466"/>
+        <p14:creationId xmlns:p14="http://schemas.microsoft.com/office/powerpoint/2010/main" val="2092867181"/>
       </p:ext>
     </p:extLst>
   </p:cSld>
@@ -5965,7 +6614,7 @@
           <p:cNvPr id="7" name="Picture 6" descr="Chart, box and whisker chart&#10;&#10;Description automatically generated">
             <a:extLst>
               <a:ext uri="{FF2B5EF4-FFF2-40B4-BE49-F238E27FC236}">
-                <a16:creationId xmlns="" xmlns:a16="http://schemas.microsoft.com/office/drawing/2014/main" id="{0CF6731B-1235-D502-0766-AE84CAD517B9}"/>
+                <a16:creationId xmlns:a16="http://schemas.microsoft.com/office/drawing/2014/main" id="{571B0C43-F5A2-CE4B-F0F0-BBEAB88388C2}"/>
               </a:ext>
             </a:extLst>
           </p:cNvPr>
@@ -5973,38 +6622,6 @@
             <a:picLocks noChangeAspect="1"/>
           </p:cNvPicPr>
           <p:nvPr/>
-        </p:nvPicPr>
-        <p:blipFill>
-          <a:blip r:embed="rId2"/>
-          <a:stretch>
-            <a:fillRect/>
-          </a:stretch>
-        </p:blipFill>
-        <p:spPr>
-          <a:xfrm>
-            <a:off x="0" y="1887537"/>
-            <a:ext cx="7035800" cy="4970463"/>
-          </a:xfrm>
-          <a:prstGeom prst="rect">
-            <a:avLst/>
-          </a:prstGeom>
-        </p:spPr>
-      </p:pic>
-      <p:pic>
-        <p:nvPicPr>
-          <p:cNvPr id="5" name="Content Placeholder 4" descr="Chart, bar chart&#10;&#10;Description automatically generated">
-            <a:extLst>
-              <a:ext uri="{FF2B5EF4-FFF2-40B4-BE49-F238E27FC236}">
-                <a16:creationId xmlns="" xmlns:a16="http://schemas.microsoft.com/office/drawing/2014/main" id="{22713D47-33E4-344B-8941-72BB2FB30B62}"/>
-              </a:ext>
-            </a:extLst>
-          </p:cNvPr>
-          <p:cNvPicPr>
-            <a:picLocks noGrp="1" noChangeAspect="1"/>
-          </p:cNvPicPr>
-          <p:nvPr>
-            <p:ph idx="1"/>
-          </p:nvPr>
         </p:nvPicPr>
         <p:blipFill>
           <a:blip r:embed="rId3"/>
@@ -6014,17 +6631,252 @@
         </p:blipFill>
         <p:spPr>
           <a:xfrm>
-            <a:off x="6350000" y="30162"/>
-            <a:ext cx="5842000" cy="4381500"/>
+            <a:off x="0" y="2187232"/>
+            <a:ext cx="7188200" cy="4627457"/>
           </a:xfrm>
+          <a:prstGeom prst="rect">
+            <a:avLst/>
+          </a:prstGeom>
         </p:spPr>
       </p:pic>
+      <p:sp>
+        <p:nvSpPr>
+          <p:cNvPr id="13" name="TextBox 12">
+            <a:extLst>
+              <a:ext uri="{FF2B5EF4-FFF2-40B4-BE49-F238E27FC236}">
+                <a16:creationId xmlns:a16="http://schemas.microsoft.com/office/drawing/2014/main" id="{1899E0F4-7C0C-AFD8-A946-5C44652224F9}"/>
+              </a:ext>
+            </a:extLst>
+          </p:cNvPr>
+          <p:cNvSpPr txBox="1"/>
+          <p:nvPr/>
+        </p:nvSpPr>
+        <p:spPr>
+          <a:xfrm>
+            <a:off x="0" y="0"/>
+            <a:ext cx="2692400" cy="2308324"/>
+          </a:xfrm>
+          <a:prstGeom prst="rect">
+            <a:avLst/>
+          </a:prstGeom>
+        </p:spPr>
+        <p:style>
+          <a:lnRef idx="2">
+            <a:schemeClr val="dk1"/>
+          </a:lnRef>
+          <a:fillRef idx="1">
+            <a:schemeClr val="lt1"/>
+          </a:fillRef>
+          <a:effectRef idx="0">
+            <a:schemeClr val="dk1"/>
+          </a:effectRef>
+          <a:fontRef idx="minor">
+            <a:schemeClr val="dk1"/>
+          </a:fontRef>
+        </p:style>
+        <p:txBody>
+          <a:bodyPr wrap="square" rtlCol="0">
+            <a:spAutoFit/>
+          </a:bodyPr>
+          <a:lstStyle/>
+          <a:p>
+            <a:endParaRPr lang="en-US" dirty="0"/>
+          </a:p>
+        </p:txBody>
+      </p:sp>
+      <p:sp>
+        <p:nvSpPr>
+          <p:cNvPr id="14" name="TextBox 13">
+            <a:extLst>
+              <a:ext uri="{FF2B5EF4-FFF2-40B4-BE49-F238E27FC236}">
+                <a16:creationId xmlns:a16="http://schemas.microsoft.com/office/drawing/2014/main" id="{26C2532B-CB63-FC73-866B-8F3AF94C97C5}"/>
+              </a:ext>
+            </a:extLst>
+          </p:cNvPr>
+          <p:cNvSpPr txBox="1"/>
+          <p:nvPr/>
+        </p:nvSpPr>
+        <p:spPr>
+          <a:xfrm>
+            <a:off x="0" y="795855"/>
+            <a:ext cx="2692400" cy="1359630"/>
+          </a:xfrm>
+          <a:prstGeom prst="rect">
+            <a:avLst/>
+          </a:prstGeom>
+          <a:noFill/>
+          <a:ln>
+            <a:noFill/>
+          </a:ln>
+        </p:spPr>
+        <p:style>
+          <a:lnRef idx="2">
+            <a:schemeClr val="dk1"/>
+          </a:lnRef>
+          <a:fillRef idx="1">
+            <a:schemeClr val="lt1"/>
+          </a:fillRef>
+          <a:effectRef idx="0">
+            <a:schemeClr val="dk1"/>
+          </a:effectRef>
+          <a:fontRef idx="minor">
+            <a:schemeClr val="dk1"/>
+          </a:fontRef>
+        </p:style>
+        <p:txBody>
+          <a:bodyPr vert="horz" lIns="91440" tIns="45720" rIns="91440" bIns="45720" rtlCol="0">
+            <a:normAutofit/>
+          </a:bodyPr>
+          <a:lstStyle/>
+          <a:p>
+            <a:r>
+              <a:rPr lang="en-US" dirty="0"/>
+              <a:t>Orlando : 40.5</a:t>
+            </a:r>
+          </a:p>
+          <a:p>
+            <a:r>
+              <a:rPr lang="en-US" dirty="0"/>
+              <a:t>Mean : 41.9767</a:t>
+            </a:r>
+          </a:p>
+          <a:p>
+            <a:r>
+              <a:rPr lang="en-US" dirty="0"/>
+              <a:t>STD : 1.2902</a:t>
+            </a:r>
+          </a:p>
+          <a:p>
+            <a:r>
+              <a:rPr lang="en-US" dirty="0"/>
+              <a:t>Z-Score : -1.16409</a:t>
+            </a:r>
+            <a:endParaRPr lang="en-US" dirty="0">
+              <a:solidFill>
+                <a:schemeClr val="tx1"/>
+              </a:solidFill>
+            </a:endParaRPr>
+          </a:p>
+        </p:txBody>
+      </p:sp>
+      <p:sp>
+        <p:nvSpPr>
+          <p:cNvPr id="15" name="TextBox 14">
+            <a:extLst>
+              <a:ext uri="{FF2B5EF4-FFF2-40B4-BE49-F238E27FC236}">
+                <a16:creationId xmlns:a16="http://schemas.microsoft.com/office/drawing/2014/main" id="{EFFC6B80-C9B5-5F6E-4DB1-8B3320E3D598}"/>
+              </a:ext>
+            </a:extLst>
+          </p:cNvPr>
+          <p:cNvSpPr txBox="1"/>
+          <p:nvPr/>
+        </p:nvSpPr>
+        <p:spPr>
+          <a:xfrm>
+            <a:off x="1" y="123254"/>
+            <a:ext cx="2692400" cy="646331"/>
+          </a:xfrm>
+          <a:prstGeom prst="rect">
+            <a:avLst/>
+          </a:prstGeom>
+          <a:noFill/>
+        </p:spPr>
+        <p:txBody>
+          <a:bodyPr wrap="square" rtlCol="0">
+            <a:spAutoFit/>
+          </a:bodyPr>
+          <a:lstStyle/>
+          <a:p>
+            <a:r>
+              <a:rPr lang="en-US" sz="3600" b="1" dirty="0"/>
+              <a:t>FIELD GOALS</a:t>
+            </a:r>
+          </a:p>
+        </p:txBody>
+      </p:sp>
+      <p:sp>
+        <p:nvSpPr>
+          <p:cNvPr id="12" name="TextBox 11">
+            <a:extLst>
+              <a:ext uri="{FF2B5EF4-FFF2-40B4-BE49-F238E27FC236}">
+                <a16:creationId xmlns:a16="http://schemas.microsoft.com/office/drawing/2014/main" id="{C24C0949-7E96-4201-102D-D7A219EE7A3A}"/>
+              </a:ext>
+            </a:extLst>
+          </p:cNvPr>
+          <p:cNvSpPr txBox="1"/>
+          <p:nvPr/>
+        </p:nvSpPr>
+        <p:spPr>
+          <a:xfrm>
+            <a:off x="2552700" y="0"/>
+            <a:ext cx="3921066" cy="2308324"/>
+          </a:xfrm>
+          <a:prstGeom prst="rect">
+            <a:avLst/>
+          </a:prstGeom>
+        </p:spPr>
+        <p:style>
+          <a:lnRef idx="2">
+            <a:schemeClr val="dk1"/>
+          </a:lnRef>
+          <a:fillRef idx="1">
+            <a:schemeClr val="lt1"/>
+          </a:fillRef>
+          <a:effectRef idx="0">
+            <a:schemeClr val="dk1"/>
+          </a:effectRef>
+          <a:fontRef idx="minor">
+            <a:schemeClr val="dk1"/>
+          </a:fontRef>
+        </p:style>
+        <p:txBody>
+          <a:bodyPr wrap="square" rtlCol="0">
+            <a:spAutoFit/>
+          </a:bodyPr>
+          <a:lstStyle/>
+          <a:p>
+            <a:pPr marL="285750" indent="-285750">
+              <a:buFont typeface="Arial" panose="020B0604020202020204" pitchFamily="34" charset="0"/>
+              <a:buChar char="•"/>
+            </a:pPr>
+            <a:r>
+              <a:rPr lang="en-US" dirty="0"/>
+              <a:t>The average Field Goals per games in more evenly distributed across the league. </a:t>
+            </a:r>
+          </a:p>
+          <a:p>
+            <a:pPr marL="285750" indent="-285750">
+              <a:buFont typeface="Arial" panose="020B0604020202020204" pitchFamily="34" charset="0"/>
+              <a:buChar char="•"/>
+            </a:pPr>
+            <a:endParaRPr lang="en-US" dirty="0"/>
+          </a:p>
+          <a:p>
+            <a:pPr marL="285750" indent="-285750">
+              <a:buFont typeface="Arial" panose="020B0604020202020204" pitchFamily="34" charset="0"/>
+              <a:buChar char="•"/>
+            </a:pPr>
+            <a:r>
+              <a:rPr lang="en-US" dirty="0"/>
+              <a:t>The Magic have a close Field Goal % to the Milwaukee Bucks, but both teams are beat by the 15</a:t>
+            </a:r>
+            <a:r>
+              <a:rPr lang="en-US" baseline="30000" dirty="0"/>
+              <a:t>th</a:t>
+            </a:r>
+            <a:r>
+              <a:rPr lang="en-US" dirty="0"/>
+              <a:t> place Minnesota Timberwolves. </a:t>
+            </a:r>
+          </a:p>
+        </p:txBody>
+      </p:sp>
       <p:pic>
         <p:nvPicPr>
           <p:cNvPr id="9" name="Picture 8" descr="Chart, waterfall chart&#10;&#10;Description automatically generated">
             <a:extLst>
               <a:ext uri="{FF2B5EF4-FFF2-40B4-BE49-F238E27FC236}">
-                <a16:creationId xmlns="" xmlns:a16="http://schemas.microsoft.com/office/drawing/2014/main" id="{5969452F-D778-EC06-3C32-3EB541A161AD}"/>
+                <a16:creationId xmlns:a16="http://schemas.microsoft.com/office/drawing/2014/main" id="{8774639A-46B7-CDD1-E2D3-06C72BFB3B7C}"/>
               </a:ext>
             </a:extLst>
           </p:cNvPr>
@@ -6041,7 +6893,7 @@
         </p:blipFill>
         <p:spPr>
           <a:xfrm>
-            <a:off x="6705600" y="4114800"/>
+            <a:off x="6705600" y="106809"/>
             <a:ext cx="5486400" cy="2743200"/>
           </a:xfrm>
           <a:prstGeom prst="rect">
@@ -6049,92 +6901,39 @@
           </a:prstGeom>
         </p:spPr>
       </p:pic>
-      <p:sp>
-        <p:nvSpPr>
-          <p:cNvPr id="10" name="TextBox 9">
-            <a:extLst>
-              <a:ext uri="{FF2B5EF4-FFF2-40B4-BE49-F238E27FC236}">
-                <a16:creationId xmlns="" xmlns:a16="http://schemas.microsoft.com/office/drawing/2014/main" id="{2C5D9DC3-0DE1-02A8-69FB-5830C925B3DC}"/>
-              </a:ext>
-            </a:extLst>
-          </p:cNvPr>
-          <p:cNvSpPr txBox="1"/>
-          <p:nvPr/>
-        </p:nvSpPr>
+      <p:pic>
+        <p:nvPicPr>
+          <p:cNvPr id="5" name="Content Placeholder 4" descr="Chart, bar chart&#10;&#10;Description automatically generated">
+            <a:extLst>
+              <a:ext uri="{FF2B5EF4-FFF2-40B4-BE49-F238E27FC236}">
+                <a16:creationId xmlns:a16="http://schemas.microsoft.com/office/drawing/2014/main" id="{85864E5B-CDEB-BBC1-7623-E8B82E57EAE7}"/>
+              </a:ext>
+            </a:extLst>
+          </p:cNvPr>
+          <p:cNvPicPr>
+            <a:picLocks noGrp="1" noChangeAspect="1"/>
+          </p:cNvPicPr>
+          <p:nvPr>
+            <p:ph idx="1"/>
+          </p:nvPr>
+        </p:nvPicPr>
+        <p:blipFill>
+          <a:blip r:embed="rId5"/>
+          <a:stretch>
+            <a:fillRect/>
+          </a:stretch>
+        </p:blipFill>
         <p:spPr>
           <a:xfrm>
-            <a:off x="738187" y="1081594"/>
-            <a:ext cx="5713146" cy="1015663"/>
+            <a:off x="6705600" y="2565399"/>
+            <a:ext cx="5486400" cy="4281037"/>
           </a:xfrm>
-          <a:prstGeom prst="rect">
-            <a:avLst/>
-          </a:prstGeom>
-          <a:noFill/>
         </p:spPr>
-        <p:txBody>
-          <a:bodyPr wrap="square" rtlCol="0">
-            <a:spAutoFit/>
-          </a:bodyPr>
-          <a:lstStyle/>
-          <a:p>
-            <a:r>
-              <a:rPr lang="en-US" sz="2000" dirty="0"/>
-              <a:t>Mean : 43.430000</a:t>
-            </a:r>
-          </a:p>
-          <a:p>
-            <a:r>
-              <a:rPr lang="en-US" sz="2000" dirty="0"/>
-              <a:t>STD : 2.213462</a:t>
-            </a:r>
-          </a:p>
-          <a:p>
-            <a:r>
-              <a:rPr lang="en-US" sz="2000" dirty="0"/>
-              <a:t>Z-Score : -0.10568598615921526</a:t>
-            </a:r>
-          </a:p>
-        </p:txBody>
-      </p:sp>
-      <p:sp>
-        <p:nvSpPr>
-          <p:cNvPr id="11" name="TextBox 10">
-            <a:extLst>
-              <a:ext uri="{FF2B5EF4-FFF2-40B4-BE49-F238E27FC236}">
-                <a16:creationId xmlns="" xmlns:a16="http://schemas.microsoft.com/office/drawing/2014/main" id="{91DCE221-08F8-C49F-58D1-08CDD7971689}"/>
-              </a:ext>
-            </a:extLst>
-          </p:cNvPr>
-          <p:cNvSpPr txBox="1"/>
-          <p:nvPr/>
-        </p:nvSpPr>
-        <p:spPr>
-          <a:xfrm>
-            <a:off x="717619" y="-111281"/>
-            <a:ext cx="5600700" cy="1446550"/>
-          </a:xfrm>
-          <a:prstGeom prst="rect">
-            <a:avLst/>
-          </a:prstGeom>
-          <a:noFill/>
-        </p:spPr>
-        <p:txBody>
-          <a:bodyPr wrap="square" rtlCol="0">
-            <a:spAutoFit/>
-          </a:bodyPr>
-          <a:lstStyle/>
-          <a:p>
-            <a:r>
-              <a:rPr lang="en-US" sz="8800" dirty="0"/>
-              <a:t>REBOUNDS</a:t>
-            </a:r>
-          </a:p>
-        </p:txBody>
-      </p:sp>
+      </p:pic>
     </p:spTree>
     <p:extLst>
       <p:ext uri="{BB962C8B-B14F-4D97-AF65-F5344CB8AC3E}">
-        <p14:creationId xmlns:p14="http://schemas.microsoft.com/office/powerpoint/2010/main" val="3223950611"/>
+        <p14:creationId xmlns:p14="http://schemas.microsoft.com/office/powerpoint/2010/main" val="1351282298"/>
       </p:ext>
     </p:extLst>
   </p:cSld>
@@ -6166,37 +6965,7 @@
           <p:cNvPr id="7" name="Picture 6" descr="Chart, box and whisker chart&#10;&#10;Description automatically generated">
             <a:extLst>
               <a:ext uri="{FF2B5EF4-FFF2-40B4-BE49-F238E27FC236}">
-                <a16:creationId xmlns="" xmlns:a16="http://schemas.microsoft.com/office/drawing/2014/main" id="{62F9A557-682B-BB6E-9FFC-DAB4D9D0B879}"/>
-              </a:ext>
-            </a:extLst>
-          </p:cNvPr>
-          <p:cNvPicPr>
-            <a:picLocks noChangeAspect="1"/>
-          </p:cNvPicPr>
-          <p:nvPr/>
-        </p:nvPicPr>
-        <p:blipFill>
-          <a:blip r:embed="rId2"/>
-          <a:stretch>
-            <a:fillRect/>
-          </a:stretch>
-        </p:blipFill>
-        <p:spPr>
-          <a:xfrm>
-            <a:off x="0" y="1714500"/>
-            <a:ext cx="7340600" cy="5143500"/>
-          </a:xfrm>
-          <a:prstGeom prst="rect">
-            <a:avLst/>
-          </a:prstGeom>
-        </p:spPr>
-      </p:pic>
-      <p:pic>
-        <p:nvPicPr>
-          <p:cNvPr id="9" name="Picture 8" descr="Chart, waterfall chart&#10;&#10;Description automatically generated">
-            <a:extLst>
-              <a:ext uri="{FF2B5EF4-FFF2-40B4-BE49-F238E27FC236}">
-                <a16:creationId xmlns="" xmlns:a16="http://schemas.microsoft.com/office/drawing/2014/main" id="{519265D6-F3D1-05BD-0974-9F4A84EA4F19}"/>
+                <a16:creationId xmlns:a16="http://schemas.microsoft.com/office/drawing/2014/main" id="{0CF6731B-1235-D502-0766-AE84CAD517B9}"/>
               </a:ext>
             </a:extLst>
           </p:cNvPr>
@@ -6213,49 +6982,198 @@
         </p:blipFill>
         <p:spPr>
           <a:xfrm>
-            <a:off x="6705595" y="4114798"/>
-            <a:ext cx="5486404" cy="2743202"/>
+            <a:off x="0" y="1887537"/>
+            <a:ext cx="7035800" cy="4970463"/>
           </a:xfrm>
           <a:prstGeom prst="rect">
             <a:avLst/>
           </a:prstGeom>
         </p:spPr>
       </p:pic>
-      <p:pic>
-        <p:nvPicPr>
-          <p:cNvPr id="5" name="Picture 4">
-            <a:extLst>
-              <a:ext uri="{FF2B5EF4-FFF2-40B4-BE49-F238E27FC236}">
-                <a16:creationId xmlns="" xmlns:a16="http://schemas.microsoft.com/office/drawing/2014/main" id="{FD739AB8-BC60-67C6-6022-00B55B28DBB6}"/>
-              </a:ext>
-            </a:extLst>
-          </p:cNvPr>
-          <p:cNvPicPr>
-            <a:picLocks noChangeAspect="1"/>
-          </p:cNvPicPr>
+      <p:sp>
+        <p:nvSpPr>
+          <p:cNvPr id="16" name="TextBox 15">
+            <a:extLst>
+              <a:ext uri="{FF2B5EF4-FFF2-40B4-BE49-F238E27FC236}">
+                <a16:creationId xmlns:a16="http://schemas.microsoft.com/office/drawing/2014/main" id="{E9DC06BE-101F-F93B-897F-4C12AE4E16B6}"/>
+              </a:ext>
+            </a:extLst>
+          </p:cNvPr>
+          <p:cNvSpPr txBox="1"/>
           <p:nvPr/>
-        </p:nvPicPr>
-        <p:blipFill>
-          <a:blip r:embed="rId4"/>
-          <a:srcRect/>
-          <a:stretch/>
-        </p:blipFill>
+        </p:nvSpPr>
         <p:spPr>
           <a:xfrm>
-            <a:off x="6705595" y="-3"/>
-            <a:ext cx="5486401" cy="4114800"/>
+            <a:off x="2540000" y="0"/>
+            <a:ext cx="9652000" cy="2187232"/>
+          </a:xfrm>
+          <a:prstGeom prst="rect">
+            <a:avLst/>
+          </a:prstGeom>
+          <a:noFill/>
+          <a:ln>
+            <a:solidFill>
+              <a:schemeClr val="tx1"/>
+            </a:solidFill>
+          </a:ln>
+        </p:spPr>
+        <p:txBody>
+          <a:bodyPr wrap="square" rtlCol="0">
+            <a:spAutoFit/>
+          </a:bodyPr>
+          <a:lstStyle/>
+          <a:p>
+            <a:endParaRPr lang="en-US" dirty="0"/>
+          </a:p>
+        </p:txBody>
+      </p:sp>
+      <p:sp>
+        <p:nvSpPr>
+          <p:cNvPr id="12" name="TextBox 11">
+            <a:extLst>
+              <a:ext uri="{FF2B5EF4-FFF2-40B4-BE49-F238E27FC236}">
+                <a16:creationId xmlns:a16="http://schemas.microsoft.com/office/drawing/2014/main" id="{BF9EF508-25C6-AC8C-6C0F-9C2464570415}"/>
+              </a:ext>
+            </a:extLst>
+          </p:cNvPr>
+          <p:cNvSpPr txBox="1"/>
+          <p:nvPr/>
+        </p:nvSpPr>
+        <p:spPr>
+          <a:xfrm>
+            <a:off x="2540000" y="0"/>
+            <a:ext cx="9652000" cy="1754326"/>
+          </a:xfrm>
+          <a:prstGeom prst="rect">
+            <a:avLst/>
+          </a:prstGeom>
+          <a:ln>
+            <a:noFill/>
+          </a:ln>
+        </p:spPr>
+        <p:style>
+          <a:lnRef idx="2">
+            <a:schemeClr val="dk1"/>
+          </a:lnRef>
+          <a:fillRef idx="1">
+            <a:schemeClr val="lt1"/>
+          </a:fillRef>
+          <a:effectRef idx="0">
+            <a:schemeClr val="dk1"/>
+          </a:effectRef>
+          <a:fontRef idx="minor">
+            <a:schemeClr val="dk1"/>
+          </a:fontRef>
+        </p:style>
+        <p:txBody>
+          <a:bodyPr wrap="square" rtlCol="0">
+            <a:spAutoFit/>
+          </a:bodyPr>
+          <a:lstStyle/>
+          <a:p>
+            <a:pPr marL="285750" indent="-285750">
+              <a:buFont typeface="Arial" panose="020B0604020202020204" pitchFamily="34" charset="0"/>
+              <a:buChar char="•"/>
+            </a:pPr>
+            <a:endParaRPr lang="en-US" dirty="0"/>
+          </a:p>
+          <a:p>
+            <a:pPr marL="285750" indent="-285750">
+              <a:buFont typeface="Arial" panose="020B0604020202020204" pitchFamily="34" charset="0"/>
+              <a:buChar char="•"/>
+            </a:pPr>
+            <a:r>
+              <a:rPr lang="en-US" dirty="0"/>
+              <a:t>The Orlando Magic is comfortably in the middle of the pack when it comes to rebounds.</a:t>
+            </a:r>
+          </a:p>
+          <a:p>
+            <a:pPr marL="285750" indent="-285750">
+              <a:buFont typeface="Arial" panose="020B0604020202020204" pitchFamily="34" charset="0"/>
+              <a:buChar char="•"/>
+            </a:pPr>
+            <a:endParaRPr lang="en-US" dirty="0"/>
+          </a:p>
+          <a:p>
+            <a:pPr marL="285750" indent="-285750">
+              <a:buFont typeface="Arial" panose="020B0604020202020204" pitchFamily="34" charset="0"/>
+              <a:buChar char="•"/>
+            </a:pPr>
+            <a:r>
+              <a:rPr lang="en-US" dirty="0"/>
+              <a:t>There is a higher variance with this KPI with a Standard Deviation of 2.2.</a:t>
+            </a:r>
+          </a:p>
+          <a:p>
+            <a:pPr marL="285750" indent="-285750">
+              <a:buFont typeface="Arial" panose="020B0604020202020204" pitchFamily="34" charset="0"/>
+              <a:buChar char="•"/>
+            </a:pPr>
+            <a:endParaRPr lang="en-US" dirty="0"/>
+          </a:p>
+          <a:p>
+            <a:pPr marL="285750" indent="-285750">
+              <a:buFont typeface="Arial" panose="020B0604020202020204" pitchFamily="34" charset="0"/>
+              <a:buChar char="•"/>
+            </a:pPr>
+            <a:r>
+              <a:rPr lang="en-US" dirty="0"/>
+              <a:t>The Milwaukee Bucks are the high outlier of the league with an average 48.6 rebounds per game.</a:t>
+            </a:r>
+          </a:p>
+        </p:txBody>
+      </p:sp>
+      <p:sp>
+        <p:nvSpPr>
+          <p:cNvPr id="13" name="TextBox 12">
+            <a:extLst>
+              <a:ext uri="{FF2B5EF4-FFF2-40B4-BE49-F238E27FC236}">
+                <a16:creationId xmlns:a16="http://schemas.microsoft.com/office/drawing/2014/main" id="{E5689CCD-E170-413E-57F6-8D72C3892BF1}"/>
+              </a:ext>
+            </a:extLst>
+          </p:cNvPr>
+          <p:cNvSpPr txBox="1"/>
+          <p:nvPr/>
+        </p:nvSpPr>
+        <p:spPr>
+          <a:xfrm>
+            <a:off x="0" y="0"/>
+            <a:ext cx="2540000" cy="2187233"/>
           </a:xfrm>
           <a:prstGeom prst="rect">
             <a:avLst/>
           </a:prstGeom>
         </p:spPr>
-      </p:pic>
-      <p:sp>
-        <p:nvSpPr>
-          <p:cNvPr id="10" name="TextBox 9">
-            <a:extLst>
-              <a:ext uri="{FF2B5EF4-FFF2-40B4-BE49-F238E27FC236}">
-                <a16:creationId xmlns="" xmlns:a16="http://schemas.microsoft.com/office/drawing/2014/main" id="{E7087A4F-34AE-DCFE-1CD7-40695B9B990F}"/>
+        <p:style>
+          <a:lnRef idx="2">
+            <a:schemeClr val="dk1"/>
+          </a:lnRef>
+          <a:fillRef idx="1">
+            <a:schemeClr val="lt1"/>
+          </a:fillRef>
+          <a:effectRef idx="0">
+            <a:schemeClr val="dk1"/>
+          </a:effectRef>
+          <a:fontRef idx="minor">
+            <a:schemeClr val="dk1"/>
+          </a:fontRef>
+        </p:style>
+        <p:txBody>
+          <a:bodyPr wrap="square" rtlCol="0">
+            <a:spAutoFit/>
+          </a:bodyPr>
+          <a:lstStyle/>
+          <a:p>
+            <a:endParaRPr lang="en-US" dirty="0"/>
+          </a:p>
+        </p:txBody>
+      </p:sp>
+      <p:sp>
+        <p:nvSpPr>
+          <p:cNvPr id="14" name="TextBox 13">
+            <a:extLst>
+              <a:ext uri="{FF2B5EF4-FFF2-40B4-BE49-F238E27FC236}">
+                <a16:creationId xmlns:a16="http://schemas.microsoft.com/office/drawing/2014/main" id="{811BD2D6-5D13-1806-AA02-FBF1B5474F35}"/>
               </a:ext>
             </a:extLst>
           </p:cNvPr>
@@ -6264,8 +7182,78 @@
         </p:nvSpPr>
         <p:spPr>
           <a:xfrm>
-            <a:off x="717616" y="1072545"/>
-            <a:ext cx="5355433" cy="1569660"/>
+            <a:off x="1" y="978407"/>
+            <a:ext cx="2540000" cy="1208825"/>
+          </a:xfrm>
+          <a:prstGeom prst="rect">
+            <a:avLst/>
+          </a:prstGeom>
+          <a:noFill/>
+          <a:ln>
+            <a:noFill/>
+          </a:ln>
+        </p:spPr>
+        <p:style>
+          <a:lnRef idx="2">
+            <a:schemeClr val="dk1"/>
+          </a:lnRef>
+          <a:fillRef idx="1">
+            <a:schemeClr val="lt1"/>
+          </a:fillRef>
+          <a:effectRef idx="0">
+            <a:schemeClr val="dk1"/>
+          </a:effectRef>
+          <a:fontRef idx="minor">
+            <a:schemeClr val="dk1"/>
+          </a:fontRef>
+        </p:style>
+        <p:txBody>
+          <a:bodyPr vert="horz" lIns="91440" tIns="45720" rIns="91440" bIns="45720" rtlCol="0">
+            <a:normAutofit/>
+          </a:bodyPr>
+          <a:lstStyle/>
+          <a:p>
+            <a:r>
+              <a:rPr lang="en-US" sz="1800" dirty="0"/>
+              <a:t>Orlando : 43.2</a:t>
+            </a:r>
+          </a:p>
+          <a:p>
+            <a:r>
+              <a:rPr lang="en-US" sz="1800" dirty="0"/>
+              <a:t>Mean : 43.4300</a:t>
+            </a:r>
+          </a:p>
+          <a:p>
+            <a:r>
+              <a:rPr lang="en-US" sz="1800" dirty="0"/>
+              <a:t>STD : 2.2135</a:t>
+            </a:r>
+          </a:p>
+          <a:p>
+            <a:r>
+              <a:rPr lang="en-US" sz="1800" dirty="0"/>
+              <a:t>Z-Score : -0.10569</a:t>
+            </a:r>
+          </a:p>
+        </p:txBody>
+      </p:sp>
+      <p:sp>
+        <p:nvSpPr>
+          <p:cNvPr id="15" name="TextBox 14">
+            <a:extLst>
+              <a:ext uri="{FF2B5EF4-FFF2-40B4-BE49-F238E27FC236}">
+                <a16:creationId xmlns:a16="http://schemas.microsoft.com/office/drawing/2014/main" id="{E7B2BD0B-6667-9677-9712-BD83C533314C}"/>
+              </a:ext>
+            </a:extLst>
+          </p:cNvPr>
+          <p:cNvSpPr txBox="1"/>
+          <p:nvPr/>
+        </p:nvSpPr>
+        <p:spPr>
+          <a:xfrm>
+            <a:off x="1" y="123254"/>
+            <a:ext cx="2641600" cy="707886"/>
           </a:xfrm>
           <a:prstGeom prst="rect">
             <a:avLst/>
@@ -6279,69 +7267,46 @@
           <a:lstStyle/>
           <a:p>
             <a:r>
-              <a:rPr lang="en-US" sz="2000" dirty="0"/>
-              <a:t>Mean : 14.093333</a:t>
-            </a:r>
-          </a:p>
-          <a:p>
-            <a:r>
-              <a:rPr lang="en-US" sz="2000" dirty="0"/>
-              <a:t>STD : 1.079570</a:t>
-            </a:r>
-          </a:p>
-          <a:p>
-            <a:r>
-              <a:rPr lang="en-US" sz="2000" dirty="0"/>
-              <a:t>Z-Score : 0.9484108889758592</a:t>
-            </a:r>
-          </a:p>
-          <a:p>
-            <a:endParaRPr lang="en-US" dirty="0"/>
-          </a:p>
-          <a:p>
-            <a:endParaRPr lang="en-US" dirty="0"/>
-          </a:p>
-        </p:txBody>
-      </p:sp>
-      <p:sp>
-        <p:nvSpPr>
-          <p:cNvPr id="11" name="TextBox 10">
-            <a:extLst>
-              <a:ext uri="{FF2B5EF4-FFF2-40B4-BE49-F238E27FC236}">
-                <a16:creationId xmlns="" xmlns:a16="http://schemas.microsoft.com/office/drawing/2014/main" id="{F061ACA2-FCFF-2FBB-FE82-6E7A9AB3FABF}"/>
-              </a:ext>
-            </a:extLst>
-          </p:cNvPr>
-          <p:cNvSpPr txBox="1"/>
-          <p:nvPr/>
-        </p:nvSpPr>
+              <a:rPr lang="en-US" sz="4000" b="1" dirty="0"/>
+              <a:t>REBOUNDS</a:t>
+            </a:r>
+            <a:endParaRPr lang="en-US" sz="3600" b="1" dirty="0"/>
+          </a:p>
+        </p:txBody>
+      </p:sp>
+      <p:pic>
+        <p:nvPicPr>
+          <p:cNvPr id="5" name="Content Placeholder 4" descr="Chart, bar chart&#10;&#10;Description automatically generated">
+            <a:extLst>
+              <a:ext uri="{FF2B5EF4-FFF2-40B4-BE49-F238E27FC236}">
+                <a16:creationId xmlns:a16="http://schemas.microsoft.com/office/drawing/2014/main" id="{22713D47-33E4-344B-8941-72BB2FB30B62}"/>
+              </a:ext>
+            </a:extLst>
+          </p:cNvPr>
+          <p:cNvPicPr>
+            <a:picLocks noGrp="1" noChangeAspect="1"/>
+          </p:cNvPicPr>
+          <p:nvPr>
+            <p:ph idx="1"/>
+          </p:nvPr>
+        </p:nvPicPr>
+        <p:blipFill>
+          <a:blip r:embed="rId4"/>
+          <a:stretch>
+            <a:fillRect/>
+          </a:stretch>
+        </p:blipFill>
         <p:spPr>
           <a:xfrm>
-            <a:off x="717619" y="-111281"/>
-            <a:ext cx="5826056" cy="1446550"/>
+            <a:off x="6350000" y="2476500"/>
+            <a:ext cx="5842000" cy="4381500"/>
           </a:xfrm>
-          <a:prstGeom prst="rect">
-            <a:avLst/>
-          </a:prstGeom>
-          <a:noFill/>
         </p:spPr>
-        <p:txBody>
-          <a:bodyPr wrap="square" rtlCol="0">
-            <a:spAutoFit/>
-          </a:bodyPr>
-          <a:lstStyle/>
-          <a:p>
-            <a:r>
-              <a:rPr lang="en-US" sz="8800" dirty="0"/>
-              <a:t>TURNOVERS</a:t>
-            </a:r>
-          </a:p>
-        </p:txBody>
-      </p:sp>
+      </p:pic>
     </p:spTree>
     <p:extLst>
       <p:ext uri="{BB962C8B-B14F-4D97-AF65-F5344CB8AC3E}">
-        <p14:creationId xmlns:p14="http://schemas.microsoft.com/office/powerpoint/2010/main" val="2441234006"/>
+        <p14:creationId xmlns:p14="http://schemas.microsoft.com/office/powerpoint/2010/main" val="3438332265"/>
       </p:ext>
     </p:extLst>
   </p:cSld>
@@ -6368,12 +7333,357 @@
           <a:chExt cx="0" cy="0"/>
         </a:xfrm>
       </p:grpSpPr>
+      <p:pic>
+        <p:nvPicPr>
+          <p:cNvPr id="7" name="Picture 6" descr="Chart, box and whisker chart&#10;&#10;Description automatically generated">
+            <a:extLst>
+              <a:ext uri="{FF2B5EF4-FFF2-40B4-BE49-F238E27FC236}">
+                <a16:creationId xmlns:a16="http://schemas.microsoft.com/office/drawing/2014/main" id="{62F9A557-682B-BB6E-9FFC-DAB4D9D0B879}"/>
+              </a:ext>
+            </a:extLst>
+          </p:cNvPr>
+          <p:cNvPicPr>
+            <a:picLocks noChangeAspect="1"/>
+          </p:cNvPicPr>
+          <p:nvPr/>
+        </p:nvPicPr>
+        <p:blipFill>
+          <a:blip r:embed="rId3"/>
+          <a:stretch>
+            <a:fillRect/>
+          </a:stretch>
+        </p:blipFill>
+        <p:spPr>
+          <a:xfrm>
+            <a:off x="6362700" y="0"/>
+            <a:ext cx="5829299" cy="6857999"/>
+          </a:xfrm>
+          <a:prstGeom prst="rect">
+            <a:avLst/>
+          </a:prstGeom>
+        </p:spPr>
+      </p:pic>
+      <p:sp>
+        <p:nvSpPr>
+          <p:cNvPr id="16" name="TextBox 15">
+            <a:extLst>
+              <a:ext uri="{FF2B5EF4-FFF2-40B4-BE49-F238E27FC236}">
+                <a16:creationId xmlns:a16="http://schemas.microsoft.com/office/drawing/2014/main" id="{A61CAA6D-C5D5-324F-AA15-CEE47EBB5CF5}"/>
+              </a:ext>
+            </a:extLst>
+          </p:cNvPr>
+          <p:cNvSpPr txBox="1"/>
+          <p:nvPr/>
+        </p:nvSpPr>
+        <p:spPr>
+          <a:xfrm>
+            <a:off x="2540000" y="0"/>
+            <a:ext cx="3933766" cy="2031325"/>
+          </a:xfrm>
+          <a:prstGeom prst="rect">
+            <a:avLst/>
+          </a:prstGeom>
+          <a:ln>
+            <a:noFill/>
+          </a:ln>
+        </p:spPr>
+        <p:style>
+          <a:lnRef idx="2">
+            <a:schemeClr val="dk1"/>
+          </a:lnRef>
+          <a:fillRef idx="1">
+            <a:schemeClr val="lt1"/>
+          </a:fillRef>
+          <a:effectRef idx="0">
+            <a:schemeClr val="dk1"/>
+          </a:effectRef>
+          <a:fontRef idx="minor">
+            <a:schemeClr val="dk1"/>
+          </a:fontRef>
+        </p:style>
+        <p:txBody>
+          <a:bodyPr wrap="square" rtlCol="0">
+            <a:spAutoFit/>
+          </a:bodyPr>
+          <a:lstStyle/>
+          <a:p>
+            <a:pPr marL="285750" indent="-285750">
+              <a:buFont typeface="Arial" panose="020B0604020202020204" pitchFamily="34" charset="0"/>
+              <a:buChar char="•"/>
+            </a:pPr>
+            <a:endParaRPr lang="en-US" dirty="0"/>
+          </a:p>
+          <a:p>
+            <a:pPr marL="285750" indent="-285750">
+              <a:buFont typeface="Arial" panose="020B0604020202020204" pitchFamily="34" charset="0"/>
+              <a:buChar char="•"/>
+            </a:pPr>
+            <a:r>
+              <a:rPr lang="en-US" dirty="0"/>
+              <a:t>The Magic are above average when it comes to turnovers. </a:t>
+            </a:r>
+          </a:p>
+          <a:p>
+            <a:pPr marL="285750" indent="-285750">
+              <a:buFont typeface="Arial" panose="020B0604020202020204" pitchFamily="34" charset="0"/>
+              <a:buChar char="•"/>
+            </a:pPr>
+            <a:endParaRPr lang="en-US" dirty="0"/>
+          </a:p>
+          <a:p>
+            <a:pPr marL="285750" indent="-285750">
+              <a:buFont typeface="Arial" panose="020B0604020202020204" pitchFamily="34" charset="0"/>
+              <a:buChar char="•"/>
+            </a:pPr>
+            <a:r>
+              <a:rPr lang="en-US" dirty="0"/>
+              <a:t>The Bucks, Timberwolves, and Pistons have very similar Turnover rates.</a:t>
+            </a:r>
+          </a:p>
+        </p:txBody>
+      </p:sp>
+      <p:sp>
+        <p:nvSpPr>
+          <p:cNvPr id="13" name="TextBox 12">
+            <a:extLst>
+              <a:ext uri="{FF2B5EF4-FFF2-40B4-BE49-F238E27FC236}">
+                <a16:creationId xmlns:a16="http://schemas.microsoft.com/office/drawing/2014/main" id="{E5C009C6-7EDE-BAAA-B6AC-03FDA5C4FB9D}"/>
+              </a:ext>
+            </a:extLst>
+          </p:cNvPr>
+          <p:cNvSpPr txBox="1"/>
+          <p:nvPr/>
+        </p:nvSpPr>
+        <p:spPr>
+          <a:xfrm>
+            <a:off x="0" y="0"/>
+            <a:ext cx="2540000" cy="2187233"/>
+          </a:xfrm>
+          <a:prstGeom prst="rect">
+            <a:avLst/>
+          </a:prstGeom>
+        </p:spPr>
+        <p:style>
+          <a:lnRef idx="2">
+            <a:schemeClr val="dk1"/>
+          </a:lnRef>
+          <a:fillRef idx="1">
+            <a:schemeClr val="lt1"/>
+          </a:fillRef>
+          <a:effectRef idx="0">
+            <a:schemeClr val="dk1"/>
+          </a:effectRef>
+          <a:fontRef idx="minor">
+            <a:schemeClr val="dk1"/>
+          </a:fontRef>
+        </p:style>
+        <p:txBody>
+          <a:bodyPr wrap="square" rtlCol="0">
+            <a:spAutoFit/>
+          </a:bodyPr>
+          <a:lstStyle/>
+          <a:p>
+            <a:endParaRPr lang="en-US" dirty="0"/>
+          </a:p>
+        </p:txBody>
+      </p:sp>
+      <p:sp>
+        <p:nvSpPr>
+          <p:cNvPr id="11" name="TextBox 10">
+            <a:extLst>
+              <a:ext uri="{FF2B5EF4-FFF2-40B4-BE49-F238E27FC236}">
+                <a16:creationId xmlns:a16="http://schemas.microsoft.com/office/drawing/2014/main" id="{F061ACA2-FCFF-2FBB-FE82-6E7A9AB3FABF}"/>
+              </a:ext>
+            </a:extLst>
+          </p:cNvPr>
+          <p:cNvSpPr txBox="1"/>
+          <p:nvPr/>
+        </p:nvSpPr>
+        <p:spPr>
+          <a:xfrm>
+            <a:off x="0" y="154031"/>
+            <a:ext cx="2540000" cy="646331"/>
+          </a:xfrm>
+          <a:prstGeom prst="rect">
+            <a:avLst/>
+          </a:prstGeom>
+          <a:noFill/>
+        </p:spPr>
+        <p:txBody>
+          <a:bodyPr wrap="square" rtlCol="0">
+            <a:spAutoFit/>
+          </a:bodyPr>
+          <a:lstStyle/>
+          <a:p>
+            <a:r>
+              <a:rPr lang="en-US" sz="3600" b="1" dirty="0"/>
+              <a:t>TURNOVERS</a:t>
+            </a:r>
+            <a:endParaRPr lang="en-US" sz="6600" b="1" dirty="0"/>
+          </a:p>
+        </p:txBody>
+      </p:sp>
+      <p:sp>
+        <p:nvSpPr>
+          <p:cNvPr id="10" name="TextBox 9">
+            <a:extLst>
+              <a:ext uri="{FF2B5EF4-FFF2-40B4-BE49-F238E27FC236}">
+                <a16:creationId xmlns:a16="http://schemas.microsoft.com/office/drawing/2014/main" id="{E7087A4F-34AE-DCFE-1CD7-40695B9B990F}"/>
+              </a:ext>
+            </a:extLst>
+          </p:cNvPr>
+          <p:cNvSpPr txBox="1"/>
+          <p:nvPr/>
+        </p:nvSpPr>
+        <p:spPr>
+          <a:xfrm>
+            <a:off x="0" y="894160"/>
+            <a:ext cx="2540000" cy="1754326"/>
+          </a:xfrm>
+          <a:prstGeom prst="rect">
+            <a:avLst/>
+          </a:prstGeom>
+          <a:noFill/>
+        </p:spPr>
+        <p:txBody>
+          <a:bodyPr wrap="square" rtlCol="0">
+            <a:spAutoFit/>
+          </a:bodyPr>
+          <a:lstStyle/>
+          <a:p>
+            <a:r>
+              <a:rPr lang="en-US" dirty="0"/>
+              <a:t>Orlando : 15.1</a:t>
+            </a:r>
+          </a:p>
+          <a:p>
+            <a:r>
+              <a:rPr lang="en-US" dirty="0"/>
+              <a:t>Mean : 14.0933</a:t>
+            </a:r>
+          </a:p>
+          <a:p>
+            <a:r>
+              <a:rPr lang="en-US" dirty="0"/>
+              <a:t>STD : 1.0796</a:t>
+            </a:r>
+          </a:p>
+          <a:p>
+            <a:r>
+              <a:rPr lang="en-US" dirty="0"/>
+              <a:t>Z-Score : 0.94841</a:t>
+            </a:r>
+          </a:p>
+          <a:p>
+            <a:endParaRPr lang="en-US" dirty="0"/>
+          </a:p>
+          <a:p>
+            <a:endParaRPr lang="en-US" dirty="0"/>
+          </a:p>
+        </p:txBody>
+      </p:sp>
+      <p:pic>
+        <p:nvPicPr>
+          <p:cNvPr id="18" name="Picture 17">
+            <a:extLst>
+              <a:ext uri="{FF2B5EF4-FFF2-40B4-BE49-F238E27FC236}">
+                <a16:creationId xmlns:a16="http://schemas.microsoft.com/office/drawing/2014/main" id="{10B492B2-3BA6-2B91-D49E-918159086F02}"/>
+              </a:ext>
+            </a:extLst>
+          </p:cNvPr>
+          <p:cNvPicPr>
+            <a:picLocks noChangeAspect="1"/>
+          </p:cNvPicPr>
+          <p:nvPr/>
+        </p:nvPicPr>
+        <p:blipFill>
+          <a:blip r:embed="rId4"/>
+          <a:srcRect/>
+          <a:stretch/>
+        </p:blipFill>
+        <p:spPr>
+          <a:xfrm>
+            <a:off x="0" y="2341263"/>
+            <a:ext cx="6654800" cy="4516735"/>
+          </a:xfrm>
+          <a:prstGeom prst="rect">
+            <a:avLst/>
+          </a:prstGeom>
+        </p:spPr>
+      </p:pic>
+      <p:sp>
+        <p:nvSpPr>
+          <p:cNvPr id="19" name="TextBox 18">
+            <a:extLst>
+              <a:ext uri="{FF2B5EF4-FFF2-40B4-BE49-F238E27FC236}">
+                <a16:creationId xmlns:a16="http://schemas.microsoft.com/office/drawing/2014/main" id="{EAD0A887-299A-4DCF-A07D-C8266612ECF6}"/>
+              </a:ext>
+            </a:extLst>
+          </p:cNvPr>
+          <p:cNvSpPr txBox="1"/>
+          <p:nvPr/>
+        </p:nvSpPr>
+        <p:spPr>
+          <a:xfrm>
+            <a:off x="2540000" y="0"/>
+            <a:ext cx="3933766" cy="2187233"/>
+          </a:xfrm>
+          <a:prstGeom prst="rect">
+            <a:avLst/>
+          </a:prstGeom>
+          <a:noFill/>
+          <a:ln>
+            <a:solidFill>
+              <a:schemeClr val="tx1"/>
+            </a:solidFill>
+          </a:ln>
+        </p:spPr>
+        <p:txBody>
+          <a:bodyPr wrap="square" rtlCol="0">
+            <a:spAutoFit/>
+          </a:bodyPr>
+          <a:lstStyle/>
+          <a:p>
+            <a:endParaRPr lang="en-US" dirty="0"/>
+          </a:p>
+        </p:txBody>
+      </p:sp>
+    </p:spTree>
+    <p:extLst>
+      <p:ext uri="{BB962C8B-B14F-4D97-AF65-F5344CB8AC3E}">
+        <p14:creationId xmlns:p14="http://schemas.microsoft.com/office/powerpoint/2010/main" val="1960610940"/>
+      </p:ext>
+    </p:extLst>
+  </p:cSld>
+  <p:clrMapOvr>
+    <a:masterClrMapping/>
+  </p:clrMapOvr>
+</p:sld>
+</file>
+
+<file path=ppt/slides/slide24.xml><?xml version="1.0" encoding="utf-8"?>
+<p:sld xmlns:a="http://schemas.openxmlformats.org/drawingml/2006/main" xmlns:r="http://schemas.openxmlformats.org/officeDocument/2006/relationships" xmlns:p="http://schemas.openxmlformats.org/presentationml/2006/main">
+  <p:cSld>
+    <p:spTree>
+      <p:nvGrpSpPr>
+        <p:cNvPr id="1" name=""/>
+        <p:cNvGrpSpPr/>
+        <p:nvPr/>
+      </p:nvGrpSpPr>
+      <p:grpSpPr>
+        <a:xfrm>
+          <a:off x="0" y="0"/>
+          <a:ext cx="0" cy="0"/>
+          <a:chOff x="0" y="0"/>
+          <a:chExt cx="0" cy="0"/>
+        </a:xfrm>
+      </p:grpSpPr>
       <p:sp>
         <p:nvSpPr>
           <p:cNvPr id="2" name="Title 1">
             <a:extLst>
               <a:ext uri="{FF2B5EF4-FFF2-40B4-BE49-F238E27FC236}">
-                <a16:creationId xmlns="" xmlns:a16="http://schemas.microsoft.com/office/drawing/2014/main" id="{4037983E-A1E4-8924-A985-57397BD6762A}"/>
+                <a16:creationId xmlns:a16="http://schemas.microsoft.com/office/drawing/2014/main" id="{4037983E-A1E4-8924-A985-57397BD6762A}"/>
               </a:ext>
             </a:extLst>
           </p:cNvPr>
@@ -6393,7 +7703,7 @@
           <a:p>
             <a:pPr algn="ctr"/>
             <a:r>
-              <a:rPr lang="en-US" sz="4000" b="1" dirty="0" smtClean="0"/>
+              <a:rPr lang="en-US" sz="4000" b="1" dirty="0"/>
               <a:t>Question 4 - </a:t>
             </a:r>
             <a:r>
@@ -6404,20 +7714,12 @@
               </a:rPr>
               <a:t>KPIs most closely relate to wins </a:t>
             </a:r>
-            <a:r>
-              <a:rPr lang="en-US" b="1" dirty="0" smtClean="0"/>
-              <a:t/>
-            </a:r>
             <a:br>
-              <a:rPr lang="en-US" b="1" dirty="0" smtClean="0"/>
+              <a:rPr lang="en-US" b="1" dirty="0"/>
             </a:br>
             <a:r>
-              <a:rPr lang="en-US" sz="3600" b="1" dirty="0" smtClean="0"/>
-              <a:t>Linear </a:t>
-            </a:r>
-            <a:r>
               <a:rPr lang="en-US" sz="3600" b="1" dirty="0"/>
-              <a:t>Regression: </a:t>
+              <a:t>Linear Regression: </a:t>
             </a:r>
             <a:br>
               <a:rPr lang="en-US" sz="3600" b="1" dirty="0"/>
@@ -6434,7 +7736,7 @@
           <p:cNvPr id="7" name="Content Placeholder 6" descr="Table&#10;&#10;Description automatically generated">
             <a:extLst>
               <a:ext uri="{FF2B5EF4-FFF2-40B4-BE49-F238E27FC236}">
-                <a16:creationId xmlns="" xmlns:a16="http://schemas.microsoft.com/office/drawing/2014/main" id="{07A5C1CF-BB1C-D01B-BC10-D02C55BB3FC7}"/>
+                <a16:creationId xmlns:a16="http://schemas.microsoft.com/office/drawing/2014/main" id="{07A5C1CF-BB1C-D01B-BC10-D02C55BB3FC7}"/>
               </a:ext>
             </a:extLst>
           </p:cNvPr>
@@ -6468,7 +7770,7 @@
           <p:cNvPr id="5" name="Picture 4">
             <a:extLst>
               <a:ext uri="{FF2B5EF4-FFF2-40B4-BE49-F238E27FC236}">
-                <a16:creationId xmlns="" xmlns:a16="http://schemas.microsoft.com/office/drawing/2014/main" id="{A4C6AC7E-EF8A-E3F5-9D18-07FECE5D4F52}"/>
+                <a16:creationId xmlns:a16="http://schemas.microsoft.com/office/drawing/2014/main" id="{A4C6AC7E-EF8A-E3F5-9D18-07FECE5D4F52}"/>
               </a:ext>
             </a:extLst>
           </p:cNvPr>
@@ -6506,7 +7808,7 @@
 </p:sld>
 </file>
 
-<file path=ppt/slides/slide24.xml><?xml version="1.0" encoding="utf-8"?>
+<file path=ppt/slides/slide25.xml><?xml version="1.0" encoding="utf-8"?>
 <p:sld xmlns:a="http://schemas.openxmlformats.org/drawingml/2006/main" xmlns:r="http://schemas.openxmlformats.org/officeDocument/2006/relationships" xmlns:p="http://schemas.openxmlformats.org/presentationml/2006/main">
   <p:cSld>
     <p:spTree>
@@ -6528,7 +7830,7 @@
           <p:cNvPr id="5" name="Picture 4">
             <a:extLst>
               <a:ext uri="{FF2B5EF4-FFF2-40B4-BE49-F238E27FC236}">
-                <a16:creationId xmlns="" xmlns:a16="http://schemas.microsoft.com/office/drawing/2014/main" id="{98A0F710-97E4-0DCB-02CF-E8885BE8DA0D}"/>
+                <a16:creationId xmlns:a16="http://schemas.microsoft.com/office/drawing/2014/main" id="{98A0F710-97E4-0DCB-02CF-E8885BE8DA0D}"/>
               </a:ext>
             </a:extLst>
           </p:cNvPr>
@@ -6558,7 +7860,7 @@
           <p:cNvPr id="7" name="Picture 6">
             <a:extLst>
               <a:ext uri="{FF2B5EF4-FFF2-40B4-BE49-F238E27FC236}">
-                <a16:creationId xmlns="" xmlns:a16="http://schemas.microsoft.com/office/drawing/2014/main" id="{5BF0E433-7AE4-0294-D087-C6C7A72301C8}"/>
+                <a16:creationId xmlns:a16="http://schemas.microsoft.com/office/drawing/2014/main" id="{5BF0E433-7AE4-0294-D087-C6C7A72301C8}"/>
               </a:ext>
             </a:extLst>
           </p:cNvPr>
@@ -6588,7 +7890,7 @@
           <p:cNvPr id="9" name="Picture 8">
             <a:extLst>
               <a:ext uri="{FF2B5EF4-FFF2-40B4-BE49-F238E27FC236}">
-                <a16:creationId xmlns="" xmlns:a16="http://schemas.microsoft.com/office/drawing/2014/main" id="{35FA5BE4-4E34-E5EB-A6E8-8CF96676ADA0}"/>
+                <a16:creationId xmlns:a16="http://schemas.microsoft.com/office/drawing/2014/main" id="{35FA5BE4-4E34-E5EB-A6E8-8CF96676ADA0}"/>
               </a:ext>
             </a:extLst>
           </p:cNvPr>
@@ -6618,7 +7920,7 @@
           <p:cNvPr id="11" name="TextBox 10">
             <a:extLst>
               <a:ext uri="{FF2B5EF4-FFF2-40B4-BE49-F238E27FC236}">
-                <a16:creationId xmlns="" xmlns:a16="http://schemas.microsoft.com/office/drawing/2014/main" id="{6D444E06-6FEA-449C-E4B5-46A6ADD0EC3D}"/>
+                <a16:creationId xmlns:a16="http://schemas.microsoft.com/office/drawing/2014/main" id="{6D444E06-6FEA-449C-E4B5-46A6ADD0EC3D}"/>
               </a:ext>
             </a:extLst>
           </p:cNvPr>
@@ -6661,7 +7963,7 @@
           <p:cNvPr id="13" name="TextBox 12">
             <a:extLst>
               <a:ext uri="{FF2B5EF4-FFF2-40B4-BE49-F238E27FC236}">
-                <a16:creationId xmlns="" xmlns:a16="http://schemas.microsoft.com/office/drawing/2014/main" id="{4789D743-00E9-4753-275C-5CEC0035F4DC}"/>
+                <a16:creationId xmlns:a16="http://schemas.microsoft.com/office/drawing/2014/main" id="{4789D743-00E9-4753-275C-5CEC0035F4DC}"/>
               </a:ext>
             </a:extLst>
           </p:cNvPr>
@@ -6704,7 +8006,7 @@
           <p:cNvPr id="15" name="Content Placeholder 6" descr="Table&#10;&#10;Description automatically generated">
             <a:extLst>
               <a:ext uri="{FF2B5EF4-FFF2-40B4-BE49-F238E27FC236}">
-                <a16:creationId xmlns="" xmlns:a16="http://schemas.microsoft.com/office/drawing/2014/main" id="{133673D8-5EBC-BA5D-4DA0-026A32E6208F}"/>
+                <a16:creationId xmlns:a16="http://schemas.microsoft.com/office/drawing/2014/main" id="{133673D8-5EBC-BA5D-4DA0-026A32E6208F}"/>
               </a:ext>
             </a:extLst>
           </p:cNvPr>
@@ -6746,7 +8048,7 @@
 </p:sld>
 </file>
 
-<file path=ppt/slides/slide25.xml><?xml version="1.0" encoding="utf-8"?>
+<file path=ppt/slides/slide26.xml><?xml version="1.0" encoding="utf-8"?>
 <p:sld xmlns:a="http://schemas.openxmlformats.org/drawingml/2006/main" xmlns:r="http://schemas.openxmlformats.org/officeDocument/2006/relationships" xmlns:p="http://schemas.openxmlformats.org/presentationml/2006/main">
   <p:cSld>
     <p:spTree>
@@ -6768,7 +8070,7 @@
           <p:cNvPr id="9" name="Picture 8">
             <a:extLst>
               <a:ext uri="{FF2B5EF4-FFF2-40B4-BE49-F238E27FC236}">
-                <a16:creationId xmlns="" xmlns:a16="http://schemas.microsoft.com/office/drawing/2014/main" id="{5EDA95B1-CDE9-9E3C-3319-7E6D4D88D641}"/>
+                <a16:creationId xmlns:a16="http://schemas.microsoft.com/office/drawing/2014/main" id="{5EDA95B1-CDE9-9E3C-3319-7E6D4D88D641}"/>
               </a:ext>
             </a:extLst>
           </p:cNvPr>
@@ -6798,7 +8100,7 @@
           <p:cNvPr id="11" name="Picture 10">
             <a:extLst>
               <a:ext uri="{FF2B5EF4-FFF2-40B4-BE49-F238E27FC236}">
-                <a16:creationId xmlns="" xmlns:a16="http://schemas.microsoft.com/office/drawing/2014/main" id="{1CBB3A9B-D3A7-15CF-39D3-A087976A0403}"/>
+                <a16:creationId xmlns:a16="http://schemas.microsoft.com/office/drawing/2014/main" id="{1CBB3A9B-D3A7-15CF-39D3-A087976A0403}"/>
               </a:ext>
             </a:extLst>
           </p:cNvPr>
@@ -6828,7 +8130,7 @@
           <p:cNvPr id="13" name="Picture 12">
             <a:extLst>
               <a:ext uri="{FF2B5EF4-FFF2-40B4-BE49-F238E27FC236}">
-                <a16:creationId xmlns="" xmlns:a16="http://schemas.microsoft.com/office/drawing/2014/main" id="{5DA2A6B4-8D45-DD28-2B69-CA1E6788FBAA}"/>
+                <a16:creationId xmlns:a16="http://schemas.microsoft.com/office/drawing/2014/main" id="{5DA2A6B4-8D45-DD28-2B69-CA1E6788FBAA}"/>
               </a:ext>
             </a:extLst>
           </p:cNvPr>
@@ -6858,7 +8160,7 @@
           <p:cNvPr id="15" name="TextBox 14">
             <a:extLst>
               <a:ext uri="{FF2B5EF4-FFF2-40B4-BE49-F238E27FC236}">
-                <a16:creationId xmlns="" xmlns:a16="http://schemas.microsoft.com/office/drawing/2014/main" id="{8CC867AD-C654-C86F-3DC2-F54C335198CB}"/>
+                <a16:creationId xmlns:a16="http://schemas.microsoft.com/office/drawing/2014/main" id="{8CC867AD-C654-C86F-3DC2-F54C335198CB}"/>
               </a:ext>
             </a:extLst>
           </p:cNvPr>
@@ -6945,7 +8247,7 @@
           <p:cNvPr id="16" name="Picture 15">
             <a:extLst>
               <a:ext uri="{FF2B5EF4-FFF2-40B4-BE49-F238E27FC236}">
-                <a16:creationId xmlns="" xmlns:a16="http://schemas.microsoft.com/office/drawing/2014/main" id="{6A417BEC-11D7-CA2A-6C85-8067DE322644}"/>
+                <a16:creationId xmlns:a16="http://schemas.microsoft.com/office/drawing/2014/main" id="{6A417BEC-11D7-CA2A-6C85-8067DE322644}"/>
               </a:ext>
             </a:extLst>
           </p:cNvPr>
@@ -6982,7 +8284,7 @@
 </p:sld>
 </file>
 
-<file path=ppt/slides/slide26.xml><?xml version="1.0" encoding="utf-8"?>
+<file path=ppt/slides/slide27.xml><?xml version="1.0" encoding="utf-8"?>
 <p:sld xmlns:a="http://schemas.openxmlformats.org/drawingml/2006/main" xmlns:r="http://schemas.openxmlformats.org/officeDocument/2006/relationships" xmlns:p="http://schemas.openxmlformats.org/presentationml/2006/main">
   <p:cSld>
     <p:spTree>
@@ -7004,7 +8306,7 @@
           <p:cNvPr id="2" name="Title 1">
             <a:extLst>
               <a:ext uri="{FF2B5EF4-FFF2-40B4-BE49-F238E27FC236}">
-                <a16:creationId xmlns="" xmlns:a16="http://schemas.microsoft.com/office/drawing/2014/main" id="{855EDE46-3743-DF08-EA17-75DBAD128524}"/>
+                <a16:creationId xmlns:a16="http://schemas.microsoft.com/office/drawing/2014/main" id="{855EDE46-3743-DF08-EA17-75DBAD128524}"/>
               </a:ext>
             </a:extLst>
           </p:cNvPr>
@@ -7028,34 +8330,14 @@
           <a:lstStyle/>
           <a:p>
             <a:r>
-              <a:rPr lang="en-US" sz="3600" dirty="0" smtClean="0">
-                <a:solidFill>
-                  <a:srgbClr val="000000"/>
-                </a:solidFill>
-                <a:effectLst/>
-                <a:latin typeface="+mn-lt"/>
-              </a:rPr>
-              <a:t>Summary</a:t>
-            </a:r>
-            <a:r>
-              <a:rPr lang="en-US" sz="3600" dirty="0" smtClean="0">
+              <a:rPr lang="en-US" sz="3600" dirty="0">
                 <a:solidFill>
                   <a:srgbClr val="000000"/>
                 </a:solidFill>
                 <a:effectLst/>
                 <a:latin typeface="Helvetica Neue"/>
               </a:rPr>
-              <a:t>:</a:t>
-            </a:r>
-            <a:r>
-              <a:rPr lang="en-US" sz="1800" b="1" i="1" dirty="0">
-                <a:solidFill>
-                  <a:srgbClr val="000000"/>
-                </a:solidFill>
-                <a:effectLst/>
-                <a:latin typeface="Helvetica Neue"/>
-              </a:rPr>
-              <a:t/>
+              <a:t>Summary:</a:t>
             </a:r>
             <a:br>
               <a:rPr lang="en-US" sz="1800" b="1" i="1" dirty="0">
@@ -7095,7 +8377,7 @@
           <p:cNvPr id="3" name="Content Placeholder 2">
             <a:extLst>
               <a:ext uri="{FF2B5EF4-FFF2-40B4-BE49-F238E27FC236}">
-                <a16:creationId xmlns="" xmlns:a16="http://schemas.microsoft.com/office/drawing/2014/main" id="{BF77DAA5-3E38-A91A-582E-0E0B9597C516}"/>
+                <a16:creationId xmlns:a16="http://schemas.microsoft.com/office/drawing/2014/main" id="{BF77DAA5-3E38-A91A-582E-0E0B9597C516}"/>
               </a:ext>
             </a:extLst>
           </p:cNvPr>
@@ -7292,7 +8574,7 @@
           <p:cNvPr id="1026" name="Picture 2">
             <a:extLst>
               <a:ext uri="{FF2B5EF4-FFF2-40B4-BE49-F238E27FC236}">
-                <a16:creationId xmlns="" xmlns:a16="http://schemas.microsoft.com/office/drawing/2014/main" id="{CB123D68-9F97-5D46-4820-4D45011766D7}"/>
+                <a16:creationId xmlns:a16="http://schemas.microsoft.com/office/drawing/2014/main" id="{CB123D68-9F97-5D46-4820-4D45011766D7}"/>
               </a:ext>
             </a:extLst>
           </p:cNvPr>
@@ -7347,164 +8629,6 @@
 </p:sld>
 </file>
 
-<file path=ppt/slides/slide27.xml><?xml version="1.0" encoding="utf-8"?>
-<p:sld xmlns:a="http://schemas.openxmlformats.org/drawingml/2006/main" xmlns:r="http://schemas.openxmlformats.org/officeDocument/2006/relationships" xmlns:p="http://schemas.openxmlformats.org/presentationml/2006/main">
-  <p:cSld>
-    <p:spTree>
-      <p:nvGrpSpPr>
-        <p:cNvPr id="1" name=""/>
-        <p:cNvGrpSpPr/>
-        <p:nvPr/>
-      </p:nvGrpSpPr>
-      <p:grpSpPr>
-        <a:xfrm>
-          <a:off x="0" y="0"/>
-          <a:ext cx="0" cy="0"/>
-          <a:chOff x="0" y="0"/>
-          <a:chExt cx="0" cy="0"/>
-        </a:xfrm>
-      </p:grpSpPr>
-      <p:sp>
-        <p:nvSpPr>
-          <p:cNvPr id="2" name="Title 1"/>
-          <p:cNvSpPr>
-            <a:spLocks noGrp="1"/>
-          </p:cNvSpPr>
-          <p:nvPr>
-            <p:ph type="title"/>
-          </p:nvPr>
-        </p:nvSpPr>
-        <p:spPr/>
-        <p:txBody>
-          <a:bodyPr>
-            <a:normAutofit/>
-          </a:bodyPr>
-          <a:lstStyle/>
-          <a:p>
-            <a:pPr algn="ctr"/>
-            <a:r>
-              <a:rPr lang="en-US" sz="3600" b="1" dirty="0" smtClean="0"/>
-              <a:t>Question 5 - </a:t>
-            </a:r>
-            <a:r>
-              <a:rPr lang="en-US" sz="3600" b="1" dirty="0">
-                <a:solidFill>
-                  <a:srgbClr val="000000"/>
-                </a:solidFill>
-              </a:rPr>
-              <a:t>How do the players compare by position</a:t>
-            </a:r>
-            <a:r>
-              <a:rPr lang="en-US" sz="3600" b="1" dirty="0" smtClean="0">
-                <a:solidFill>
-                  <a:srgbClr val="000000"/>
-                </a:solidFill>
-              </a:rPr>
-              <a:t>?</a:t>
-            </a:r>
-            <a:r>
-              <a:rPr lang="en-US" sz="3600" dirty="0" smtClean="0">
-                <a:latin typeface="+mn-lt"/>
-              </a:rPr>
-              <a:t/>
-            </a:r>
-            <a:br>
-              <a:rPr lang="en-US" sz="3600" dirty="0" smtClean="0">
-                <a:latin typeface="+mn-lt"/>
-              </a:rPr>
-            </a:br>
-            <a:r>
-              <a:rPr lang="en-US" sz="3600" dirty="0" smtClean="0">
-                <a:latin typeface="+mn-lt"/>
-              </a:rPr>
-              <a:t>Guards Season Availability &amp; Scoring</a:t>
-            </a:r>
-            <a:endParaRPr lang="en-US" sz="3600" dirty="0">
-              <a:latin typeface="+mn-lt"/>
-            </a:endParaRPr>
-          </a:p>
-        </p:txBody>
-      </p:sp>
-      <p:pic>
-        <p:nvPicPr>
-          <p:cNvPr id="4" name="Picture 3" descr="Chart, bar chart, line chart&#10;&#10;Description automatically generated">
-            <a:extLst>
-              <a:ext uri="{FF2B5EF4-FFF2-40B4-BE49-F238E27FC236}">
-                <a16:creationId xmlns="" xmlns:a16="http://schemas.microsoft.com/office/drawing/2014/main" xmlns:lc="http://schemas.openxmlformats.org/drawingml/2006/lockedCanvas" id="{E23B50D8-1513-6C7B-EBF9-1D56ED7BFF1D}"/>
-              </a:ext>
-            </a:extLst>
-          </p:cNvPr>
-          <p:cNvPicPr>
-            <a:picLocks noChangeAspect="1"/>
-          </p:cNvPicPr>
-          <p:nvPr/>
-        </p:nvPicPr>
-        <p:blipFill>
-          <a:blip r:embed="rId2"/>
-          <a:stretch>
-            <a:fillRect/>
-          </a:stretch>
-        </p:blipFill>
-        <p:spPr>
-          <a:xfrm>
-            <a:off x="6200635" y="1815529"/>
-            <a:ext cx="5502415" cy="4126811"/>
-          </a:xfrm>
-          <a:prstGeom prst="rect">
-            <a:avLst/>
-          </a:prstGeom>
-        </p:spPr>
-      </p:pic>
-      <p:pic>
-        <p:nvPicPr>
-          <p:cNvPr id="5" name="Picture 4" descr="Chart, bar chart&#10;&#10;Description automatically generated">
-            <a:extLst>
-              <a:ext uri="{FF2B5EF4-FFF2-40B4-BE49-F238E27FC236}">
-                <a16:creationId xmlns="" xmlns:a16="http://schemas.microsoft.com/office/drawing/2014/main" xmlns:lc="http://schemas.openxmlformats.org/drawingml/2006/lockedCanvas" id="{850BD367-1AB1-6929-CEB1-749F32AA8B88}"/>
-              </a:ext>
-            </a:extLst>
-          </p:cNvPr>
-          <p:cNvPicPr>
-            <a:picLocks noChangeAspect="1"/>
-          </p:cNvPicPr>
-          <p:nvPr/>
-        </p:nvPicPr>
-        <p:blipFill>
-          <a:blip r:embed="rId3"/>
-          <a:stretch>
-            <a:fillRect/>
-          </a:stretch>
-        </p:blipFill>
-        <p:spPr>
-          <a:xfrm>
-            <a:off x="488950" y="1815529"/>
-            <a:ext cx="5502415" cy="4126811"/>
-          </a:xfrm>
-          <a:prstGeom prst="rect">
-            <a:avLst/>
-          </a:prstGeom>
-        </p:spPr>
-      </p:pic>
-    </p:spTree>
-    <p:extLst>
-      <p:ext uri="{BB962C8B-B14F-4D97-AF65-F5344CB8AC3E}">
-        <p14:creationId xmlns:p14="http://schemas.microsoft.com/office/powerpoint/2010/main" val="3323892395"/>
-      </p:ext>
-    </p:extLst>
-  </p:cSld>
-  <p:clrMapOvr>
-    <a:masterClrMapping/>
-  </p:clrMapOvr>
-  <p:timing>
-    <p:tnLst>
-      <p:par>
-        <p:cTn id="1" dur="indefinite" restart="never" nodeType="tmRoot"/>
-      </p:par>
-    </p:tnLst>
-  </p:timing>
-</p:sld>
-</file>
-
 <file path=ppt/slides/slide28.xml><?xml version="1.0" encoding="utf-8"?>
 <p:sld xmlns:a="http://schemas.openxmlformats.org/drawingml/2006/main" xmlns:r="http://schemas.openxmlformats.org/officeDocument/2006/relationships" xmlns:p="http://schemas.openxmlformats.org/presentationml/2006/main">
   <p:cSld>
@@ -7534,101 +8658,35 @@
         </p:nvSpPr>
         <p:spPr/>
         <p:txBody>
-          <a:bodyPr>
-            <a:normAutofit/>
-          </a:bodyPr>
-          <a:lstStyle/>
-          <a:p>
-            <a:pPr algn="ctr"/>
-            <a:r>
-              <a:rPr lang="en-US" sz="3600" dirty="0">
-                <a:latin typeface="+mn-lt"/>
-              </a:rPr>
-              <a:t>Orlando Magic Player </a:t>
-            </a:r>
-            <a:r>
-              <a:rPr lang="en-US" sz="3600" dirty="0" smtClean="0">
-                <a:latin typeface="+mn-lt"/>
-              </a:rPr>
-              <a:t>Performance</a:t>
-            </a:r>
-            <a:br>
-              <a:rPr lang="en-US" sz="3600" dirty="0" smtClean="0">
-                <a:latin typeface="+mn-lt"/>
-              </a:rPr>
-            </a:br>
-            <a:r>
-              <a:rPr lang="en-US" sz="3600" dirty="0">
-                <a:latin typeface="+mn-lt"/>
-              </a:rPr>
-              <a:t>Guards Season Shooting </a:t>
-            </a:r>
-            <a:endParaRPr lang="en-US" sz="3600" dirty="0">
-              <a:latin typeface="+mn-lt"/>
-            </a:endParaRPr>
-          </a:p>
-        </p:txBody>
-      </p:sp>
-      <p:pic>
-        <p:nvPicPr>
-          <p:cNvPr id="6" name="Picture 5" descr="Chart, scatter chart&#10;&#10;Description automatically generated">
-            <a:extLst>
-              <a:ext uri="{FF2B5EF4-FFF2-40B4-BE49-F238E27FC236}">
-                <a16:creationId xmlns="" xmlns:a16="http://schemas.microsoft.com/office/drawing/2014/main" xmlns:lc="http://schemas.openxmlformats.org/drawingml/2006/lockedCanvas" id="{0D0360FD-6AC8-67A5-931A-3C5B653F4BD0}"/>
-              </a:ext>
-            </a:extLst>
-          </p:cNvPr>
-          <p:cNvPicPr>
-            <a:picLocks noChangeAspect="1"/>
-          </p:cNvPicPr>
-          <p:nvPr/>
-        </p:nvPicPr>
-        <p:blipFill>
-          <a:blip r:embed="rId2"/>
-          <a:stretch>
-            <a:fillRect/>
-          </a:stretch>
-        </p:blipFill>
-        <p:spPr>
-          <a:xfrm>
-            <a:off x="377583" y="1897210"/>
-            <a:ext cx="5632934" cy="4224700"/>
-          </a:xfrm>
-          <a:prstGeom prst="rect">
-            <a:avLst/>
-          </a:prstGeom>
-        </p:spPr>
-      </p:pic>
-      <p:pic>
-        <p:nvPicPr>
-          <p:cNvPr id="7" name="Picture 6" descr="Chart, scatter chart&#10;&#10;Description automatically generated">
-            <a:extLst>
-              <a:ext uri="{FF2B5EF4-FFF2-40B4-BE49-F238E27FC236}">
-                <a16:creationId xmlns="" xmlns:a16="http://schemas.microsoft.com/office/drawing/2014/main" xmlns:lc="http://schemas.openxmlformats.org/drawingml/2006/lockedCanvas" id="{DE7C60EB-F4CA-5FD0-91A0-3E51E440967A}"/>
-              </a:ext>
-            </a:extLst>
-          </p:cNvPr>
-          <p:cNvPicPr>
-            <a:picLocks noChangeAspect="1"/>
-          </p:cNvPicPr>
-          <p:nvPr/>
-        </p:nvPicPr>
-        <p:blipFill>
-          <a:blip r:embed="rId3"/>
-          <a:stretch>
-            <a:fillRect/>
-          </a:stretch>
-        </p:blipFill>
-        <p:spPr>
-          <a:xfrm>
-            <a:off x="6181483" y="1897210"/>
-            <a:ext cx="5632934" cy="4224700"/>
-          </a:xfrm>
-          <a:prstGeom prst="rect">
-            <a:avLst/>
-          </a:prstGeom>
-        </p:spPr>
-      </p:pic>
+          <a:bodyPr/>
+          <a:lstStyle/>
+          <a:p>
+            <a:r>
+              <a:rPr lang="en-US" dirty="0"/>
+              <a:t>Dario</a:t>
+            </a:r>
+          </a:p>
+        </p:txBody>
+      </p:sp>
+      <p:sp>
+        <p:nvSpPr>
+          <p:cNvPr id="3" name="Content Placeholder 2"/>
+          <p:cNvSpPr>
+            <a:spLocks noGrp="1"/>
+          </p:cNvSpPr>
+          <p:nvPr>
+            <p:ph idx="1"/>
+          </p:nvPr>
+        </p:nvSpPr>
+        <p:spPr/>
+        <p:txBody>
+          <a:bodyPr/>
+          <a:lstStyle/>
+          <a:p>
+            <a:endParaRPr lang="en-US" dirty="0"/>
+          </a:p>
+        </p:txBody>
+      </p:sp>
     </p:spTree>
     <p:extLst>
       <p:ext uri="{BB962C8B-B14F-4D97-AF65-F5344CB8AC3E}">
@@ -7639,13 +8697,6 @@
   <p:clrMapOvr>
     <a:masterClrMapping/>
   </p:clrMapOvr>
-  <p:timing>
-    <p:tnLst>
-      <p:par>
-        <p:cTn id="1" dur="indefinite" restart="never" nodeType="tmRoot"/>
-      </p:par>
-    </p:tnLst>
-  </p:timing>
 </p:sld>
 </file>
 
@@ -7676,7 +8727,12 @@
             <p:ph type="title"/>
           </p:nvPr>
         </p:nvSpPr>
-        <p:spPr/>
+        <p:spPr>
+          <a:xfrm>
+            <a:off x="831850" y="239561"/>
+            <a:ext cx="10515600" cy="1427874"/>
+          </a:xfrm>
+        </p:spPr>
         <p:txBody>
           <a:bodyPr>
             <a:normAutofit/>
@@ -7685,117 +8741,62 @@
           <a:p>
             <a:pPr algn="ctr"/>
             <a:r>
-              <a:rPr lang="en-US" sz="3600" dirty="0">
-                <a:latin typeface="+mn-lt"/>
+              <a:rPr lang="en-US" dirty="0">
+                <a:solidFill>
+                  <a:prstClr val="black"/>
+                </a:solidFill>
               </a:rPr>
-              <a:t>Orlando Magic Player </a:t>
-            </a:r>
-            <a:r>
-              <a:rPr lang="en-US" sz="3600" dirty="0" smtClean="0">
-                <a:latin typeface="+mn-lt"/>
-              </a:rPr>
-              <a:t>Performance</a:t>
-            </a:r>
-            <a:r>
-              <a:rPr lang="en-US" sz="3600" dirty="0">
-                <a:latin typeface="+mn-lt"/>
-              </a:rPr>
-              <a:t/>
-            </a:r>
-            <a:br>
-              <a:rPr lang="en-US" sz="3600" dirty="0">
-                <a:latin typeface="+mn-lt"/>
-              </a:rPr>
-            </a:br>
-            <a:r>
-              <a:rPr lang="en-US" sz="3600" dirty="0">
-                <a:latin typeface="+mn-lt"/>
-              </a:rPr>
-              <a:t>Guards Season Assist to Turnover </a:t>
-            </a:r>
-            <a:endParaRPr lang="en-US" sz="3600" dirty="0">
-              <a:latin typeface="+mn-lt"/>
-            </a:endParaRPr>
-          </a:p>
-        </p:txBody>
-      </p:sp>
-      <p:pic>
-        <p:nvPicPr>
-          <p:cNvPr id="5" name="Picture 4" descr="Chart&#10;&#10;Description automatically generated">
-            <a:extLst>
-              <a:ext uri="{FF2B5EF4-FFF2-40B4-BE49-F238E27FC236}">
-                <a16:creationId xmlns="" xmlns:a16="http://schemas.microsoft.com/office/drawing/2014/main" xmlns:lc="http://schemas.openxmlformats.org/drawingml/2006/lockedCanvas" id="{C3CD0ED0-D2B2-DF57-9C1A-D39B3608DC90}"/>
-              </a:ext>
-            </a:extLst>
-          </p:cNvPr>
-          <p:cNvPicPr>
-            <a:picLocks noChangeAspect="1"/>
-          </p:cNvPicPr>
-          <p:nvPr/>
-        </p:nvPicPr>
-        <p:blipFill>
-          <a:blip r:embed="rId2"/>
-          <a:stretch>
-            <a:fillRect/>
-          </a:stretch>
-        </p:blipFill>
+              <a:t>SECTION 5</a:t>
+            </a:r>
+            <a:endParaRPr lang="en-US" sz="2400" dirty="0"/>
+          </a:p>
+        </p:txBody>
+      </p:sp>
+      <p:sp>
+        <p:nvSpPr>
+          <p:cNvPr id="3" name="Text Placeholder 2"/>
+          <p:cNvSpPr>
+            <a:spLocks noGrp="1"/>
+          </p:cNvSpPr>
+          <p:nvPr>
+            <p:ph type="body" idx="1"/>
+          </p:nvPr>
+        </p:nvSpPr>
         <p:spPr>
           <a:xfrm>
-            <a:off x="6479100" y="1962168"/>
-            <a:ext cx="4840447" cy="3630336"/>
+            <a:off x="831850" y="1721225"/>
+            <a:ext cx="10515600" cy="1110875"/>
           </a:xfrm>
-          <a:prstGeom prst="rect">
-            <a:avLst/>
-          </a:prstGeom>
         </p:spPr>
-      </p:pic>
-      <p:pic>
-        <p:nvPicPr>
-          <p:cNvPr id="8" name="Picture 7" descr="Chart, bar chart&#10;&#10;Description automatically generated">
-            <a:extLst>
-              <a:ext uri="{FF2B5EF4-FFF2-40B4-BE49-F238E27FC236}">
-                <a16:creationId xmlns="" xmlns:a16="http://schemas.microsoft.com/office/drawing/2014/main" xmlns:lc="http://schemas.openxmlformats.org/drawingml/2006/lockedCanvas" id="{A523EC52-1DA7-4D72-4D47-FAF134A6BB46}"/>
-              </a:ext>
-            </a:extLst>
-          </p:cNvPr>
-          <p:cNvPicPr>
-            <a:picLocks noChangeAspect="1"/>
-          </p:cNvPicPr>
-          <p:nvPr/>
-        </p:nvPicPr>
-        <p:blipFill>
-          <a:blip r:embed="rId3"/>
-          <a:stretch>
-            <a:fillRect/>
-          </a:stretch>
-        </p:blipFill>
-        <p:spPr>
-          <a:xfrm>
-            <a:off x="872454" y="1962168"/>
-            <a:ext cx="4840447" cy="3630335"/>
-          </a:xfrm>
-          <a:prstGeom prst="rect">
-            <a:avLst/>
-          </a:prstGeom>
-        </p:spPr>
-      </p:pic>
+        <p:txBody>
+          <a:bodyPr>
+            <a:noAutofit/>
+          </a:bodyPr>
+          <a:lstStyle/>
+          <a:p>
+            <a:pPr algn="ctr"/>
+            <a:r>
+              <a:rPr lang="en-US" sz="2800" dirty="0">
+                <a:solidFill>
+                  <a:srgbClr val="2B2B2B"/>
+                </a:solidFill>
+              </a:rPr>
+              <a:t>Implications of the findings/next steps</a:t>
+            </a:r>
+            <a:endParaRPr lang="en-US" sz="2800" dirty="0"/>
+          </a:p>
+        </p:txBody>
+      </p:sp>
     </p:spTree>
     <p:extLst>
       <p:ext uri="{BB962C8B-B14F-4D97-AF65-F5344CB8AC3E}">
-        <p14:creationId xmlns:p14="http://schemas.microsoft.com/office/powerpoint/2010/main" val="2523354647"/>
+        <p14:creationId xmlns:p14="http://schemas.microsoft.com/office/powerpoint/2010/main" val="3968192572"/>
       </p:ext>
     </p:extLst>
   </p:cSld>
   <p:clrMapOvr>
     <a:masterClrMapping/>
   </p:clrMapOvr>
-  <p:timing>
-    <p:tnLst>
-      <p:par>
-        <p:cTn id="1" dur="indefinite" restart="never" nodeType="tmRoot"/>
-      </p:par>
-    </p:tnLst>
-  </p:timing>
 </p:sld>
 </file>
 
@@ -7833,10 +8834,9 @@
           <a:p>
             <a:pPr algn="ctr"/>
             <a:r>
-              <a:rPr lang="en-US" dirty="0" smtClean="0"/>
+              <a:rPr lang="en-US" dirty="0"/>
               <a:t>Project Overview</a:t>
             </a:r>
-            <a:endParaRPr lang="en-US" dirty="0"/>
           </a:p>
         </p:txBody>
       </p:sp>
@@ -7866,10 +8866,9 @@
               <a:buNone/>
             </a:pPr>
             <a:r>
-              <a:rPr lang="en-US" sz="1800" dirty="0" smtClean="0"/>
+              <a:rPr lang="en-US" sz="1800" dirty="0"/>
               <a:t>The Orlando Magic has contracted this group to perform an EDA to look into key performance indicators (KPIs) to determine areas of play that need improvement so the Magic can become a winning team. The group quickly put together a list of questions to look into some of the more popular indicators known throughout the basketball industry.  One motivational factor about this project is that the Magic is local to the Orlando area and an improvement in their performance would help drive fan support. </a:t>
             </a:r>
-            <a:endParaRPr lang="en-US" sz="1800" dirty="0"/>
           </a:p>
           <a:p>
             <a:endParaRPr lang="en-US" sz="1800" dirty="0"/>
@@ -7880,21 +8879,8 @@
             </a:pPr>
             <a:r>
               <a:rPr lang="en-US" sz="1800" dirty="0"/>
-              <a:t>    1. Is there a correlation between </a:t>
-            </a:r>
-            <a:r>
-              <a:rPr lang="en-US" sz="1800" dirty="0" smtClean="0"/>
-              <a:t>regular season and playoff </a:t>
-            </a:r>
-            <a:r>
-              <a:rPr lang="en-US" sz="1800" dirty="0"/>
-              <a:t>winning </a:t>
-            </a:r>
-            <a:r>
-              <a:rPr lang="en-US" sz="1800" dirty="0" smtClean="0"/>
-              <a:t>percentage?</a:t>
-            </a:r>
-            <a:endParaRPr lang="en-US" sz="1800" dirty="0"/>
+              <a:t>    1. Is there a correlation between regular season and playoff winning percentage?</a:t>
+            </a:r>
           </a:p>
           <a:p>
             <a:pPr marL="0" indent="0">
@@ -7910,12 +8896,8 @@
               <a:buNone/>
             </a:pPr>
             <a:r>
-              <a:rPr lang="en-US" sz="1800" dirty="0" smtClean="0"/>
-              <a:t>    </a:t>
-            </a:r>
-            <a:r>
               <a:rPr lang="en-US" sz="1800" dirty="0"/>
-              <a:t>3. How does the Orlando Magic, as a team, compare to other teams in the league and the league as a whole?</a:t>
+              <a:t>    3. How does the Orlando Magic, as a team, compare to other teams in the league and the league as a whole?</a:t>
             </a:r>
           </a:p>
           <a:p>
@@ -7929,24 +8911,8 @@
               <a:buNone/>
             </a:pPr>
             <a:r>
-              <a:rPr lang="en-US" sz="1800" dirty="0" smtClean="0"/>
-              <a:t>    </a:t>
-            </a:r>
-            <a:r>
               <a:rPr lang="en-US" sz="1800" dirty="0"/>
-              <a:t>4. </a:t>
-            </a:r>
-            <a:r>
-              <a:rPr lang="en-US" sz="1800" dirty="0" smtClean="0"/>
-              <a:t>W</a:t>
-            </a:r>
-            <a:r>
-              <a:rPr lang="en-US" sz="1800" dirty="0" smtClean="0">
-                <a:solidFill>
-                  <a:srgbClr val="000000"/>
-                </a:solidFill>
-              </a:rPr>
-              <a:t>hich </a:t>
+              <a:t>    4. W</a:t>
             </a:r>
             <a:r>
               <a:rPr lang="en-US" sz="1800" dirty="0">
@@ -7954,47 +8920,7 @@
                   <a:srgbClr val="000000"/>
                 </a:solidFill>
               </a:rPr>
-              <a:t>KPIs most closely </a:t>
-            </a:r>
-            <a:r>
-              <a:rPr lang="en-US" sz="1800" dirty="0" smtClean="0">
-                <a:solidFill>
-                  <a:srgbClr val="000000"/>
-                </a:solidFill>
-              </a:rPr>
-              <a:t>relate </a:t>
-            </a:r>
-            <a:r>
-              <a:rPr lang="en-US" sz="1800" dirty="0">
-                <a:solidFill>
-                  <a:srgbClr val="000000"/>
-                </a:solidFill>
-              </a:rPr>
-              <a:t>to wins for the Orlando Magic Team in the 2022 </a:t>
-            </a:r>
-            <a:r>
-              <a:rPr lang="en-US" sz="1800" dirty="0" smtClean="0">
-                <a:solidFill>
-                  <a:srgbClr val="000000"/>
-                </a:solidFill>
-              </a:rPr>
-              <a:t>- 2023 </a:t>
-            </a:r>
-            <a:r>
-              <a:rPr lang="en-US" sz="1800" dirty="0" smtClean="0">
-                <a:solidFill>
-                  <a:srgbClr val="000000"/>
-                </a:solidFill>
-              </a:rPr>
-              <a:t>Games?</a:t>
-            </a:r>
-            <a:r>
-              <a:rPr lang="en-US" sz="1800" b="1" i="1" dirty="0">
-                <a:solidFill>
-                  <a:srgbClr val="000000"/>
-                </a:solidFill>
-              </a:rPr>
-              <a:t/>
+              <a:t>hich KPIs most closely relate to wins for the Orlando Magic Team in the 2022 - 2023 Games</a:t>
             </a:r>
             <a:br>
               <a:rPr lang="en-US" sz="1800" b="1" i="1" dirty="0">
@@ -8004,18 +8930,9 @@
               </a:rPr>
             </a:br>
             <a:r>
-              <a:rPr lang="en-US" sz="1800" dirty="0" smtClean="0"/>
-              <a:t>    </a:t>
-            </a:r>
-            <a:r>
               <a:rPr lang="en-US" sz="1800" dirty="0"/>
-              <a:t>5. </a:t>
-            </a:r>
-            <a:r>
-              <a:rPr lang="en-US" sz="1800" dirty="0" smtClean="0"/>
-              <a:t>How do the players compare by position?</a:t>
-            </a:r>
-            <a:endParaRPr lang="en-US" sz="1800" dirty="0"/>
+              <a:t>    5. Is there a question 5</a:t>
+            </a:r>
           </a:p>
           <a:p>
             <a:pPr marL="0" indent="0">
@@ -8038,13 +8955,6 @@
   <p:clrMapOvr>
     <a:masterClrMapping/>
   </p:clrMapOvr>
-  <p:timing>
-    <p:tnLst>
-      <p:par>
-        <p:cTn id="1" dur="indefinite" restart="never" nodeType="tmRoot"/>
-      </p:par>
-    </p:tnLst>
-  </p:timing>
 </p:sld>
 </file>
 
@@ -8077,94 +8987,67 @@
         </p:nvSpPr>
         <p:spPr/>
         <p:txBody>
-          <a:bodyPr>
-            <a:normAutofit/>
-          </a:bodyPr>
+          <a:bodyPr/>
           <a:lstStyle/>
           <a:p>
             <a:pPr algn="ctr"/>
             <a:r>
-              <a:rPr lang="en-US" sz="3600" dirty="0">
-                <a:latin typeface="+mn-lt"/>
-              </a:rPr>
-              <a:t>Orlando Magic Player </a:t>
-            </a:r>
-            <a:r>
-              <a:rPr lang="en-US" sz="3600" dirty="0" smtClean="0">
-                <a:latin typeface="+mn-lt"/>
-              </a:rPr>
-              <a:t>Performance</a:t>
-            </a:r>
-            <a:r>
-              <a:rPr lang="en-US" sz="3600" dirty="0">
-                <a:latin typeface="+mn-lt"/>
-              </a:rPr>
-              <a:t/>
-            </a:r>
-            <a:br>
-              <a:rPr lang="en-US" sz="3600" dirty="0">
-                <a:latin typeface="+mn-lt"/>
-              </a:rPr>
-            </a:br>
-            <a:r>
-              <a:rPr lang="en-US" sz="3600" dirty="0">
-                <a:latin typeface="+mn-lt"/>
-              </a:rPr>
-              <a:t>Guards Season Plus-Minus </a:t>
-            </a:r>
-            <a:endParaRPr lang="en-US" sz="3600" dirty="0">
-              <a:latin typeface="+mn-lt"/>
-            </a:endParaRPr>
-          </a:p>
-        </p:txBody>
-      </p:sp>
-      <p:pic>
-        <p:nvPicPr>
-          <p:cNvPr id="6" name="Picture 5" descr="Chart, scatter chart&#10;&#10;Description automatically generated">
-            <a:extLst>
-              <a:ext uri="{FF2B5EF4-FFF2-40B4-BE49-F238E27FC236}">
-                <a16:creationId xmlns="" xmlns:a16="http://schemas.microsoft.com/office/drawing/2014/main" xmlns:lc="http://schemas.openxmlformats.org/drawingml/2006/lockedCanvas" id="{3AB3570F-359C-883B-EEA9-58CFA8FFF062}"/>
-              </a:ext>
-            </a:extLst>
-          </p:cNvPr>
-          <p:cNvPicPr>
-            <a:picLocks noChangeAspect="1"/>
-          </p:cNvPicPr>
-          <p:nvPr/>
-        </p:nvPicPr>
-        <p:blipFill>
-          <a:blip r:embed="rId2"/>
-          <a:stretch>
-            <a:fillRect/>
-          </a:stretch>
-        </p:blipFill>
+              <a:rPr lang="en-US" sz="3600" b="1" dirty="0"/>
+              <a:t>Question 1 – Regular Season vs Playoff Percentage</a:t>
+            </a:r>
+            <a:endParaRPr lang="en-US" dirty="0"/>
+          </a:p>
+        </p:txBody>
+      </p:sp>
+      <p:sp>
+        <p:nvSpPr>
+          <p:cNvPr id="3" name="Content Placeholder 2"/>
+          <p:cNvSpPr>
+            <a:spLocks noGrp="1"/>
+          </p:cNvSpPr>
+          <p:nvPr>
+            <p:ph idx="1"/>
+          </p:nvPr>
+        </p:nvSpPr>
         <p:spPr>
           <a:xfrm>
-            <a:off x="2882454" y="1759055"/>
-            <a:ext cx="6427092" cy="4820319"/>
+            <a:off x="838200" y="1825625"/>
+            <a:ext cx="10515600" cy="3343275"/>
           </a:xfrm>
-          <a:prstGeom prst="rect">
-            <a:avLst/>
-          </a:prstGeom>
         </p:spPr>
-      </p:pic>
+        <p:txBody>
+          <a:bodyPr/>
+          <a:lstStyle/>
+          <a:p>
+            <a:r>
+              <a:rPr lang="en-US" dirty="0"/>
+              <a:t>The correlation of season winning percentage versus playoff winning percentage is important because the regular season winning percentage determines home court advantage throughout the playoffs.</a:t>
+            </a:r>
+          </a:p>
+          <a:p>
+            <a:r>
+              <a:rPr lang="en-US" dirty="0"/>
+              <a:t> Statistics show the team with the home court advantage has won 53 of 74 championships, or 71.6% of the time. </a:t>
+            </a:r>
+          </a:p>
+          <a:p>
+            <a:r>
+              <a:rPr lang="en-US" dirty="0"/>
+              <a:t>There are no next steps with regard to this KPI</a:t>
+            </a:r>
+          </a:p>
+        </p:txBody>
+      </p:sp>
     </p:spTree>
     <p:extLst>
       <p:ext uri="{BB962C8B-B14F-4D97-AF65-F5344CB8AC3E}">
-        <p14:creationId xmlns:p14="http://schemas.microsoft.com/office/powerpoint/2010/main" val="1459949651"/>
+        <p14:creationId xmlns:p14="http://schemas.microsoft.com/office/powerpoint/2010/main" val="3669989009"/>
       </p:ext>
     </p:extLst>
   </p:cSld>
   <p:clrMapOvr>
     <a:masterClrMapping/>
   </p:clrMapOvr>
-  <p:timing>
-    <p:tnLst>
-      <p:par>
-        <p:cTn id="1" dur="indefinite" restart="never" nodeType="tmRoot"/>
-      </p:par>
-    </p:tnLst>
-  </p:timing>
 </p:sld>
 </file>
 
@@ -8197,124 +9080,45 @@
         </p:nvSpPr>
         <p:spPr/>
         <p:txBody>
-          <a:bodyPr>
-            <a:normAutofit/>
-          </a:bodyPr>
-          <a:lstStyle/>
-          <a:p>
-            <a:pPr algn="ctr"/>
-            <a:r>
-              <a:rPr lang="en-US" sz="3600" dirty="0">
-                <a:latin typeface="+mn-lt"/>
-              </a:rPr>
-              <a:t>Orlando Magic Player </a:t>
-            </a:r>
-            <a:r>
-              <a:rPr lang="en-US" sz="3600" dirty="0" smtClean="0">
-                <a:latin typeface="+mn-lt"/>
-              </a:rPr>
-              <a:t>Performance</a:t>
-            </a:r>
-            <a:r>
-              <a:rPr lang="en-US" sz="3600" dirty="0">
-                <a:latin typeface="+mn-lt"/>
-              </a:rPr>
-              <a:t/>
-            </a:r>
-            <a:br>
-              <a:rPr lang="en-US" sz="3600" dirty="0">
-                <a:latin typeface="+mn-lt"/>
-              </a:rPr>
-            </a:br>
-            <a:r>
-              <a:rPr lang="en-US" sz="3600" dirty="0">
-                <a:latin typeface="+mn-lt"/>
-              </a:rPr>
-              <a:t>Forwards Season Availability &amp; Scoring </a:t>
-            </a:r>
-            <a:endParaRPr lang="en-US" sz="3600" dirty="0">
-              <a:latin typeface="+mn-lt"/>
-            </a:endParaRPr>
-          </a:p>
-        </p:txBody>
-      </p:sp>
-      <p:pic>
-        <p:nvPicPr>
-          <p:cNvPr id="4" name="Picture 3" descr="Chart, bar chart&#10;&#10;Description automatically generated">
-            <a:extLst>
-              <a:ext uri="{FF2B5EF4-FFF2-40B4-BE49-F238E27FC236}">
-                <a16:creationId xmlns="" xmlns:a16="http://schemas.microsoft.com/office/drawing/2014/main" xmlns:lc="http://schemas.openxmlformats.org/drawingml/2006/lockedCanvas" id="{5B2721FE-7138-0CD6-D338-F7F5F1BA3614}"/>
-              </a:ext>
-            </a:extLst>
-          </p:cNvPr>
-          <p:cNvPicPr>
-            <a:picLocks noChangeAspect="1"/>
-          </p:cNvPicPr>
-          <p:nvPr/>
-        </p:nvPicPr>
-        <p:blipFill>
-          <a:blip r:embed="rId2"/>
-          <a:stretch>
-            <a:fillRect/>
-          </a:stretch>
-        </p:blipFill>
-        <p:spPr>
-          <a:xfrm>
-            <a:off x="6633538" y="2046593"/>
-            <a:ext cx="5163150" cy="3872363"/>
-          </a:xfrm>
-          <a:prstGeom prst="rect">
-            <a:avLst/>
-          </a:prstGeom>
-        </p:spPr>
-      </p:pic>
-      <p:pic>
-        <p:nvPicPr>
-          <p:cNvPr id="5" name="Picture 4" descr="Chart, bar chart&#10;&#10;Description automatically generated">
-            <a:extLst>
-              <a:ext uri="{FF2B5EF4-FFF2-40B4-BE49-F238E27FC236}">
-                <a16:creationId xmlns="" xmlns:a16="http://schemas.microsoft.com/office/drawing/2014/main" xmlns:lc="http://schemas.openxmlformats.org/drawingml/2006/lockedCanvas" id="{C31BFD2B-54AD-B013-0887-A6BBAC84F1D1}"/>
-              </a:ext>
-            </a:extLst>
-          </p:cNvPr>
-          <p:cNvPicPr>
-            <a:picLocks noChangeAspect="1"/>
-          </p:cNvPicPr>
-          <p:nvPr/>
-        </p:nvPicPr>
-        <p:blipFill>
-          <a:blip r:embed="rId3"/>
-          <a:stretch>
-            <a:fillRect/>
-          </a:stretch>
-        </p:blipFill>
-        <p:spPr>
-          <a:xfrm>
-            <a:off x="395312" y="1979481"/>
-            <a:ext cx="5336136" cy="4002102"/>
-          </a:xfrm>
-          <a:prstGeom prst="rect">
-            <a:avLst/>
-          </a:prstGeom>
-        </p:spPr>
-      </p:pic>
+          <a:bodyPr/>
+          <a:lstStyle/>
+          <a:p>
+            <a:r>
+              <a:rPr lang="en-US" dirty="0"/>
+              <a:t>Dario</a:t>
+            </a:r>
+          </a:p>
+        </p:txBody>
+      </p:sp>
+      <p:sp>
+        <p:nvSpPr>
+          <p:cNvPr id="3" name="Content Placeholder 2"/>
+          <p:cNvSpPr>
+            <a:spLocks noGrp="1"/>
+          </p:cNvSpPr>
+          <p:nvPr>
+            <p:ph idx="1"/>
+          </p:nvPr>
+        </p:nvSpPr>
+        <p:spPr/>
+        <p:txBody>
+          <a:bodyPr/>
+          <a:lstStyle/>
+          <a:p>
+            <a:endParaRPr lang="en-US" dirty="0"/>
+          </a:p>
+        </p:txBody>
+      </p:sp>
     </p:spTree>
     <p:extLst>
       <p:ext uri="{BB962C8B-B14F-4D97-AF65-F5344CB8AC3E}">
-        <p14:creationId xmlns:p14="http://schemas.microsoft.com/office/powerpoint/2010/main" val="1356936786"/>
+        <p14:creationId xmlns:p14="http://schemas.microsoft.com/office/powerpoint/2010/main" val="3628214694"/>
       </p:ext>
     </p:extLst>
   </p:cSld>
   <p:clrMapOvr>
     <a:masterClrMapping/>
   </p:clrMapOvr>
-  <p:timing>
-    <p:tnLst>
-      <p:par>
-        <p:cTn id="1" dur="indefinite" restart="never" nodeType="tmRoot"/>
-      </p:par>
-    </p:tnLst>
-  </p:timing>
 </p:sld>
 </file>
 
@@ -8347,124 +9151,45 @@
         </p:nvSpPr>
         <p:spPr/>
         <p:txBody>
-          <a:bodyPr>
-            <a:normAutofit/>
-          </a:bodyPr>
-          <a:lstStyle/>
-          <a:p>
-            <a:pPr algn="ctr"/>
-            <a:r>
-              <a:rPr lang="en-US" sz="3600" dirty="0">
-                <a:latin typeface="+mn-lt"/>
-              </a:rPr>
-              <a:t>Orlando Magic Player </a:t>
-            </a:r>
-            <a:r>
-              <a:rPr lang="en-US" sz="3600" dirty="0" smtClean="0">
-                <a:latin typeface="+mn-lt"/>
-              </a:rPr>
-              <a:t>Performance</a:t>
-            </a:r>
-            <a:r>
-              <a:rPr lang="en-US" sz="3600" dirty="0">
-                <a:latin typeface="+mn-lt"/>
-              </a:rPr>
-              <a:t/>
-            </a:r>
-            <a:br>
-              <a:rPr lang="en-US" sz="3600" dirty="0">
-                <a:latin typeface="+mn-lt"/>
-              </a:rPr>
-            </a:br>
-            <a:r>
-              <a:rPr lang="en-US" sz="3600" dirty="0">
-                <a:latin typeface="+mn-lt"/>
-              </a:rPr>
-              <a:t>Forwards Season Shooting</a:t>
-            </a:r>
-            <a:endParaRPr lang="en-US" sz="3600" dirty="0">
-              <a:latin typeface="+mn-lt"/>
-            </a:endParaRPr>
-          </a:p>
-        </p:txBody>
-      </p:sp>
-      <p:pic>
-        <p:nvPicPr>
-          <p:cNvPr id="8" name="Picture 7" descr="Chart, scatter chart&#10;&#10;Description automatically generated">
-            <a:extLst>
-              <a:ext uri="{FF2B5EF4-FFF2-40B4-BE49-F238E27FC236}">
-                <a16:creationId xmlns="" xmlns:a16="http://schemas.microsoft.com/office/drawing/2014/main" xmlns:lc="http://schemas.openxmlformats.org/drawingml/2006/lockedCanvas" id="{D72761C1-61A1-E950-650E-5E7997B44DD1}"/>
-              </a:ext>
-            </a:extLst>
-          </p:cNvPr>
-          <p:cNvPicPr>
-            <a:picLocks noChangeAspect="1"/>
-          </p:cNvPicPr>
-          <p:nvPr/>
-        </p:nvPicPr>
-        <p:blipFill>
-          <a:blip r:embed="rId2"/>
-          <a:stretch>
-            <a:fillRect/>
-          </a:stretch>
-        </p:blipFill>
-        <p:spPr>
-          <a:xfrm>
-            <a:off x="6353537" y="1969233"/>
-            <a:ext cx="5518281" cy="4138711"/>
-          </a:xfrm>
-          <a:prstGeom prst="rect">
-            <a:avLst/>
-          </a:prstGeom>
-        </p:spPr>
-      </p:pic>
-      <p:pic>
-        <p:nvPicPr>
-          <p:cNvPr id="9" name="Picture 8" descr="Chart, scatter chart&#10;&#10;Description automatically generated">
-            <a:extLst>
-              <a:ext uri="{FF2B5EF4-FFF2-40B4-BE49-F238E27FC236}">
-                <a16:creationId xmlns="" xmlns:a16="http://schemas.microsoft.com/office/drawing/2014/main" xmlns:lc="http://schemas.openxmlformats.org/drawingml/2006/lockedCanvas" id="{15B5DCED-0D3E-8E61-D3EA-E78EE033E5D8}"/>
-              </a:ext>
-            </a:extLst>
-          </p:cNvPr>
-          <p:cNvPicPr>
-            <a:picLocks noChangeAspect="1"/>
-          </p:cNvPicPr>
-          <p:nvPr/>
-        </p:nvPicPr>
-        <p:blipFill>
-          <a:blip r:embed="rId3"/>
-          <a:stretch>
-            <a:fillRect/>
-          </a:stretch>
-        </p:blipFill>
-        <p:spPr>
-          <a:xfrm>
-            <a:off x="320181" y="1969233"/>
-            <a:ext cx="5518281" cy="4138711"/>
-          </a:xfrm>
-          <a:prstGeom prst="rect">
-            <a:avLst/>
-          </a:prstGeom>
-        </p:spPr>
-      </p:pic>
+          <a:bodyPr/>
+          <a:lstStyle/>
+          <a:p>
+            <a:r>
+              <a:rPr lang="en-US" dirty="0"/>
+              <a:t>Jessica	</a:t>
+            </a:r>
+          </a:p>
+        </p:txBody>
+      </p:sp>
+      <p:sp>
+        <p:nvSpPr>
+          <p:cNvPr id="4" name="Content Placeholder 3"/>
+          <p:cNvSpPr>
+            <a:spLocks noGrp="1"/>
+          </p:cNvSpPr>
+          <p:nvPr>
+            <p:ph idx="1"/>
+          </p:nvPr>
+        </p:nvSpPr>
+        <p:spPr/>
+        <p:txBody>
+          <a:bodyPr/>
+          <a:lstStyle/>
+          <a:p>
+            <a:endParaRPr lang="en-US"/>
+          </a:p>
+        </p:txBody>
+      </p:sp>
     </p:spTree>
     <p:extLst>
       <p:ext uri="{BB962C8B-B14F-4D97-AF65-F5344CB8AC3E}">
-        <p14:creationId xmlns:p14="http://schemas.microsoft.com/office/powerpoint/2010/main" val="662028970"/>
+        <p14:creationId xmlns:p14="http://schemas.microsoft.com/office/powerpoint/2010/main" val="4112603086"/>
       </p:ext>
     </p:extLst>
   </p:cSld>
   <p:clrMapOvr>
     <a:masterClrMapping/>
   </p:clrMapOvr>
-  <p:timing>
-    <p:tnLst>
-      <p:par>
-        <p:cTn id="1" dur="indefinite" restart="never" nodeType="tmRoot"/>
-      </p:par>
-    </p:tnLst>
-  </p:timing>
 </p:sld>
 </file>
 
@@ -8497,124 +9222,45 @@
         </p:nvSpPr>
         <p:spPr/>
         <p:txBody>
-          <a:bodyPr>
-            <a:normAutofit/>
-          </a:bodyPr>
-          <a:lstStyle/>
-          <a:p>
-            <a:pPr algn="ctr"/>
-            <a:r>
-              <a:rPr lang="en-US" sz="3600" dirty="0">
-                <a:latin typeface="+mn-lt"/>
-              </a:rPr>
-              <a:t>Orlando Magic Player </a:t>
-            </a:r>
-            <a:r>
-              <a:rPr lang="en-US" sz="3600" dirty="0" smtClean="0">
-                <a:latin typeface="+mn-lt"/>
-              </a:rPr>
-              <a:t>Performance</a:t>
-            </a:r>
-            <a:r>
-              <a:rPr lang="en-US" sz="3600" dirty="0">
-                <a:latin typeface="+mn-lt"/>
-              </a:rPr>
-              <a:t/>
-            </a:r>
-            <a:br>
-              <a:rPr lang="en-US" sz="3600" dirty="0">
-                <a:latin typeface="+mn-lt"/>
-              </a:rPr>
-            </a:br>
-            <a:r>
-              <a:rPr lang="en-US" sz="3600" dirty="0">
-                <a:latin typeface="+mn-lt"/>
-              </a:rPr>
-              <a:t>Forwards Season Scoring ( Outside of Field Goals)</a:t>
-            </a:r>
-            <a:endParaRPr lang="en-US" sz="3600" dirty="0">
-              <a:latin typeface="+mn-lt"/>
-            </a:endParaRPr>
-          </a:p>
-        </p:txBody>
-      </p:sp>
-      <p:pic>
-        <p:nvPicPr>
-          <p:cNvPr id="5" name="Picture 4" descr="Chart, scatter chart&#10;&#10;Description automatically generated">
-            <a:extLst>
-              <a:ext uri="{FF2B5EF4-FFF2-40B4-BE49-F238E27FC236}">
-                <a16:creationId xmlns="" xmlns:a16="http://schemas.microsoft.com/office/drawing/2014/main" xmlns:lc="http://schemas.openxmlformats.org/drawingml/2006/lockedCanvas" id="{CC40F066-0F6E-0172-FD4E-60489225A973}"/>
-              </a:ext>
-            </a:extLst>
-          </p:cNvPr>
-          <p:cNvPicPr>
-            <a:picLocks noChangeAspect="1"/>
-          </p:cNvPicPr>
-          <p:nvPr/>
-        </p:nvPicPr>
-        <p:blipFill>
-          <a:blip r:embed="rId2"/>
-          <a:stretch>
-            <a:fillRect/>
-          </a:stretch>
-        </p:blipFill>
-        <p:spPr>
-          <a:xfrm>
-            <a:off x="590549" y="2049595"/>
-            <a:ext cx="5149167" cy="3861875"/>
-          </a:xfrm>
-          <a:prstGeom prst="rect">
-            <a:avLst/>
-          </a:prstGeom>
-        </p:spPr>
-      </p:pic>
-      <p:pic>
-        <p:nvPicPr>
-          <p:cNvPr id="6" name="Picture 5" descr="Chart&#10;&#10;Description automatically generated">
-            <a:extLst>
-              <a:ext uri="{FF2B5EF4-FFF2-40B4-BE49-F238E27FC236}">
-                <a16:creationId xmlns="" xmlns:a16="http://schemas.microsoft.com/office/drawing/2014/main" xmlns:lc="http://schemas.openxmlformats.org/drawingml/2006/lockedCanvas" id="{201A28C1-A2AE-6E00-7A74-482DD7ABFE1B}"/>
-              </a:ext>
-            </a:extLst>
-          </p:cNvPr>
-          <p:cNvPicPr>
-            <a:picLocks noChangeAspect="1"/>
-          </p:cNvPicPr>
-          <p:nvPr/>
-        </p:nvPicPr>
-        <p:blipFill>
-          <a:blip r:embed="rId3"/>
-          <a:stretch>
-            <a:fillRect/>
-          </a:stretch>
-        </p:blipFill>
-        <p:spPr>
-          <a:xfrm>
-            <a:off x="6452284" y="2049595"/>
-            <a:ext cx="5149166" cy="3861875"/>
-          </a:xfrm>
-          <a:prstGeom prst="rect">
-            <a:avLst/>
-          </a:prstGeom>
-        </p:spPr>
-      </p:pic>
+          <a:bodyPr/>
+          <a:lstStyle/>
+          <a:p>
+            <a:r>
+              <a:rPr lang="en-US" dirty="0"/>
+              <a:t>Candace</a:t>
+            </a:r>
+          </a:p>
+        </p:txBody>
+      </p:sp>
+      <p:sp>
+        <p:nvSpPr>
+          <p:cNvPr id="4" name="Content Placeholder 3"/>
+          <p:cNvSpPr>
+            <a:spLocks noGrp="1"/>
+          </p:cNvSpPr>
+          <p:nvPr>
+            <p:ph idx="1"/>
+          </p:nvPr>
+        </p:nvSpPr>
+        <p:spPr/>
+        <p:txBody>
+          <a:bodyPr/>
+          <a:lstStyle/>
+          <a:p>
+            <a:endParaRPr lang="en-US"/>
+          </a:p>
+        </p:txBody>
+      </p:sp>
     </p:spTree>
     <p:extLst>
       <p:ext uri="{BB962C8B-B14F-4D97-AF65-F5344CB8AC3E}">
-        <p14:creationId xmlns:p14="http://schemas.microsoft.com/office/powerpoint/2010/main" val="2142230228"/>
+        <p14:creationId xmlns:p14="http://schemas.microsoft.com/office/powerpoint/2010/main" val="2593243344"/>
       </p:ext>
     </p:extLst>
   </p:cSld>
   <p:clrMapOvr>
     <a:masterClrMapping/>
   </p:clrMapOvr>
-  <p:timing>
-    <p:tnLst>
-      <p:par>
-        <p:cTn id="1" dur="indefinite" restart="never" nodeType="tmRoot"/>
-      </p:par>
-    </p:tnLst>
-  </p:timing>
 </p:sld>
 </file>
 
@@ -8647,124 +9293,45 @@
         </p:nvSpPr>
         <p:spPr/>
         <p:txBody>
-          <a:bodyPr>
-            <a:normAutofit/>
-          </a:bodyPr>
-          <a:lstStyle/>
-          <a:p>
-            <a:pPr algn="ctr"/>
-            <a:r>
-              <a:rPr lang="en-US" sz="3600" dirty="0">
-                <a:latin typeface="+mn-lt"/>
-              </a:rPr>
-              <a:t>Orlando Magic Player </a:t>
-            </a:r>
-            <a:r>
-              <a:rPr lang="en-US" sz="3600" dirty="0" smtClean="0">
-                <a:latin typeface="+mn-lt"/>
-              </a:rPr>
-              <a:t>Performance</a:t>
-            </a:r>
-            <a:r>
-              <a:rPr lang="en-US" sz="3600" dirty="0">
-                <a:latin typeface="+mn-lt"/>
-              </a:rPr>
-              <a:t/>
-            </a:r>
-            <a:br>
-              <a:rPr lang="en-US" sz="3600" dirty="0">
-                <a:latin typeface="+mn-lt"/>
-              </a:rPr>
-            </a:br>
-            <a:r>
-              <a:rPr lang="en-US" sz="3600" dirty="0">
-                <a:latin typeface="+mn-lt"/>
-              </a:rPr>
-              <a:t>Forwards Season Plus-Minus</a:t>
-            </a:r>
-            <a:endParaRPr lang="en-US" sz="3600" dirty="0">
-              <a:latin typeface="+mn-lt"/>
-            </a:endParaRPr>
-          </a:p>
-        </p:txBody>
-      </p:sp>
-      <p:pic>
-        <p:nvPicPr>
-          <p:cNvPr id="5" name="Picture 4" descr="Chart, scatter chart&#10;&#10;Description automatically generated">
-            <a:extLst>
-              <a:ext uri="{FF2B5EF4-FFF2-40B4-BE49-F238E27FC236}">
-                <a16:creationId xmlns="" xmlns:a16="http://schemas.microsoft.com/office/drawing/2014/main" xmlns:lc="http://schemas.openxmlformats.org/drawingml/2006/lockedCanvas" id="{CC40F066-0F6E-0172-FD4E-60489225A973}"/>
-              </a:ext>
-            </a:extLst>
-          </p:cNvPr>
-          <p:cNvPicPr>
-            <a:picLocks noChangeAspect="1"/>
-          </p:cNvPicPr>
-          <p:nvPr/>
-        </p:nvPicPr>
-        <p:blipFill>
-          <a:blip r:embed="rId2"/>
-          <a:stretch>
-            <a:fillRect/>
-          </a:stretch>
-        </p:blipFill>
-        <p:spPr>
-          <a:xfrm>
-            <a:off x="590549" y="2049595"/>
-            <a:ext cx="5149167" cy="3861875"/>
-          </a:xfrm>
-          <a:prstGeom prst="rect">
-            <a:avLst/>
-          </a:prstGeom>
-        </p:spPr>
-      </p:pic>
-      <p:pic>
-        <p:nvPicPr>
-          <p:cNvPr id="6" name="Picture 5" descr="Chart&#10;&#10;Description automatically generated">
-            <a:extLst>
-              <a:ext uri="{FF2B5EF4-FFF2-40B4-BE49-F238E27FC236}">
-                <a16:creationId xmlns="" xmlns:a16="http://schemas.microsoft.com/office/drawing/2014/main" xmlns:lc="http://schemas.openxmlformats.org/drawingml/2006/lockedCanvas" id="{201A28C1-A2AE-6E00-7A74-482DD7ABFE1B}"/>
-              </a:ext>
-            </a:extLst>
-          </p:cNvPr>
-          <p:cNvPicPr>
-            <a:picLocks noChangeAspect="1"/>
-          </p:cNvPicPr>
-          <p:nvPr/>
-        </p:nvPicPr>
-        <p:blipFill>
-          <a:blip r:embed="rId3"/>
-          <a:stretch>
-            <a:fillRect/>
-          </a:stretch>
-        </p:blipFill>
-        <p:spPr>
-          <a:xfrm>
-            <a:off x="6452284" y="2049595"/>
-            <a:ext cx="5149166" cy="3861875"/>
-          </a:xfrm>
-          <a:prstGeom prst="rect">
-            <a:avLst/>
-          </a:prstGeom>
-        </p:spPr>
-      </p:pic>
+          <a:bodyPr/>
+          <a:lstStyle/>
+          <a:p>
+            <a:r>
+              <a:rPr lang="en-US" dirty="0"/>
+              <a:t>Brenton</a:t>
+            </a:r>
+          </a:p>
+        </p:txBody>
+      </p:sp>
+      <p:sp>
+        <p:nvSpPr>
+          <p:cNvPr id="3" name="Content Placeholder 2"/>
+          <p:cNvSpPr>
+            <a:spLocks noGrp="1"/>
+          </p:cNvSpPr>
+          <p:nvPr>
+            <p:ph idx="1"/>
+          </p:nvPr>
+        </p:nvSpPr>
+        <p:spPr/>
+        <p:txBody>
+          <a:bodyPr/>
+          <a:lstStyle/>
+          <a:p>
+            <a:endParaRPr lang="en-US" dirty="0"/>
+          </a:p>
+        </p:txBody>
+      </p:sp>
     </p:spTree>
     <p:extLst>
       <p:ext uri="{BB962C8B-B14F-4D97-AF65-F5344CB8AC3E}">
-        <p14:creationId xmlns:p14="http://schemas.microsoft.com/office/powerpoint/2010/main" val="3392362938"/>
+        <p14:creationId xmlns:p14="http://schemas.microsoft.com/office/powerpoint/2010/main" val="3275018559"/>
       </p:ext>
     </p:extLst>
   </p:cSld>
   <p:clrMapOvr>
     <a:masterClrMapping/>
   </p:clrMapOvr>
-  <p:timing>
-    <p:tnLst>
-      <p:par>
-        <p:cTn id="1" dur="indefinite" restart="never" nodeType="tmRoot"/>
-      </p:par>
-    </p:tnLst>
-  </p:timing>
 </p:sld>
 </file>
 
@@ -8787,7 +9354,7 @@
       </p:grpSpPr>
       <p:sp>
         <p:nvSpPr>
-          <p:cNvPr id="2" name="Title 1"/>
+          <p:cNvPr id="4" name="Title 3"/>
           <p:cNvSpPr>
             <a:spLocks noGrp="1"/>
           </p:cNvSpPr>
@@ -8798,629 +9365,101 @@
         <p:spPr/>
         <p:txBody>
           <a:bodyPr>
-            <a:normAutofit/>
+            <a:normAutofit fontScale="90000"/>
           </a:bodyPr>
           <a:lstStyle/>
           <a:p>
             <a:pPr algn="ctr"/>
-            <a:r>
-              <a:rPr lang="en-US" sz="3600" dirty="0">
-                <a:latin typeface="+mn-lt"/>
-              </a:rPr>
-              <a:t>Orlando Magic Player </a:t>
-            </a:r>
-            <a:r>
-              <a:rPr lang="en-US" sz="3600" dirty="0" smtClean="0">
-                <a:latin typeface="+mn-lt"/>
-              </a:rPr>
-              <a:t>Performance</a:t>
-            </a:r>
-            <a:r>
-              <a:rPr lang="en-US" sz="3600" dirty="0">
-                <a:latin typeface="+mn-lt"/>
-              </a:rPr>
-              <a:t/>
-            </a:r>
             <a:br>
-              <a:rPr lang="en-US" sz="3600" dirty="0">
-                <a:latin typeface="+mn-lt"/>
-              </a:rPr>
+              <a:rPr lang="en-US" dirty="0"/>
             </a:br>
             <a:r>
-              <a:rPr lang="en-US" sz="3600" dirty="0">
-                <a:latin typeface="+mn-lt"/>
-              </a:rPr>
-              <a:t>Centers Season Availability &amp; Scoring </a:t>
-            </a:r>
-            <a:endParaRPr lang="en-US" sz="3600" dirty="0">
-              <a:latin typeface="+mn-lt"/>
-            </a:endParaRPr>
-          </a:p>
-        </p:txBody>
-      </p:sp>
-      <p:pic>
-        <p:nvPicPr>
-          <p:cNvPr id="7" name="Picture 6" descr="Chart, bar chart&#10;&#10;Description automatically generated">
-            <a:extLst>
-              <a:ext uri="{FF2B5EF4-FFF2-40B4-BE49-F238E27FC236}">
-                <a16:creationId xmlns="" xmlns:a16="http://schemas.microsoft.com/office/drawing/2014/main" xmlns:lc="http://schemas.openxmlformats.org/drawingml/2006/lockedCanvas" id="{7E7BC156-4ECE-551C-FF5F-82CB0F9AFCD6}"/>
-              </a:ext>
-            </a:extLst>
-          </p:cNvPr>
-          <p:cNvPicPr>
-            <a:picLocks noChangeAspect="1"/>
-          </p:cNvPicPr>
-          <p:nvPr/>
-        </p:nvPicPr>
-        <p:blipFill>
-          <a:blip r:embed="rId2"/>
-          <a:stretch>
-            <a:fillRect/>
-          </a:stretch>
-        </p:blipFill>
+              <a:rPr lang="en-US" dirty="0"/>
+              <a:t>Presented by</a:t>
+            </a:r>
+            <a:br>
+              <a:rPr lang="en-US" dirty="0"/>
+            </a:br>
+            <a:endParaRPr lang="en-US" dirty="0"/>
+          </a:p>
+        </p:txBody>
+      </p:sp>
+      <p:sp>
+        <p:nvSpPr>
+          <p:cNvPr id="5" name="Content Placeholder 4"/>
+          <p:cNvSpPr>
+            <a:spLocks noGrp="1"/>
+          </p:cNvSpPr>
+          <p:nvPr>
+            <p:ph idx="1"/>
+          </p:nvPr>
+        </p:nvSpPr>
         <p:spPr>
           <a:xfrm>
-            <a:off x="6225109" y="1887636"/>
-            <a:ext cx="5348832" cy="4011625"/>
+            <a:off x="838200" y="1825625"/>
+            <a:ext cx="10515600" cy="2746375"/>
           </a:xfrm>
-          <a:prstGeom prst="rect">
-            <a:avLst/>
-          </a:prstGeom>
         </p:spPr>
-      </p:pic>
-      <p:pic>
-        <p:nvPicPr>
-          <p:cNvPr id="8" name="Picture 7" descr="Chart, bar chart&#10;&#10;Description automatically generated">
-            <a:extLst>
-              <a:ext uri="{FF2B5EF4-FFF2-40B4-BE49-F238E27FC236}">
-                <a16:creationId xmlns="" xmlns:a16="http://schemas.microsoft.com/office/drawing/2014/main" xmlns:lc="http://schemas.openxmlformats.org/drawingml/2006/lockedCanvas" id="{C1C8C2E8-87A3-EA4B-908A-8C9EE3C54306}"/>
-              </a:ext>
-            </a:extLst>
-          </p:cNvPr>
-          <p:cNvPicPr>
-            <a:picLocks noChangeAspect="1"/>
-          </p:cNvPicPr>
-          <p:nvPr/>
-        </p:nvPicPr>
-        <p:blipFill>
-          <a:blip r:embed="rId3"/>
-          <a:stretch>
-            <a:fillRect/>
-          </a:stretch>
-        </p:blipFill>
-        <p:spPr>
-          <a:xfrm>
-            <a:off x="618059" y="1887636"/>
-            <a:ext cx="5348832" cy="4011624"/>
-          </a:xfrm>
-          <a:prstGeom prst="rect">
-            <a:avLst/>
-          </a:prstGeom>
-        </p:spPr>
-      </p:pic>
+        <p:txBody>
+          <a:bodyPr/>
+          <a:lstStyle/>
+          <a:p>
+            <a:pPr marL="0" indent="0" algn="ctr">
+              <a:buNone/>
+            </a:pPr>
+            <a:r>
+              <a:rPr lang="en-US" dirty="0"/>
+              <a:t>Brenton Bethel</a:t>
+            </a:r>
+          </a:p>
+          <a:p>
+            <a:pPr marL="0" indent="0" algn="ctr">
+              <a:buNone/>
+            </a:pPr>
+            <a:r>
+              <a:rPr lang="en-US" dirty="0"/>
+              <a:t>Candace Stingley</a:t>
+            </a:r>
+          </a:p>
+          <a:p>
+            <a:pPr marL="0" indent="0" algn="ctr">
+              <a:buNone/>
+            </a:pPr>
+            <a:r>
+              <a:rPr lang="en-US" dirty="0"/>
+              <a:t>Dario Rangel</a:t>
+            </a:r>
+          </a:p>
+          <a:p>
+            <a:pPr marL="0" indent="0" algn="ctr">
+              <a:buNone/>
+            </a:pPr>
+            <a:r>
+              <a:rPr lang="en-US" dirty="0"/>
+              <a:t>Jessica Richter</a:t>
+            </a:r>
+          </a:p>
+          <a:p>
+            <a:pPr marL="0" indent="0" algn="ctr">
+              <a:buNone/>
+            </a:pPr>
+            <a:r>
+              <a:rPr lang="en-US" dirty="0"/>
+              <a:t>Mark Meinhardt</a:t>
+            </a:r>
+          </a:p>
+        </p:txBody>
+      </p:sp>
     </p:spTree>
     <p:extLst>
       <p:ext uri="{BB962C8B-B14F-4D97-AF65-F5344CB8AC3E}">
-        <p14:creationId xmlns:p14="http://schemas.microsoft.com/office/powerpoint/2010/main" val="595485408"/>
+        <p14:creationId xmlns:p14="http://schemas.microsoft.com/office/powerpoint/2010/main" val="2590784503"/>
       </p:ext>
     </p:extLst>
   </p:cSld>
   <p:clrMapOvr>
     <a:masterClrMapping/>
   </p:clrMapOvr>
-  <p:timing>
-    <p:tnLst>
-      <p:par>
-        <p:cTn id="1" dur="indefinite" restart="never" nodeType="tmRoot"/>
-      </p:par>
-    </p:tnLst>
-  </p:timing>
-</p:sld>
-</file>
-
-<file path=ppt/slides/slide36.xml><?xml version="1.0" encoding="utf-8"?>
-<p:sld xmlns:a="http://schemas.openxmlformats.org/drawingml/2006/main" xmlns:r="http://schemas.openxmlformats.org/officeDocument/2006/relationships" xmlns:p="http://schemas.openxmlformats.org/presentationml/2006/main">
-  <p:cSld>
-    <p:spTree>
-      <p:nvGrpSpPr>
-        <p:cNvPr id="1" name=""/>
-        <p:cNvGrpSpPr/>
-        <p:nvPr/>
-      </p:nvGrpSpPr>
-      <p:grpSpPr>
-        <a:xfrm>
-          <a:off x="0" y="0"/>
-          <a:ext cx="0" cy="0"/>
-          <a:chOff x="0" y="0"/>
-          <a:chExt cx="0" cy="0"/>
-        </a:xfrm>
-      </p:grpSpPr>
-      <p:sp>
-        <p:nvSpPr>
-          <p:cNvPr id="2" name="Title 1"/>
-          <p:cNvSpPr>
-            <a:spLocks noGrp="1"/>
-          </p:cNvSpPr>
-          <p:nvPr>
-            <p:ph type="title"/>
-          </p:nvPr>
-        </p:nvSpPr>
-        <p:spPr/>
-        <p:txBody>
-          <a:bodyPr>
-            <a:normAutofit/>
-          </a:bodyPr>
-          <a:lstStyle/>
-          <a:p>
-            <a:pPr algn="ctr"/>
-            <a:r>
-              <a:rPr lang="en-US" sz="3600" dirty="0">
-                <a:latin typeface="+mn-lt"/>
-              </a:rPr>
-              <a:t>Orlando Magic Player </a:t>
-            </a:r>
-            <a:r>
-              <a:rPr lang="en-US" sz="3600" dirty="0" smtClean="0">
-                <a:latin typeface="+mn-lt"/>
-              </a:rPr>
-              <a:t>Performance</a:t>
-            </a:r>
-            <a:r>
-              <a:rPr lang="en-US" sz="3600" dirty="0">
-                <a:latin typeface="+mn-lt"/>
-              </a:rPr>
-              <a:t/>
-            </a:r>
-            <a:br>
-              <a:rPr lang="en-US" sz="3600" dirty="0">
-                <a:latin typeface="+mn-lt"/>
-              </a:rPr>
-            </a:br>
-            <a:r>
-              <a:rPr lang="en-US" sz="3600" dirty="0">
-                <a:latin typeface="+mn-lt"/>
-              </a:rPr>
-              <a:t>Centers Season Shooting</a:t>
-            </a:r>
-            <a:endParaRPr lang="en-US" sz="3600" dirty="0">
-              <a:latin typeface="+mn-lt"/>
-            </a:endParaRPr>
-          </a:p>
-        </p:txBody>
-      </p:sp>
-      <p:pic>
-        <p:nvPicPr>
-          <p:cNvPr id="5" name="Picture 4" descr="Chart, scatter chart&#10;&#10;Description automatically generated">
-            <a:extLst>
-              <a:ext uri="{FF2B5EF4-FFF2-40B4-BE49-F238E27FC236}">
-                <a16:creationId xmlns="" xmlns:a16="http://schemas.microsoft.com/office/drawing/2014/main" xmlns:lc="http://schemas.openxmlformats.org/drawingml/2006/lockedCanvas" id="{41787CD0-EC2E-23B3-CB1D-3BF13D826896}"/>
-              </a:ext>
-            </a:extLst>
-          </p:cNvPr>
-          <p:cNvPicPr>
-            <a:picLocks noChangeAspect="1"/>
-          </p:cNvPicPr>
-          <p:nvPr/>
-        </p:nvPicPr>
-        <p:blipFill>
-          <a:blip r:embed="rId2"/>
-          <a:stretch>
-            <a:fillRect/>
-          </a:stretch>
-        </p:blipFill>
-        <p:spPr>
-          <a:xfrm>
-            <a:off x="6576650" y="1949331"/>
-            <a:ext cx="4835977" cy="3626983"/>
-          </a:xfrm>
-          <a:prstGeom prst="rect">
-            <a:avLst/>
-          </a:prstGeom>
-        </p:spPr>
-      </p:pic>
-      <p:pic>
-        <p:nvPicPr>
-          <p:cNvPr id="6" name="Picture 5" descr="Chart, scatter chart&#10;&#10;Description automatically generated">
-            <a:extLst>
-              <a:ext uri="{FF2B5EF4-FFF2-40B4-BE49-F238E27FC236}">
-                <a16:creationId xmlns="" xmlns:a16="http://schemas.microsoft.com/office/drawing/2014/main" xmlns:lc="http://schemas.openxmlformats.org/drawingml/2006/lockedCanvas" id="{99AB083E-AF8B-DE41-C18B-CF59F8662AA1}"/>
-              </a:ext>
-            </a:extLst>
-          </p:cNvPr>
-          <p:cNvPicPr>
-            <a:picLocks noChangeAspect="1"/>
-          </p:cNvPicPr>
-          <p:nvPr/>
-        </p:nvPicPr>
-        <p:blipFill>
-          <a:blip r:embed="rId3"/>
-          <a:stretch>
-            <a:fillRect/>
-          </a:stretch>
-        </p:blipFill>
-        <p:spPr>
-          <a:xfrm>
-            <a:off x="779373" y="1949331"/>
-            <a:ext cx="4835977" cy="3626983"/>
-          </a:xfrm>
-          <a:prstGeom prst="rect">
-            <a:avLst/>
-          </a:prstGeom>
-        </p:spPr>
-      </p:pic>
-    </p:spTree>
-    <p:extLst>
-      <p:ext uri="{BB962C8B-B14F-4D97-AF65-F5344CB8AC3E}">
-        <p14:creationId xmlns:p14="http://schemas.microsoft.com/office/powerpoint/2010/main" val="1254442060"/>
-      </p:ext>
-    </p:extLst>
-  </p:cSld>
-  <p:clrMapOvr>
-    <a:masterClrMapping/>
-  </p:clrMapOvr>
-  <p:timing>
-    <p:tnLst>
-      <p:par>
-        <p:cTn id="1" dur="indefinite" restart="never" nodeType="tmRoot"/>
-      </p:par>
-    </p:tnLst>
-  </p:timing>
-</p:sld>
-</file>
-
-<file path=ppt/slides/slide37.xml><?xml version="1.0" encoding="utf-8"?>
-<p:sld xmlns:a="http://schemas.openxmlformats.org/drawingml/2006/main" xmlns:r="http://schemas.openxmlformats.org/officeDocument/2006/relationships" xmlns:p="http://schemas.openxmlformats.org/presentationml/2006/main">
-  <p:cSld>
-    <p:spTree>
-      <p:nvGrpSpPr>
-        <p:cNvPr id="1" name=""/>
-        <p:cNvGrpSpPr/>
-        <p:nvPr/>
-      </p:nvGrpSpPr>
-      <p:grpSpPr>
-        <a:xfrm>
-          <a:off x="0" y="0"/>
-          <a:ext cx="0" cy="0"/>
-          <a:chOff x="0" y="0"/>
-          <a:chExt cx="0" cy="0"/>
-        </a:xfrm>
-      </p:grpSpPr>
-      <p:sp>
-        <p:nvSpPr>
-          <p:cNvPr id="2" name="Title 1"/>
-          <p:cNvSpPr>
-            <a:spLocks noGrp="1"/>
-          </p:cNvSpPr>
-          <p:nvPr>
-            <p:ph type="title"/>
-          </p:nvPr>
-        </p:nvSpPr>
-        <p:spPr/>
-        <p:txBody>
-          <a:bodyPr>
-            <a:normAutofit/>
-          </a:bodyPr>
-          <a:lstStyle/>
-          <a:p>
-            <a:pPr algn="ctr"/>
-            <a:r>
-              <a:rPr lang="en-US" sz="3600" dirty="0">
-                <a:latin typeface="+mn-lt"/>
-              </a:rPr>
-              <a:t>Orlando Magic Player </a:t>
-            </a:r>
-            <a:r>
-              <a:rPr lang="en-US" sz="3600" dirty="0" smtClean="0">
-                <a:latin typeface="+mn-lt"/>
-              </a:rPr>
-              <a:t>Performance</a:t>
-            </a:r>
-            <a:r>
-              <a:rPr lang="en-US" sz="3600" dirty="0">
-                <a:latin typeface="+mn-lt"/>
-              </a:rPr>
-              <a:t/>
-            </a:r>
-            <a:br>
-              <a:rPr lang="en-US" sz="3600" dirty="0">
-                <a:latin typeface="+mn-lt"/>
-              </a:rPr>
-            </a:br>
-            <a:r>
-              <a:rPr lang="en-US" sz="3600" dirty="0">
-                <a:latin typeface="+mn-lt"/>
-              </a:rPr>
-              <a:t>Centers Season Plus-Minus</a:t>
-            </a:r>
-            <a:endParaRPr lang="en-US" sz="3600" dirty="0">
-              <a:latin typeface="+mn-lt"/>
-            </a:endParaRPr>
-          </a:p>
-        </p:txBody>
-      </p:sp>
-      <p:pic>
-        <p:nvPicPr>
-          <p:cNvPr id="7" name="Picture 6" descr="Chart, scatter chart&#10;&#10;Description automatically generated">
-            <a:extLst>
-              <a:ext uri="{FF2B5EF4-FFF2-40B4-BE49-F238E27FC236}">
-                <a16:creationId xmlns="" xmlns:a16="http://schemas.microsoft.com/office/drawing/2014/main" xmlns:lc="http://schemas.openxmlformats.org/drawingml/2006/lockedCanvas" id="{A49EA48D-83C4-2E2A-A983-CF1C6FD7AB91}"/>
-              </a:ext>
-            </a:extLst>
-          </p:cNvPr>
-          <p:cNvPicPr>
-            <a:picLocks noChangeAspect="1"/>
-          </p:cNvPicPr>
-          <p:nvPr/>
-        </p:nvPicPr>
-        <p:blipFill>
-          <a:blip r:embed="rId2"/>
-          <a:stretch>
-            <a:fillRect/>
-          </a:stretch>
-        </p:blipFill>
-        <p:spPr>
-          <a:xfrm>
-            <a:off x="3169914" y="1844024"/>
-            <a:ext cx="5852172" cy="4389129"/>
-          </a:xfrm>
-          <a:prstGeom prst="rect">
-            <a:avLst/>
-          </a:prstGeom>
-        </p:spPr>
-      </p:pic>
-    </p:spTree>
-    <p:extLst>
-      <p:ext uri="{BB962C8B-B14F-4D97-AF65-F5344CB8AC3E}">
-        <p14:creationId xmlns:p14="http://schemas.microsoft.com/office/powerpoint/2010/main" val="1339756695"/>
-      </p:ext>
-    </p:extLst>
-  </p:cSld>
-  <p:clrMapOvr>
-    <a:masterClrMapping/>
-  </p:clrMapOvr>
-  <p:timing>
-    <p:tnLst>
-      <p:par>
-        <p:cTn id="1" dur="indefinite" restart="never" nodeType="tmRoot"/>
-      </p:par>
-    </p:tnLst>
-  </p:timing>
-</p:sld>
-</file>
-
-<file path=ppt/slides/slide38.xml><?xml version="1.0" encoding="utf-8"?>
-<p:sld xmlns:a="http://schemas.openxmlformats.org/drawingml/2006/main" xmlns:r="http://schemas.openxmlformats.org/officeDocument/2006/relationships" xmlns:p="http://schemas.openxmlformats.org/presentationml/2006/main">
-  <p:cSld>
-    <p:spTree>
-      <p:nvGrpSpPr>
-        <p:cNvPr id="1" name=""/>
-        <p:cNvGrpSpPr/>
-        <p:nvPr/>
-      </p:nvGrpSpPr>
-      <p:grpSpPr>
-        <a:xfrm>
-          <a:off x="0" y="0"/>
-          <a:ext cx="0" cy="0"/>
-          <a:chOff x="0" y="0"/>
-          <a:chExt cx="0" cy="0"/>
-        </a:xfrm>
-      </p:grpSpPr>
-      <p:sp>
-        <p:nvSpPr>
-          <p:cNvPr id="2" name="Title 1"/>
-          <p:cNvSpPr>
-            <a:spLocks noGrp="1"/>
-          </p:cNvSpPr>
-          <p:nvPr>
-            <p:ph type="title"/>
-          </p:nvPr>
-        </p:nvSpPr>
-        <p:spPr>
-          <a:xfrm>
-            <a:off x="831850" y="239561"/>
-            <a:ext cx="10515600" cy="1427874"/>
-          </a:xfrm>
-        </p:spPr>
-        <p:txBody>
-          <a:bodyPr>
-            <a:normAutofit/>
-          </a:bodyPr>
-          <a:lstStyle/>
-          <a:p>
-            <a:pPr algn="ctr"/>
-            <a:r>
-              <a:rPr lang="en-US" dirty="0">
-                <a:solidFill>
-                  <a:prstClr val="black"/>
-                </a:solidFill>
-              </a:rPr>
-              <a:t>SECTION </a:t>
-            </a:r>
-            <a:r>
-              <a:rPr lang="en-US" dirty="0" smtClean="0">
-                <a:solidFill>
-                  <a:prstClr val="black"/>
-                </a:solidFill>
-              </a:rPr>
-              <a:t>5</a:t>
-            </a:r>
-            <a:endParaRPr lang="en-US" sz="2400" dirty="0"/>
-          </a:p>
-        </p:txBody>
-      </p:sp>
-      <p:sp>
-        <p:nvSpPr>
-          <p:cNvPr id="3" name="Text Placeholder 2"/>
-          <p:cNvSpPr>
-            <a:spLocks noGrp="1"/>
-          </p:cNvSpPr>
-          <p:nvPr>
-            <p:ph type="body" idx="1"/>
-          </p:nvPr>
-        </p:nvSpPr>
-        <p:spPr>
-          <a:xfrm>
-            <a:off x="831850" y="1721225"/>
-            <a:ext cx="10515600" cy="1110875"/>
-          </a:xfrm>
-        </p:spPr>
-        <p:txBody>
-          <a:bodyPr>
-            <a:noAutofit/>
-          </a:bodyPr>
-          <a:lstStyle/>
-          <a:p>
-            <a:pPr algn="ctr"/>
-            <a:r>
-              <a:rPr lang="en-US" sz="2800" dirty="0" smtClean="0">
-                <a:solidFill>
-                  <a:srgbClr val="2B2B2B"/>
-                </a:solidFill>
-              </a:rPr>
-              <a:t>Implications </a:t>
-            </a:r>
-            <a:r>
-              <a:rPr lang="en-US" sz="2800" dirty="0">
-                <a:solidFill>
-                  <a:srgbClr val="2B2B2B"/>
-                </a:solidFill>
-              </a:rPr>
-              <a:t>of </a:t>
-            </a:r>
-            <a:r>
-              <a:rPr lang="en-US" sz="2800" dirty="0" smtClean="0">
-                <a:solidFill>
-                  <a:srgbClr val="2B2B2B"/>
-                </a:solidFill>
-              </a:rPr>
-              <a:t>the findings/next steps</a:t>
-            </a:r>
-            <a:endParaRPr lang="en-US" sz="2800" dirty="0"/>
-          </a:p>
-        </p:txBody>
-      </p:sp>
-    </p:spTree>
-    <p:extLst>
-      <p:ext uri="{BB962C8B-B14F-4D97-AF65-F5344CB8AC3E}">
-        <p14:creationId xmlns:p14="http://schemas.microsoft.com/office/powerpoint/2010/main" val="3968192572"/>
-      </p:ext>
-    </p:extLst>
-  </p:cSld>
-  <p:clrMapOvr>
-    <a:masterClrMapping/>
-  </p:clrMapOvr>
-  <p:timing>
-    <p:tnLst>
-      <p:par>
-        <p:cTn id="1" dur="indefinite" restart="never" nodeType="tmRoot"/>
-      </p:par>
-    </p:tnLst>
-  </p:timing>
-</p:sld>
-</file>
-
-<file path=ppt/slides/slide39.xml><?xml version="1.0" encoding="utf-8"?>
-<p:sld xmlns:a="http://schemas.openxmlformats.org/drawingml/2006/main" xmlns:r="http://schemas.openxmlformats.org/officeDocument/2006/relationships" xmlns:p="http://schemas.openxmlformats.org/presentationml/2006/main">
-  <p:cSld>
-    <p:spTree>
-      <p:nvGrpSpPr>
-        <p:cNvPr id="1" name=""/>
-        <p:cNvGrpSpPr/>
-        <p:nvPr/>
-      </p:nvGrpSpPr>
-      <p:grpSpPr>
-        <a:xfrm>
-          <a:off x="0" y="0"/>
-          <a:ext cx="0" cy="0"/>
-          <a:chOff x="0" y="0"/>
-          <a:chExt cx="0" cy="0"/>
-        </a:xfrm>
-      </p:grpSpPr>
-      <p:sp>
-        <p:nvSpPr>
-          <p:cNvPr id="2" name="Title 1"/>
-          <p:cNvSpPr>
-            <a:spLocks noGrp="1"/>
-          </p:cNvSpPr>
-          <p:nvPr>
-            <p:ph type="title"/>
-          </p:nvPr>
-        </p:nvSpPr>
-        <p:spPr/>
-        <p:txBody>
-          <a:bodyPr/>
-          <a:lstStyle/>
-          <a:p>
-            <a:pPr algn="ctr"/>
-            <a:r>
-              <a:rPr lang="en-US" sz="3600" dirty="0">
-                <a:latin typeface="+mn-lt"/>
-              </a:rPr>
-              <a:t>Question 1 – Regular Season vs Playoff Percentage</a:t>
-            </a:r>
-            <a:endParaRPr lang="en-US" dirty="0">
-              <a:latin typeface="+mn-lt"/>
-            </a:endParaRPr>
-          </a:p>
-        </p:txBody>
-      </p:sp>
-      <p:sp>
-        <p:nvSpPr>
-          <p:cNvPr id="3" name="Content Placeholder 2"/>
-          <p:cNvSpPr>
-            <a:spLocks noGrp="1"/>
-          </p:cNvSpPr>
-          <p:nvPr>
-            <p:ph idx="1"/>
-          </p:nvPr>
-        </p:nvSpPr>
-        <p:spPr>
-          <a:xfrm>
-            <a:off x="838200" y="1825625"/>
-            <a:ext cx="10515600" cy="3343275"/>
-          </a:xfrm>
-        </p:spPr>
-        <p:txBody>
-          <a:bodyPr/>
-          <a:lstStyle/>
-          <a:p>
-            <a:r>
-              <a:rPr lang="en-US" dirty="0" smtClean="0"/>
-              <a:t>The correlation of season winning percentage versus playoff winning percentage is important because the regular season winning percentage determines home court advantage throughout the playoffs.</a:t>
-            </a:r>
-          </a:p>
-          <a:p>
-            <a:r>
-              <a:rPr lang="en-US" dirty="0" smtClean="0"/>
-              <a:t> Statistics show the team with the home court advantage has won 53 of 74 championships, or 71.6% of the time. </a:t>
-            </a:r>
-          </a:p>
-          <a:p>
-            <a:r>
-              <a:rPr lang="en-US" dirty="0" smtClean="0"/>
-              <a:t>There are no next steps with regard to this KPI</a:t>
-            </a:r>
-            <a:endParaRPr lang="en-US" dirty="0"/>
-          </a:p>
-        </p:txBody>
-      </p:sp>
-    </p:spTree>
-    <p:extLst>
-      <p:ext uri="{BB962C8B-B14F-4D97-AF65-F5344CB8AC3E}">
-        <p14:creationId xmlns:p14="http://schemas.microsoft.com/office/powerpoint/2010/main" val="3669989009"/>
-      </p:ext>
-    </p:extLst>
-  </p:cSld>
-  <p:clrMapOvr>
-    <a:masterClrMapping/>
-  </p:clrMapOvr>
-  <p:timing>
-    <p:tnLst>
-      <p:par>
-        <p:cTn id="1" dur="indefinite" restart="never" nodeType="tmRoot"/>
-      </p:par>
-    </p:tnLst>
-  </p:timing>
 </p:sld>
 </file>
 
@@ -9470,15 +9509,7 @@
                   <a:prstClr val="black"/>
                 </a:solidFill>
               </a:rPr>
-              <a:t>SECTION </a:t>
-            </a:r>
-            <a:r>
-              <a:rPr lang="en-US" dirty="0" smtClean="0">
-                <a:solidFill>
-                  <a:prstClr val="black"/>
-                </a:solidFill>
-              </a:rPr>
-              <a:t>2</a:t>
+              <a:t>SECTION 2</a:t>
             </a:r>
             <a:endParaRPr lang="en-US" dirty="0"/>
           </a:p>
@@ -9513,21 +9544,8 @@
                   <a:srgbClr val="2B2B2B"/>
                 </a:solidFill>
               </a:rPr>
-              <a:t>An overview of the data collection, cleanup, and exploration </a:t>
-            </a:r>
-            <a:r>
-              <a:rPr lang="en-US" sz="2800" dirty="0" smtClean="0">
-                <a:solidFill>
-                  <a:srgbClr val="2B2B2B"/>
-                </a:solidFill>
-              </a:rPr>
-              <a:t>processes</a:t>
-            </a:r>
-            <a:endParaRPr lang="en-US" sz="2800" dirty="0">
-              <a:solidFill>
-                <a:srgbClr val="2B2B2B"/>
-              </a:solidFill>
-            </a:endParaRPr>
+              <a:t>An overview of the data collection, cleanup, and exploration processes</a:t>
+            </a:r>
           </a:p>
         </p:txBody>
       </p:sp>
@@ -9535,650 +9553,6 @@
     <p:extLst>
       <p:ext uri="{BB962C8B-B14F-4D97-AF65-F5344CB8AC3E}">
         <p14:creationId xmlns:p14="http://schemas.microsoft.com/office/powerpoint/2010/main" val="199709479"/>
-      </p:ext>
-    </p:extLst>
-  </p:cSld>
-  <p:clrMapOvr>
-    <a:masterClrMapping/>
-  </p:clrMapOvr>
-  <p:timing>
-    <p:tnLst>
-      <p:par>
-        <p:cTn id="1" dur="indefinite" restart="never" nodeType="tmRoot"/>
-      </p:par>
-    </p:tnLst>
-  </p:timing>
-</p:sld>
-</file>
-
-<file path=ppt/slides/slide40.xml><?xml version="1.0" encoding="utf-8"?>
-<p:sld xmlns:a="http://schemas.openxmlformats.org/drawingml/2006/main" xmlns:r="http://schemas.openxmlformats.org/officeDocument/2006/relationships" xmlns:p="http://schemas.openxmlformats.org/presentationml/2006/main">
-  <p:cSld>
-    <p:spTree>
-      <p:nvGrpSpPr>
-        <p:cNvPr id="1" name=""/>
-        <p:cNvGrpSpPr/>
-        <p:nvPr/>
-      </p:nvGrpSpPr>
-      <p:grpSpPr>
-        <a:xfrm>
-          <a:off x="0" y="0"/>
-          <a:ext cx="0" cy="0"/>
-          <a:chOff x="0" y="0"/>
-          <a:chExt cx="0" cy="0"/>
-        </a:xfrm>
-      </p:grpSpPr>
-      <p:sp>
-        <p:nvSpPr>
-          <p:cNvPr id="2" name="Title 1"/>
-          <p:cNvSpPr>
-            <a:spLocks noGrp="1"/>
-          </p:cNvSpPr>
-          <p:nvPr>
-            <p:ph type="title"/>
-          </p:nvPr>
-        </p:nvSpPr>
-        <p:spPr/>
-        <p:txBody>
-          <a:bodyPr>
-            <a:normAutofit/>
-          </a:bodyPr>
-          <a:lstStyle/>
-          <a:p>
-            <a:pPr algn="ctr"/>
-            <a:r>
-              <a:rPr lang="en-US" sz="3600" dirty="0">
-                <a:latin typeface="+mn-lt"/>
-              </a:rPr>
-              <a:t>Orlando’s Players Strengths</a:t>
-            </a:r>
-            <a:endParaRPr lang="en-US" sz="3600" dirty="0">
-              <a:latin typeface="+mn-lt"/>
-            </a:endParaRPr>
-          </a:p>
-        </p:txBody>
-      </p:sp>
-      <p:sp>
-        <p:nvSpPr>
-          <p:cNvPr id="3" name="Content Placeholder 2"/>
-          <p:cNvSpPr>
-            <a:spLocks noGrp="1"/>
-          </p:cNvSpPr>
-          <p:nvPr>
-            <p:ph idx="1"/>
-          </p:nvPr>
-        </p:nvSpPr>
-        <p:spPr>
-          <a:xfrm>
-            <a:off x="838200" y="1825625"/>
-            <a:ext cx="10515600" cy="4226832"/>
-          </a:xfrm>
-        </p:spPr>
-        <p:txBody>
-          <a:bodyPr>
-            <a:normAutofit/>
-          </a:bodyPr>
-          <a:lstStyle/>
-          <a:p>
-            <a:r>
-              <a:rPr lang="en-US" dirty="0"/>
-              <a:t>Franz Wagner and Paolo </a:t>
-            </a:r>
-            <a:r>
-              <a:rPr lang="en-US" dirty="0" err="1"/>
-              <a:t>Banchero</a:t>
-            </a:r>
-            <a:r>
-              <a:rPr lang="en-US" dirty="0"/>
-              <a:t> were above the league average in every metric related to scoring directly and/or indirectly.</a:t>
-            </a:r>
-          </a:p>
-          <a:p>
-            <a:r>
-              <a:rPr lang="en-US" dirty="0"/>
-              <a:t>Starter </a:t>
-            </a:r>
-            <a:r>
-              <a:rPr lang="en-US" dirty="0" err="1"/>
-              <a:t>Markelle</a:t>
-            </a:r>
-            <a:r>
-              <a:rPr lang="en-US" dirty="0"/>
-              <a:t> Fultz was above league average in field goal percentage.</a:t>
-            </a:r>
-          </a:p>
-          <a:p>
-            <a:r>
-              <a:rPr lang="en-US" dirty="0"/>
-              <a:t>Starter </a:t>
-            </a:r>
-            <a:r>
-              <a:rPr lang="en-US" dirty="0" err="1"/>
-              <a:t>Markelle</a:t>
-            </a:r>
-            <a:r>
-              <a:rPr lang="en-US" dirty="0"/>
-              <a:t> Fultz was above league average in assists.</a:t>
-            </a:r>
-          </a:p>
-          <a:p>
-            <a:r>
-              <a:rPr lang="en-US" dirty="0"/>
-              <a:t>Reserve Guard Gary Harris was above league average in 3pt shooting.</a:t>
-            </a:r>
-          </a:p>
-          <a:p>
-            <a:r>
-              <a:rPr lang="en-US" dirty="0"/>
-              <a:t>All but one Center was below league average in 3pt shooting.</a:t>
-            </a:r>
-          </a:p>
-          <a:p>
-            <a:r>
-              <a:rPr lang="en-US" dirty="0"/>
-              <a:t>All but one Guard were below the league average in turnovers.</a:t>
-            </a:r>
-          </a:p>
-          <a:p>
-            <a:endParaRPr lang="en-US" dirty="0"/>
-          </a:p>
-        </p:txBody>
-      </p:sp>
-    </p:spTree>
-    <p:extLst>
-      <p:ext uri="{BB962C8B-B14F-4D97-AF65-F5344CB8AC3E}">
-        <p14:creationId xmlns:p14="http://schemas.microsoft.com/office/powerpoint/2010/main" val="3628214694"/>
-      </p:ext>
-    </p:extLst>
-  </p:cSld>
-  <p:clrMapOvr>
-    <a:masterClrMapping/>
-  </p:clrMapOvr>
-  <p:timing>
-    <p:tnLst>
-      <p:par>
-        <p:cTn id="1" dur="indefinite" restart="never" nodeType="tmRoot"/>
-      </p:par>
-    </p:tnLst>
-  </p:timing>
-</p:sld>
-</file>
-
-<file path=ppt/slides/slide41.xml><?xml version="1.0" encoding="utf-8"?>
-<p:sld xmlns:a="http://schemas.openxmlformats.org/drawingml/2006/main" xmlns:r="http://schemas.openxmlformats.org/officeDocument/2006/relationships" xmlns:p="http://schemas.openxmlformats.org/presentationml/2006/main">
-  <p:cSld>
-    <p:spTree>
-      <p:nvGrpSpPr>
-        <p:cNvPr id="1" name=""/>
-        <p:cNvGrpSpPr/>
-        <p:nvPr/>
-      </p:nvGrpSpPr>
-      <p:grpSpPr>
-        <a:xfrm>
-          <a:off x="0" y="0"/>
-          <a:ext cx="0" cy="0"/>
-          <a:chOff x="0" y="0"/>
-          <a:chExt cx="0" cy="0"/>
-        </a:xfrm>
-      </p:grpSpPr>
-      <p:sp>
-        <p:nvSpPr>
-          <p:cNvPr id="2" name="Title 1"/>
-          <p:cNvSpPr>
-            <a:spLocks noGrp="1"/>
-          </p:cNvSpPr>
-          <p:nvPr>
-            <p:ph type="title"/>
-          </p:nvPr>
-        </p:nvSpPr>
-        <p:spPr/>
-        <p:txBody>
-          <a:bodyPr>
-            <a:normAutofit/>
-          </a:bodyPr>
-          <a:lstStyle/>
-          <a:p>
-            <a:pPr algn="ctr"/>
-            <a:r>
-              <a:rPr lang="en-US" sz="3600" dirty="0">
-                <a:latin typeface="+mn-lt"/>
-              </a:rPr>
-              <a:t>Orlando’s Players Deficiencies </a:t>
-            </a:r>
-            <a:endParaRPr lang="en-US" sz="3600" dirty="0">
-              <a:latin typeface="+mn-lt"/>
-            </a:endParaRPr>
-          </a:p>
-        </p:txBody>
-      </p:sp>
-      <p:sp>
-        <p:nvSpPr>
-          <p:cNvPr id="3" name="Content Placeholder 2"/>
-          <p:cNvSpPr>
-            <a:spLocks noGrp="1"/>
-          </p:cNvSpPr>
-          <p:nvPr>
-            <p:ph idx="1"/>
-          </p:nvPr>
-        </p:nvSpPr>
-        <p:spPr>
-          <a:xfrm>
-            <a:off x="838200" y="1825625"/>
-            <a:ext cx="10515600" cy="4226832"/>
-          </a:xfrm>
-        </p:spPr>
-        <p:txBody>
-          <a:bodyPr>
-            <a:normAutofit lnSpcReduction="10000"/>
-          </a:bodyPr>
-          <a:lstStyle/>
-          <a:p>
-            <a:r>
-              <a:rPr lang="en-US" dirty="0"/>
-              <a:t>Reserve Guards performance in most major statistics categories were at or below league average.</a:t>
-            </a:r>
-          </a:p>
-          <a:p>
-            <a:r>
-              <a:rPr lang="en-US" dirty="0"/>
-              <a:t>Reserve Forwards performance in most major statistics categories were at or below league average.</a:t>
-            </a:r>
-          </a:p>
-          <a:p>
-            <a:r>
-              <a:rPr lang="en-US" dirty="0"/>
-              <a:t>Starting Center performance in key role statistics were at or slightly above league average.</a:t>
-            </a:r>
-          </a:p>
-          <a:p>
-            <a:r>
-              <a:rPr lang="en-US" dirty="0"/>
-              <a:t>All players but Franz Wagner were below the Plus-Minus league average.</a:t>
-            </a:r>
-          </a:p>
-          <a:p>
-            <a:r>
-              <a:rPr lang="en-US" dirty="0"/>
-              <a:t>All players but Franz Wagner, Kevon Harris, and </a:t>
-            </a:r>
-            <a:r>
-              <a:rPr lang="en-US" dirty="0" err="1"/>
-              <a:t>Goga</a:t>
-            </a:r>
-            <a:r>
-              <a:rPr lang="en-US" dirty="0"/>
-              <a:t> </a:t>
-            </a:r>
-            <a:r>
-              <a:rPr lang="en-US" dirty="0" err="1"/>
-              <a:t>Bitadze</a:t>
-            </a:r>
-            <a:r>
-              <a:rPr lang="en-US" dirty="0"/>
-              <a:t> had a negative Plus-Minus.</a:t>
-            </a:r>
-          </a:p>
-          <a:p>
-            <a:endParaRPr lang="en-US" dirty="0"/>
-          </a:p>
-        </p:txBody>
-      </p:sp>
-    </p:spTree>
-    <p:extLst>
-      <p:ext uri="{BB962C8B-B14F-4D97-AF65-F5344CB8AC3E}">
-        <p14:creationId xmlns:p14="http://schemas.microsoft.com/office/powerpoint/2010/main" val="128176156"/>
-      </p:ext>
-    </p:extLst>
-  </p:cSld>
-  <p:clrMapOvr>
-    <a:masterClrMapping/>
-  </p:clrMapOvr>
-  <p:timing>
-    <p:tnLst>
-      <p:par>
-        <p:cTn id="1" dur="indefinite" restart="never" nodeType="tmRoot"/>
-      </p:par>
-    </p:tnLst>
-  </p:timing>
-</p:sld>
-</file>
-
-<file path=ppt/slides/slide42.xml><?xml version="1.0" encoding="utf-8"?>
-<p:sld xmlns:a="http://schemas.openxmlformats.org/drawingml/2006/main" xmlns:r="http://schemas.openxmlformats.org/officeDocument/2006/relationships" xmlns:p="http://schemas.openxmlformats.org/presentationml/2006/main">
-  <p:cSld>
-    <p:spTree>
-      <p:nvGrpSpPr>
-        <p:cNvPr id="1" name=""/>
-        <p:cNvGrpSpPr/>
-        <p:nvPr/>
-      </p:nvGrpSpPr>
-      <p:grpSpPr>
-        <a:xfrm>
-          <a:off x="0" y="0"/>
-          <a:ext cx="0" cy="0"/>
-          <a:chOff x="0" y="0"/>
-          <a:chExt cx="0" cy="0"/>
-        </a:xfrm>
-      </p:grpSpPr>
-      <p:sp>
-        <p:nvSpPr>
-          <p:cNvPr id="2" name="Title 1"/>
-          <p:cNvSpPr>
-            <a:spLocks noGrp="1"/>
-          </p:cNvSpPr>
-          <p:nvPr>
-            <p:ph type="title"/>
-          </p:nvPr>
-        </p:nvSpPr>
-        <p:spPr/>
-        <p:txBody>
-          <a:bodyPr>
-            <a:normAutofit/>
-          </a:bodyPr>
-          <a:lstStyle/>
-          <a:p>
-            <a:pPr algn="ctr"/>
-            <a:r>
-              <a:rPr lang="en-US" sz="3600" dirty="0">
-                <a:latin typeface="+mn-lt"/>
-              </a:rPr>
-              <a:t>Player Performance Results </a:t>
-            </a:r>
-            <a:endParaRPr lang="en-US" sz="3600" dirty="0">
-              <a:latin typeface="+mn-lt"/>
-            </a:endParaRPr>
-          </a:p>
-        </p:txBody>
-      </p:sp>
-      <p:sp>
-        <p:nvSpPr>
-          <p:cNvPr id="3" name="Content Placeholder 2"/>
-          <p:cNvSpPr>
-            <a:spLocks noGrp="1"/>
-          </p:cNvSpPr>
-          <p:nvPr>
-            <p:ph idx="1"/>
-          </p:nvPr>
-        </p:nvSpPr>
-        <p:spPr>
-          <a:xfrm>
-            <a:off x="838200" y="1825625"/>
-            <a:ext cx="10515600" cy="2775404"/>
-          </a:xfrm>
-        </p:spPr>
-        <p:txBody>
-          <a:bodyPr/>
-          <a:lstStyle/>
-          <a:p>
-            <a:r>
-              <a:rPr lang="en-US" dirty="0"/>
-              <a:t>Starting Forwards are the strongest unit of the Orlando Magic Team, performed slightly or above the league average.</a:t>
-            </a:r>
-          </a:p>
-          <a:p>
-            <a:r>
-              <a:rPr lang="en-US" dirty="0"/>
-              <a:t>Starting Guards and Center were at or slightly above league average</a:t>
-            </a:r>
-          </a:p>
-          <a:p>
-            <a:r>
-              <a:rPr lang="en-US" dirty="0"/>
-              <a:t>Reserve players production in all roles were mainly below league average.</a:t>
-            </a:r>
-          </a:p>
-          <a:p>
-            <a:endParaRPr lang="en-US" dirty="0"/>
-          </a:p>
-        </p:txBody>
-      </p:sp>
-    </p:spTree>
-    <p:extLst>
-      <p:ext uri="{BB962C8B-B14F-4D97-AF65-F5344CB8AC3E}">
-        <p14:creationId xmlns:p14="http://schemas.microsoft.com/office/powerpoint/2010/main" val="4009922992"/>
-      </p:ext>
-    </p:extLst>
-  </p:cSld>
-  <p:clrMapOvr>
-    <a:masterClrMapping/>
-  </p:clrMapOvr>
-  <p:timing>
-    <p:tnLst>
-      <p:par>
-        <p:cTn id="1" dur="indefinite" restart="never" nodeType="tmRoot"/>
-      </p:par>
-    </p:tnLst>
-  </p:timing>
-</p:sld>
-</file>
-
-<file path=ppt/slides/slide43.xml><?xml version="1.0" encoding="utf-8"?>
-<p:sld xmlns:a="http://schemas.openxmlformats.org/drawingml/2006/main" xmlns:r="http://schemas.openxmlformats.org/officeDocument/2006/relationships" xmlns:p="http://schemas.openxmlformats.org/presentationml/2006/main">
-  <p:cSld>
-    <p:spTree>
-      <p:nvGrpSpPr>
-        <p:cNvPr id="1" name=""/>
-        <p:cNvGrpSpPr/>
-        <p:nvPr/>
-      </p:nvGrpSpPr>
-      <p:grpSpPr>
-        <a:xfrm>
-          <a:off x="0" y="0"/>
-          <a:ext cx="0" cy="0"/>
-          <a:chOff x="0" y="0"/>
-          <a:chExt cx="0" cy="0"/>
-        </a:xfrm>
-      </p:grpSpPr>
-      <p:sp>
-        <p:nvSpPr>
-          <p:cNvPr id="2" name="Title 1"/>
-          <p:cNvSpPr>
-            <a:spLocks noGrp="1"/>
-          </p:cNvSpPr>
-          <p:nvPr>
-            <p:ph type="title"/>
-          </p:nvPr>
-        </p:nvSpPr>
-        <p:spPr/>
-        <p:txBody>
-          <a:bodyPr>
-            <a:normAutofit/>
-          </a:bodyPr>
-          <a:lstStyle/>
-          <a:p>
-            <a:pPr algn="ctr"/>
-            <a:r>
-              <a:rPr lang="en-US" sz="3600" dirty="0">
-                <a:latin typeface="+mn-lt"/>
-              </a:rPr>
-              <a:t>Conclusion</a:t>
-            </a:r>
-            <a:endParaRPr lang="en-US" sz="3600" dirty="0">
-              <a:latin typeface="+mn-lt"/>
-            </a:endParaRPr>
-          </a:p>
-        </p:txBody>
-      </p:sp>
-      <p:sp>
-        <p:nvSpPr>
-          <p:cNvPr id="3" name="Content Placeholder 2"/>
-          <p:cNvSpPr>
-            <a:spLocks noGrp="1"/>
-          </p:cNvSpPr>
-          <p:nvPr>
-            <p:ph idx="1"/>
-          </p:nvPr>
-        </p:nvSpPr>
-        <p:spPr>
-          <a:xfrm>
-            <a:off x="838200" y="1825625"/>
-            <a:ext cx="10515600" cy="2775404"/>
-          </a:xfrm>
-        </p:spPr>
-        <p:txBody>
-          <a:bodyPr/>
-          <a:lstStyle/>
-          <a:p>
-            <a:r>
-              <a:rPr lang="en-US" dirty="0"/>
-              <a:t>Recommend contracting better reserve players in all categories. Their production is not up to par when they are on the floor.</a:t>
-            </a:r>
-          </a:p>
-          <a:p>
-            <a:r>
-              <a:rPr lang="en-US" dirty="0"/>
-              <a:t>Contracting a starting Guard or Center that is performing way above the league average and converting your starters into role players. This could increase your reserve production and their individual production shouldn’t dip to much. </a:t>
-            </a:r>
-          </a:p>
-          <a:p>
-            <a:endParaRPr lang="en-US" dirty="0"/>
-          </a:p>
-        </p:txBody>
-      </p:sp>
-    </p:spTree>
-    <p:extLst>
-      <p:ext uri="{BB962C8B-B14F-4D97-AF65-F5344CB8AC3E}">
-        <p14:creationId xmlns:p14="http://schemas.microsoft.com/office/powerpoint/2010/main" val="2030611793"/>
-      </p:ext>
-    </p:extLst>
-  </p:cSld>
-  <p:clrMapOvr>
-    <a:masterClrMapping/>
-  </p:clrMapOvr>
-  <p:timing>
-    <p:tnLst>
-      <p:par>
-        <p:cTn id="1" dur="indefinite" restart="never" nodeType="tmRoot"/>
-      </p:par>
-    </p:tnLst>
-  </p:timing>
-</p:sld>
-</file>
-
-<file path=ppt/slides/slide44.xml><?xml version="1.0" encoding="utf-8"?>
-<p:sld xmlns:a="http://schemas.openxmlformats.org/drawingml/2006/main" xmlns:r="http://schemas.openxmlformats.org/officeDocument/2006/relationships" xmlns:p="http://schemas.openxmlformats.org/presentationml/2006/main">
-  <p:cSld>
-    <p:spTree>
-      <p:nvGrpSpPr>
-        <p:cNvPr id="1" name=""/>
-        <p:cNvGrpSpPr/>
-        <p:nvPr/>
-      </p:nvGrpSpPr>
-      <p:grpSpPr>
-        <a:xfrm>
-          <a:off x="0" y="0"/>
-          <a:ext cx="0" cy="0"/>
-          <a:chOff x="0" y="0"/>
-          <a:chExt cx="0" cy="0"/>
-        </a:xfrm>
-      </p:grpSpPr>
-      <p:sp>
-        <p:nvSpPr>
-          <p:cNvPr id="4" name="Title 3"/>
-          <p:cNvSpPr>
-            <a:spLocks noGrp="1"/>
-          </p:cNvSpPr>
-          <p:nvPr>
-            <p:ph type="title"/>
-          </p:nvPr>
-        </p:nvSpPr>
-        <p:spPr/>
-        <p:txBody>
-          <a:bodyPr>
-            <a:normAutofit fontScale="90000"/>
-          </a:bodyPr>
-          <a:lstStyle/>
-          <a:p>
-            <a:pPr algn="ctr"/>
-            <a:r>
-              <a:rPr lang="en-US" dirty="0" smtClean="0"/>
-              <a:t/>
-            </a:r>
-            <a:br>
-              <a:rPr lang="en-US" dirty="0" smtClean="0"/>
-            </a:br>
-            <a:r>
-              <a:rPr lang="en-US" dirty="0" smtClean="0"/>
-              <a:t>Presented by</a:t>
-            </a:r>
-            <a:br>
-              <a:rPr lang="en-US" dirty="0" smtClean="0"/>
-            </a:br>
-            <a:endParaRPr lang="en-US" dirty="0"/>
-          </a:p>
-        </p:txBody>
-      </p:sp>
-      <p:sp>
-        <p:nvSpPr>
-          <p:cNvPr id="5" name="Content Placeholder 4"/>
-          <p:cNvSpPr>
-            <a:spLocks noGrp="1"/>
-          </p:cNvSpPr>
-          <p:nvPr>
-            <p:ph idx="1"/>
-          </p:nvPr>
-        </p:nvSpPr>
-        <p:spPr>
-          <a:xfrm>
-            <a:off x="838200" y="1825625"/>
-            <a:ext cx="10515600" cy="2746375"/>
-          </a:xfrm>
-        </p:spPr>
-        <p:txBody>
-          <a:bodyPr/>
-          <a:lstStyle/>
-          <a:p>
-            <a:pPr marL="0" indent="0" algn="ctr">
-              <a:buNone/>
-            </a:pPr>
-            <a:r>
-              <a:rPr lang="en-US" dirty="0" smtClean="0"/>
-              <a:t>Brenton Bethel</a:t>
-            </a:r>
-          </a:p>
-          <a:p>
-            <a:pPr marL="0" indent="0" algn="ctr">
-              <a:buNone/>
-            </a:pPr>
-            <a:r>
-              <a:rPr lang="en-US" dirty="0" smtClean="0"/>
-              <a:t>Candace Stingley</a:t>
-            </a:r>
-          </a:p>
-          <a:p>
-            <a:pPr marL="0" indent="0" algn="ctr">
-              <a:buNone/>
-            </a:pPr>
-            <a:r>
-              <a:rPr lang="en-US" dirty="0" smtClean="0"/>
-              <a:t>Dario Rangel</a:t>
-            </a:r>
-          </a:p>
-          <a:p>
-            <a:pPr marL="0" indent="0" algn="ctr">
-              <a:buNone/>
-            </a:pPr>
-            <a:r>
-              <a:rPr lang="en-US" dirty="0" smtClean="0"/>
-              <a:t>Jessica Richter</a:t>
-            </a:r>
-          </a:p>
-          <a:p>
-            <a:pPr marL="0" indent="0" algn="ctr">
-              <a:buNone/>
-            </a:pPr>
-            <a:r>
-              <a:rPr lang="en-US" dirty="0" smtClean="0"/>
-              <a:t>Mark Meinhardt</a:t>
-            </a:r>
-            <a:endParaRPr lang="en-US" dirty="0"/>
-          </a:p>
-        </p:txBody>
-      </p:sp>
-    </p:spTree>
-    <p:extLst>
-      <p:ext uri="{BB962C8B-B14F-4D97-AF65-F5344CB8AC3E}">
-        <p14:creationId xmlns:p14="http://schemas.microsoft.com/office/powerpoint/2010/main" val="2590784503"/>
       </p:ext>
     </p:extLst>
   </p:cSld>
@@ -10224,12 +9598,8 @@
           <a:p>
             <a:pPr algn="ctr"/>
             <a:r>
-              <a:rPr lang="en-US" sz="3600" b="1" dirty="0" smtClean="0"/>
-              <a:t>Website Data Collection from </a:t>
-            </a:r>
-            <a:r>
               <a:rPr lang="en-US" sz="3600" b="1" dirty="0"/>
-              <a:t>Basketball-Reference.com</a:t>
+              <a:t>Website Data Collection from Basketball-Reference.com</a:t>
             </a:r>
           </a:p>
         </p:txBody>
@@ -10263,32 +9633,11 @@
               <a:buChar char=""/>
             </a:pPr>
             <a:r>
-              <a:rPr lang="en-US" kern="100" dirty="0" smtClean="0">
-                <a:ea typeface="Calibri" panose="020F0502020204030204" pitchFamily="34" charset="0"/>
-                <a:cs typeface="Times New Roman" panose="02020603050405020304" pitchFamily="18" charset="0"/>
-              </a:rPr>
-              <a:t>One source </a:t>
-            </a:r>
-            <a:r>
               <a:rPr lang="en-US" kern="100" dirty="0">
                 <a:ea typeface="Calibri" panose="020F0502020204030204" pitchFamily="34" charset="0"/>
                 <a:cs typeface="Times New Roman" panose="02020603050405020304" pitchFamily="18" charset="0"/>
               </a:rPr>
-              <a:t>of data was </a:t>
-            </a:r>
-            <a:r>
-              <a:rPr lang="en-US" kern="100" dirty="0" smtClean="0">
-                <a:ea typeface="Calibri" panose="020F0502020204030204" pitchFamily="34" charset="0"/>
-                <a:cs typeface="Times New Roman" panose="02020603050405020304" pitchFamily="18" charset="0"/>
-              </a:rPr>
-              <a:t>from the </a:t>
-            </a:r>
-            <a:r>
-              <a:rPr lang="en-US" kern="100" dirty="0">
-                <a:ea typeface="Calibri" panose="020F0502020204030204" pitchFamily="34" charset="0"/>
-                <a:cs typeface="Times New Roman" panose="02020603050405020304" pitchFamily="18" charset="0"/>
-              </a:rPr>
-              <a:t>website: </a:t>
+              <a:t>One source of data was from the website: </a:t>
             </a:r>
             <a:r>
               <a:rPr lang="en-US" u="sng" kern="100" dirty="0">
@@ -10365,13 +9714,6 @@
   <p:clrMapOvr>
     <a:masterClrMapping/>
   </p:clrMapOvr>
-  <p:timing>
-    <p:tnLst>
-      <p:par>
-        <p:cTn id="1" dur="indefinite" restart="never" nodeType="tmRoot"/>
-      </p:par>
-    </p:tnLst>
-  </p:timing>
 </p:sld>
 </file>
 
@@ -10414,15 +9756,7 @@
                   <a:prstClr val="black"/>
                 </a:solidFill>
               </a:rPr>
-              <a:t>Website Data Collection from </a:t>
-            </a:r>
-            <a:r>
-              <a:rPr lang="en-US" sz="3600" b="1" dirty="0" smtClean="0">
-                <a:solidFill>
-                  <a:prstClr val="black"/>
-                </a:solidFill>
-              </a:rPr>
-              <a:t>NBA.com</a:t>
+              <a:t>Website Data Collection from NBA.com</a:t>
             </a:r>
             <a:endParaRPr lang="en-US" dirty="0"/>
           </a:p>
@@ -10444,26 +9778,9 @@
           <a:lstStyle/>
           <a:p>
             <a:r>
-              <a:rPr lang="en-US" dirty="0" smtClean="0"/>
-              <a:t>One source of data was pulled directly </a:t>
-            </a:r>
-            <a:r>
-              <a:rPr lang="en-US" dirty="0"/>
-              <a:t>from NBA.com and put the </a:t>
-            </a:r>
-            <a:r>
-              <a:rPr lang="en-US" dirty="0" smtClean="0"/>
-              <a:t>into </a:t>
-            </a:r>
-            <a:r>
-              <a:rPr lang="en-US" dirty="0"/>
-              <a:t>CSV </a:t>
-            </a:r>
-            <a:r>
-              <a:rPr lang="en-US" dirty="0" smtClean="0"/>
-              <a:t>files</a:t>
-            </a:r>
-            <a:endParaRPr lang="en-US" dirty="0"/>
+              <a:rPr lang="en-US" dirty="0"/>
+              <a:t>One source of data was pulled directly from NBA.com and put the into CSV files</a:t>
+            </a:r>
           </a:p>
           <a:p>
             <a:pPr marL="0" indent="0">
@@ -10473,62 +9790,17 @@
           </a:p>
           <a:p>
             <a:r>
-              <a:rPr lang="en-US" dirty="0" smtClean="0"/>
-              <a:t>Data </a:t>
-            </a:r>
-            <a:r>
-              <a:rPr lang="en-US" dirty="0"/>
-              <a:t>was </a:t>
-            </a:r>
-            <a:r>
-              <a:rPr lang="en-US" dirty="0" smtClean="0"/>
-              <a:t>selected as needed based on </a:t>
-            </a:r>
-            <a:r>
-              <a:rPr lang="en-US" dirty="0"/>
-              <a:t>the results that </a:t>
-            </a:r>
-            <a:r>
-              <a:rPr lang="en-US" dirty="0" smtClean="0"/>
-              <a:t>from </a:t>
-            </a:r>
-            <a:r>
-              <a:rPr lang="en-US" dirty="0"/>
-              <a:t>my first objective of finding the rankings of the NBA </a:t>
-            </a:r>
-            <a:r>
-              <a:rPr lang="en-US" dirty="0" smtClean="0"/>
-              <a:t>teams </a:t>
-            </a:r>
+              <a:rPr lang="en-US" dirty="0"/>
+              <a:t>Data was selected as needed based on the results that from my first objective of finding the rankings of the NBA teams </a:t>
+            </a:r>
+          </a:p>
+          <a:p>
             <a:endParaRPr lang="en-US" dirty="0"/>
           </a:p>
           <a:p>
-            <a:endParaRPr lang="en-US" dirty="0"/>
-          </a:p>
-          <a:p>
-            <a:r>
-              <a:rPr lang="en-US" dirty="0" smtClean="0"/>
-              <a:t>Data was cleaned using excel to make sure  all </a:t>
-            </a:r>
-            <a:r>
-              <a:rPr lang="en-US" dirty="0"/>
-              <a:t>of the data was formatted correctly. </a:t>
-            </a:r>
-            <a:r>
-              <a:rPr lang="en-US" dirty="0" smtClean="0"/>
-              <a:t>The data was </a:t>
-            </a:r>
-            <a:r>
-              <a:rPr lang="en-US" dirty="0"/>
-              <a:t>then imported </a:t>
-            </a:r>
-            <a:r>
-              <a:rPr lang="en-US" dirty="0" smtClean="0"/>
-              <a:t>into </a:t>
-            </a:r>
-            <a:r>
-              <a:rPr lang="en-US" dirty="0"/>
-              <a:t>a </a:t>
+            <a:r>
+              <a:rPr lang="en-US" dirty="0"/>
+              <a:t>Data was cleaned using excel to make sure  all of the data was formatted correctly. The data was then imported into a </a:t>
             </a:r>
             <a:r>
               <a:rPr lang="en-US" dirty="0" err="1"/>
@@ -10536,13 +9808,8 @@
             </a:r>
             <a:r>
               <a:rPr lang="en-US" dirty="0"/>
-              <a:t> Notebook </a:t>
-            </a:r>
-            <a:r>
-              <a:rPr lang="en-US" dirty="0" smtClean="0"/>
-              <a:t>for analysis </a:t>
-            </a:r>
-            <a:endParaRPr lang="en-US" dirty="0"/>
+              <a:t> Notebook for analysis </a:t>
+            </a:r>
           </a:p>
           <a:p>
             <a:endParaRPr lang="en-US" dirty="0"/>
@@ -10559,13 +9826,6 @@
   <p:clrMapOvr>
     <a:masterClrMapping/>
   </p:clrMapOvr>
-  <p:timing>
-    <p:tnLst>
-      <p:par>
-        <p:cTn id="1" dur="indefinite" restart="never" nodeType="tmRoot"/>
-      </p:par>
-    </p:tnLst>
-  </p:timing>
 </p:sld>
 </file>
 
@@ -10603,11 +9863,11 @@
           <a:p>
             <a:pPr algn="ctr"/>
             <a:r>
-              <a:rPr lang="en-US" sz="3600" b="1" dirty="0" smtClean="0"/>
+              <a:rPr lang="en-US" sz="3600" b="1" dirty="0"/>
               <a:t>API Data Collection using </a:t>
             </a:r>
             <a:r>
-              <a:rPr lang="en-US" sz="3600" b="1" dirty="0" err="1" smtClean="0"/>
+              <a:rPr lang="en-US" sz="3600" b="1" dirty="0" err="1"/>
               <a:t>nba_api</a:t>
             </a:r>
             <a:endParaRPr lang="en-US" dirty="0"/>
@@ -10630,32 +9890,32 @@
           <a:lstStyle/>
           <a:p>
             <a:r>
-              <a:rPr lang="en-US" dirty="0" smtClean="0"/>
+              <a:rPr lang="en-US" dirty="0"/>
               <a:t>One source of data came from the python module </a:t>
             </a:r>
             <a:r>
-              <a:rPr lang="en-US" dirty="0" err="1" smtClean="0"/>
+              <a:rPr lang="en-US" dirty="0" err="1"/>
               <a:t>nba_api</a:t>
             </a:r>
-            <a:endParaRPr lang="en-US" dirty="0" smtClean="0"/>
-          </a:p>
-          <a:p>
-            <a:r>
-              <a:rPr lang="en-US" dirty="0" smtClean="0"/>
+            <a:endParaRPr lang="en-US" dirty="0"/>
+          </a:p>
+          <a:p>
+            <a:r>
+              <a:rPr lang="en-US" dirty="0"/>
               <a:t>The </a:t>
             </a:r>
             <a:r>
-              <a:rPr lang="en-US" dirty="0" err="1" smtClean="0"/>
+              <a:rPr lang="en-US" dirty="0" err="1"/>
               <a:t>nba_api</a:t>
             </a:r>
             <a:r>
-              <a:rPr lang="en-US" dirty="0" smtClean="0"/>
+              <a:rPr lang="en-US" dirty="0"/>
               <a:t> contains official data from the NBA  and is the source of data for the website NBA.com</a:t>
             </a:r>
           </a:p>
           <a:p>
             <a:r>
-              <a:rPr lang="en-US" dirty="0" smtClean="0"/>
+              <a:rPr lang="en-US" dirty="0"/>
               <a:t>The API was easy to learn but going through the documentation was time consuming, which the group to use other methods in addition to this one</a:t>
             </a:r>
           </a:p>
@@ -10676,23 +9936,12 @@
               <a:rPr lang="en-US" dirty="0">
                 <a:hlinkClick r:id="rId2"/>
               </a:rPr>
-              <a:t>MIT </a:t>
-            </a:r>
-            <a:r>
-              <a:rPr lang="en-US" dirty="0" smtClean="0">
-                <a:hlinkClick r:id="rId2"/>
-              </a:rPr>
-              <a:t>License</a:t>
-            </a:r>
-            <a:r>
-              <a:rPr lang="en-US" dirty="0"/>
-              <a:t> </a:t>
-            </a:r>
-            <a:r>
-              <a:rPr lang="en-US" dirty="0" smtClean="0"/>
-              <a:t>and does not require an API key</a:t>
-            </a:r>
-            <a:endParaRPr lang="en-US" dirty="0"/>
+              <a:t>MIT License</a:t>
+            </a:r>
+            <a:r>
+              <a:rPr lang="en-US" dirty="0"/>
+              <a:t> and does not require an API key</a:t>
+            </a:r>
           </a:p>
         </p:txBody>
       </p:sp>
@@ -10706,13 +9955,6 @@
   <p:clrMapOvr>
     <a:masterClrMapping/>
   </p:clrMapOvr>
-  <p:timing>
-    <p:tnLst>
-      <p:par>
-        <p:cTn id="1" dur="indefinite" restart="never" nodeType="tmRoot"/>
-      </p:par>
-    </p:tnLst>
-  </p:timing>
 </p:sld>
 </file>
 
@@ -10748,16 +9990,10 @@
           <a:bodyPr/>
           <a:lstStyle/>
           <a:p>
-            <a:pPr algn="ctr"/>
-            <a:r>
-              <a:rPr lang="en-US" sz="3600" b="1" dirty="0">
-                <a:solidFill>
-                  <a:prstClr val="black"/>
-                </a:solidFill>
-              </a:rPr>
-              <a:t>Website Data Collection from NBA.com</a:t>
-            </a:r>
-            <a:endParaRPr lang="en-US" dirty="0"/>
+            <a:r>
+              <a:rPr lang="en-US" dirty="0"/>
+              <a:t>Dario</a:t>
+            </a:r>
           </a:p>
         </p:txBody>
       </p:sp>
@@ -10773,87 +10009,10 @@
         </p:nvSpPr>
         <p:spPr/>
         <p:txBody>
-          <a:bodyPr>
-            <a:normAutofit lnSpcReduction="10000"/>
-          </a:bodyPr>
-          <a:lstStyle/>
-          <a:p>
-            <a:r>
-              <a:rPr lang="en-US" dirty="0"/>
-              <a:t>Used </a:t>
-            </a:r>
-            <a:r>
-              <a:rPr lang="en-US" dirty="0">
-                <a:solidFill>
-                  <a:srgbClr val="FFFF00"/>
-                </a:solidFill>
-                <a:hlinkClick r:id="rId2">
-                  <a:extLst>
-                    <a:ext uri="{A12FA001-AC4F-418D-AE19-62706E023703}">
-                      <ahyp:hlinkClr xmlns="" xmlns:ahyp="http://schemas.microsoft.com/office/drawing/2018/hyperlinkcolor" xmlns:lc="http://schemas.openxmlformats.org/drawingml/2006/lockedCanvas" val="tx"/>
-                    </a:ext>
-                  </a:extLst>
-                </a:hlinkClick>
-              </a:rPr>
-              <a:t>https://www.nba.com/stats/players/traditional?SeasonType=Regular+Season</a:t>
-            </a:r>
-            <a:r>
-              <a:rPr lang="en-US" dirty="0">
-                <a:solidFill>
-                  <a:srgbClr val="FFFF00"/>
-                </a:solidFill>
-              </a:rPr>
-              <a:t> </a:t>
-            </a:r>
-            <a:r>
-              <a:rPr lang="en-US" dirty="0"/>
-              <a:t>to collect the traditional statistics of the 2023 regular season from the top 200 players made it into a CSV file.</a:t>
-            </a:r>
-          </a:p>
-          <a:p>
-            <a:r>
-              <a:rPr lang="en-US" dirty="0"/>
-              <a:t>Used the same site to get the traditional stats for the 2023 Orlando Magic Team and made it into a CSV file.</a:t>
-            </a:r>
-          </a:p>
-          <a:p>
-            <a:r>
-              <a:rPr lang="en-US" dirty="0"/>
-              <a:t>Added a Position column in excel to each of the CSV files. Created </a:t>
-            </a:r>
-            <a:r>
-              <a:rPr lang="en-US" dirty="0" err="1"/>
-              <a:t>Dataframe</a:t>
-            </a:r>
-            <a:r>
-              <a:rPr lang="en-US" dirty="0"/>
-              <a:t> with the CSV files of League Leaders and Orlando Magic Team.</a:t>
-            </a:r>
-          </a:p>
-          <a:p>
-            <a:r>
-              <a:rPr lang="en-US" dirty="0"/>
-              <a:t> Used the </a:t>
-            </a:r>
-            <a:r>
-              <a:rPr lang="en-US" dirty="0" err="1"/>
-              <a:t>Groupby</a:t>
-            </a:r>
-            <a:r>
-              <a:rPr lang="en-US" dirty="0"/>
-              <a:t> and .</a:t>
-            </a:r>
-            <a:r>
-              <a:rPr lang="en-US" dirty="0" err="1"/>
-              <a:t>Loc</a:t>
-            </a:r>
-            <a:r>
-              <a:rPr lang="en-US" dirty="0"/>
-              <a:t> function to sort the data by position so each player was being compared to similar player type.  </a:t>
-            </a:r>
-          </a:p>
-          <a:p>
-            <a:endParaRPr lang="en-US" dirty="0"/>
+          <a:bodyPr/>
+          <a:lstStyle/>
+          <a:p>
+            <a:endParaRPr lang="en-US"/>
           </a:p>
         </p:txBody>
       </p:sp>
@@ -10867,13 +10026,6 @@
   <p:clrMapOvr>
     <a:masterClrMapping/>
   </p:clrMapOvr>
-  <p:timing>
-    <p:tnLst>
-      <p:par>
-        <p:cTn id="1" dur="indefinite" restart="never" nodeType="tmRoot"/>
-      </p:par>
-    </p:tnLst>
-  </p:timing>
 </p:sld>
 </file>
 
@@ -10923,15 +10075,7 @@
                   <a:prstClr val="black"/>
                 </a:solidFill>
               </a:rPr>
-              <a:t>SECTION </a:t>
-            </a:r>
-            <a:r>
-              <a:rPr lang="en-US" dirty="0" smtClean="0">
-                <a:solidFill>
-                  <a:prstClr val="black"/>
-                </a:solidFill>
-              </a:rPr>
-              <a:t>3</a:t>
+              <a:t>SECTION 3</a:t>
             </a:r>
             <a:endParaRPr lang="en-US" sz="2400" dirty="0"/>
           </a:p>
@@ -10966,23 +10110,7 @@
                   <a:srgbClr val="2B2B2B"/>
                 </a:solidFill>
               </a:rPr>
-              <a:t>The </a:t>
-            </a:r>
-            <a:r>
-              <a:rPr lang="en-US" sz="2800" dirty="0" smtClean="0">
-                <a:solidFill>
-                  <a:srgbClr val="2B2B2B"/>
-                </a:solidFill>
-              </a:rPr>
-              <a:t>approach to </a:t>
-            </a:r>
-            <a:r>
-              <a:rPr lang="en-US" sz="2800" dirty="0">
-                <a:solidFill>
-                  <a:srgbClr val="2B2B2B"/>
-                </a:solidFill>
-              </a:rPr>
-              <a:t>achieve the project goals</a:t>
+              <a:t>The approach to achieve the project goals</a:t>
             </a:r>
             <a:endParaRPr lang="en-US" sz="2800" dirty="0"/>
           </a:p>
@@ -10998,13 +10126,6 @@
   <p:clrMapOvr>
     <a:masterClrMapping/>
   </p:clrMapOvr>
-  <p:timing>
-    <p:tnLst>
-      <p:par>
-        <p:cTn id="1" dur="indefinite" restart="never" nodeType="tmRoot"/>
-      </p:par>
-    </p:tnLst>
-  </p:timing>
 </p:sld>
 </file>
 
@@ -11297,7 +10418,7 @@
   <a:extraClrSchemeLst/>
   <a:extLst>
     <a:ext uri="{05A4C25C-085E-4340-85A3-A5531E510DB2}">
-      <thm15:themeFamily xmlns="" xmlns:thm15="http://schemas.microsoft.com/office/thememl/2012/main" name="Office Theme" id="{62F939B6-93AF-4DB8-9C6B-D6C7DFDC589F}" vid="{4A3C46E8-61CC-4603-A589-7422A47A8E4A}"/>
+      <thm15:themeFamily xmlns:thm15="http://schemas.microsoft.com/office/thememl/2012/main" name="Office Theme" id="{62F939B6-93AF-4DB8-9C6B-D6C7DFDC589F}" vid="{4A3C46E8-61CC-4603-A589-7422A47A8E4A}"/>
     </a:ext>
   </a:extLst>
 </a:theme>
